--- a/Bodyfat Group2.pptx
+++ b/Bodyfat Group2.pptx
@@ -5,24 +5,24 @@
     <p:sldMasterId id="2147483648" r:id="rId1"/>
   </p:sldMasterIdLst>
   <p:notesMasterIdLst>
-    <p:notesMasterId r:id="rId9"/>
+    <p:notesMasterId r:id="rId12"/>
   </p:notesMasterIdLst>
   <p:sldIdLst>
-    <p:sldId id="256" r:id="rId3"/>
-    <p:sldId id="271" r:id="rId4"/>
-    <p:sldId id="257" r:id="rId5"/>
-    <p:sldId id="258" r:id="rId6"/>
-    <p:sldId id="260" r:id="rId7"/>
-    <p:sldId id="265" r:id="rId8"/>
-    <p:sldId id="263" r:id="rId10"/>
-    <p:sldId id="266" r:id="rId11"/>
-    <p:sldId id="264" r:id="rId12"/>
-    <p:sldId id="267" r:id="rId13"/>
+    <p:sldId id="256" r:id="rId2"/>
+    <p:sldId id="271" r:id="rId3"/>
+    <p:sldId id="257" r:id="rId4"/>
+    <p:sldId id="258" r:id="rId5"/>
+    <p:sldId id="260" r:id="rId6"/>
+    <p:sldId id="265" r:id="rId7"/>
+    <p:sldId id="263" r:id="rId8"/>
+    <p:sldId id="266" r:id="rId9"/>
+    <p:sldId id="264" r:id="rId10"/>
+    <p:sldId id="267" r:id="rId11"/>
   </p:sldIdLst>
   <p:sldSz cx="12192000" cy="6858000"/>
   <p:notesSz cx="6858000" cy="9144000"/>
   <p:custDataLst>
-    <p:tags r:id="rId17"/>
+    <p:tags r:id="rId13"/>
   </p:custDataLst>
   <p:defaultTextStyle>
     <a:defPPr>
@@ -119,6 +119,25 @@
       </a:defRPr>
     </a:lvl9pPr>
   </p:defaultTextStyle>
+  <p:extLst>
+    <p:ext uri="{EFAFB233-063F-42B5-8137-9DF3F51BA10A}">
+      <p15:sldGuideLst xmlns:p15="http://schemas.microsoft.com/office/powerpoint/2012/main">
+        <p15:guide id="1" orient="horz" pos="2143">
+          <p15:clr>
+            <a:srgbClr val="A4A3A4"/>
+          </p15:clr>
+        </p15:guide>
+        <p15:guide id="2" pos="3838">
+          <p15:clr>
+            <a:srgbClr val="A4A3A4"/>
+          </p15:clr>
+        </p15:guide>
+      </p15:sldGuideLst>
+    </p:ext>
+    <p:ext uri="{2D200454-40CA-4A62-9FC3-DE9A4176ACB9}">
+      <p15:notesGuideLst xmlns:p15="http://schemas.microsoft.com/office/powerpoint/2012/main"/>
+    </p:ext>
+  </p:extLst>
 </p:presentation>
 </file>
 
@@ -204,6 +223,7 @@
           <a:p>
             <a:fld id="{D2A48B96-639E-45A3-A0BA-2464DFDB1FAA}" type="datetimeFigureOut">
               <a:rPr lang="zh-CN" altLang="en-US" smtClean="0"/>
+              <a:t>2022/10/17</a:t>
             </a:fld>
             <a:endParaRPr lang="zh-CN" altLang="en-US"/>
           </a:p>
@@ -267,42 +287,37 @@
           <a:p>
             <a:pPr lvl="0"/>
             <a:r>
-              <a:rPr lang="zh-CN" altLang="en-US" smtClean="0"/>
+              <a:rPr lang="zh-CN" altLang="en-US"/>
               <a:t>单击此处编辑母版文本样式</a:t>
             </a:r>
-            <a:endParaRPr lang="zh-CN" altLang="en-US" smtClean="0"/>
           </a:p>
           <a:p>
             <a:pPr lvl="1"/>
             <a:r>
-              <a:rPr lang="zh-CN" altLang="en-US" smtClean="0"/>
+              <a:rPr lang="zh-CN" altLang="en-US"/>
               <a:t>第二级</a:t>
             </a:r>
-            <a:endParaRPr lang="zh-CN" altLang="en-US" smtClean="0"/>
           </a:p>
           <a:p>
             <a:pPr lvl="2"/>
             <a:r>
-              <a:rPr lang="zh-CN" altLang="en-US" smtClean="0"/>
+              <a:rPr lang="zh-CN" altLang="en-US"/>
               <a:t>第三级</a:t>
             </a:r>
-            <a:endParaRPr lang="zh-CN" altLang="en-US" smtClean="0"/>
           </a:p>
           <a:p>
             <a:pPr lvl="3"/>
             <a:r>
-              <a:rPr lang="zh-CN" altLang="en-US" smtClean="0"/>
+              <a:rPr lang="zh-CN" altLang="en-US"/>
               <a:t>第四级</a:t>
             </a:r>
-            <a:endParaRPr lang="zh-CN" altLang="en-US" smtClean="0"/>
           </a:p>
           <a:p>
             <a:pPr lvl="4"/>
             <a:r>
-              <a:rPr lang="zh-CN" altLang="en-US" smtClean="0"/>
+              <a:rPr lang="zh-CN" altLang="en-US"/>
               <a:t>第五级</a:t>
             </a:r>
-            <a:endParaRPr lang="zh-CN" altLang="en-US"/>
           </a:p>
         </p:txBody>
       </p:sp>
@@ -366,6 +381,7 @@
           <a:p>
             <a:fld id="{A6837353-30EB-4A48-80EB-173D804AEFBD}" type="slidenum">
               <a:rPr lang="zh-CN" altLang="en-US" smtClean="0"/>
+              <a:t>‹Nº›</a:t>
             </a:fld>
             <a:endParaRPr lang="zh-CN" altLang="en-US"/>
           </a:p>
@@ -478,11 +494,20 @@
         <p:cNvGrpSpPr/>
         <p:nvPr/>
       </p:nvGrpSpPr>
-      <p:grpSpPr/>
+      <p:grpSpPr>
+        <a:xfrm>
+          <a:off x="0" y="0"/>
+          <a:ext cx="0" cy="0"/>
+          <a:chOff x="0" y="0"/>
+          <a:chExt cx="0" cy="0"/>
+        </a:xfrm>
+      </p:grpSpPr>
       <p:sp>
         <p:nvSpPr>
           <p:cNvPr id="2" name="幻灯片图像占位符 1"/>
-          <p:cNvSpPr/>
+          <p:cNvSpPr>
+            <a:spLocks noGrp="1" noRot="1" noChangeAspect="1"/>
+          </p:cNvSpPr>
           <p:nvPr>
             <p:ph type="sldImg" idx="2"/>
           </p:nvPr>
@@ -492,7 +517,9 @@
       <p:sp>
         <p:nvSpPr>
           <p:cNvPr id="3" name="文本占位符 2"/>
-          <p:cNvSpPr/>
+          <p:cNvSpPr>
+            <a:spLocks noGrp="1"/>
+          </p:cNvSpPr>
           <p:nvPr>
             <p:ph type="body" idx="3"/>
           </p:nvPr>
@@ -500,6 +527,7 @@
         <p:spPr/>
         <p:txBody>
           <a:bodyPr/>
+          <a:lstStyle/>
           <a:p>
             <a:endParaRPr lang="zh-CN" altLang="en-US"/>
           </a:p>
@@ -539,7 +567,7 @@
           <p:nvPr>
             <p:ph type="ctrTitle"/>
             <p:custDataLst>
-              <p:tags r:id="rId2"/>
+              <p:tags r:id="rId1"/>
             </p:custDataLst>
           </p:nvPr>
         </p:nvSpPr>
@@ -563,7 +591,6 @@
               <a:rPr lang="zh-CN" altLang="en-US" dirty="0"/>
               <a:t>单击此处编辑母版标题样式</a:t>
             </a:r>
-            <a:endParaRPr lang="zh-CN" altLang="en-US" dirty="0"/>
           </a:p>
         </p:txBody>
       </p:sp>
@@ -576,7 +603,7 @@
           <p:nvPr>
             <p:ph type="subTitle" idx="1"/>
             <p:custDataLst>
-              <p:tags r:id="rId3"/>
+              <p:tags r:id="rId2"/>
             </p:custDataLst>
           </p:nvPr>
         </p:nvSpPr>
@@ -636,7 +663,6 @@
               <a:rPr lang="zh-CN" altLang="en-US" dirty="0"/>
               <a:t>单击此处编辑母版副标题样式</a:t>
             </a:r>
-            <a:endParaRPr lang="zh-CN" altLang="en-US" dirty="0"/>
           </a:p>
         </p:txBody>
       </p:sp>
@@ -649,7 +675,7 @@
           <p:nvPr>
             <p:ph type="dt" sz="half" idx="10"/>
             <p:custDataLst>
-              <p:tags r:id="rId4"/>
+              <p:tags r:id="rId3"/>
             </p:custDataLst>
           </p:nvPr>
         </p:nvSpPr>
@@ -660,6 +686,7 @@
           <a:p>
             <a:fld id="{760FBDFE-C587-4B4C-A407-44438C67B59E}" type="datetimeFigureOut">
               <a:rPr lang="zh-CN" altLang="en-US" smtClean="0"/>
+              <a:t>2022/10/17</a:t>
             </a:fld>
             <a:endParaRPr lang="zh-CN" altLang="en-US"/>
           </a:p>
@@ -674,7 +701,7 @@
           <p:nvPr>
             <p:ph type="ftr" sz="quarter" idx="11"/>
             <p:custDataLst>
-              <p:tags r:id="rId5"/>
+              <p:tags r:id="rId4"/>
             </p:custDataLst>
           </p:nvPr>
         </p:nvSpPr>
@@ -696,7 +723,7 @@
           <p:nvPr>
             <p:ph type="sldNum" sz="quarter" idx="12"/>
             <p:custDataLst>
-              <p:tags r:id="rId6"/>
+              <p:tags r:id="rId5"/>
             </p:custDataLst>
           </p:nvPr>
         </p:nvSpPr>
@@ -707,6 +734,7 @@
           <a:p>
             <a:fld id="{49AE70B2-8BF9-45C0-BB95-33D1B9D3A854}" type="slidenum">
               <a:rPr lang="zh-CN" altLang="en-US" smtClean="0"/>
+              <a:t>‹Nº›</a:t>
             </a:fld>
             <a:endParaRPr lang="zh-CN" altLang="en-US" dirty="0"/>
           </a:p>
@@ -746,7 +774,7 @@
           <p:nvPr>
             <p:ph type="dt" sz="half" idx="10"/>
             <p:custDataLst>
-              <p:tags r:id="rId2"/>
+              <p:tags r:id="rId1"/>
             </p:custDataLst>
           </p:nvPr>
         </p:nvSpPr>
@@ -757,6 +785,7 @@
           <a:p>
             <a:fld id="{760FBDFE-C587-4B4C-A407-44438C67B59E}" type="datetimeFigureOut">
               <a:rPr lang="zh-CN" altLang="en-US" smtClean="0"/>
+              <a:t>2022/10/17</a:t>
             </a:fld>
             <a:endParaRPr lang="zh-CN" altLang="en-US"/>
           </a:p>
@@ -771,7 +800,7 @@
           <p:nvPr>
             <p:ph type="ftr" sz="quarter" idx="11"/>
             <p:custDataLst>
-              <p:tags r:id="rId3"/>
+              <p:tags r:id="rId2"/>
             </p:custDataLst>
           </p:nvPr>
         </p:nvSpPr>
@@ -793,7 +822,7 @@
           <p:nvPr>
             <p:ph type="sldNum" sz="quarter" idx="12"/>
             <p:custDataLst>
-              <p:tags r:id="rId4"/>
+              <p:tags r:id="rId3"/>
             </p:custDataLst>
           </p:nvPr>
         </p:nvSpPr>
@@ -804,6 +833,7 @@
           <a:p>
             <a:fld id="{49AE70B2-8BF9-45C0-BB95-33D1B9D3A854}" type="slidenum">
               <a:rPr lang="zh-CN" altLang="en-US" smtClean="0"/>
+              <a:t>‹Nº›</a:t>
             </a:fld>
             <a:endParaRPr lang="zh-CN" altLang="en-US"/>
           </a:p>
@@ -818,7 +848,7 @@
           <p:nvPr>
             <p:ph sz="quarter" idx="13"/>
             <p:custDataLst>
-              <p:tags r:id="rId5"/>
+              <p:tags r:id="rId4"/>
             </p:custDataLst>
           </p:nvPr>
         </p:nvSpPr>
@@ -837,7 +867,6 @@
               <a:rPr lang="zh-CN" altLang="en-US" dirty="0"/>
               <a:t>单击此处编辑母版文本样式</a:t>
             </a:r>
-            <a:endParaRPr lang="zh-CN" altLang="en-US" dirty="0"/>
           </a:p>
           <a:p>
             <a:pPr lvl="1"/>
@@ -845,7 +874,6 @@
               <a:rPr lang="zh-CN" altLang="en-US" dirty="0"/>
               <a:t>第二级</a:t>
             </a:r>
-            <a:endParaRPr lang="zh-CN" altLang="en-US" dirty="0"/>
           </a:p>
           <a:p>
             <a:pPr lvl="2"/>
@@ -853,7 +881,6 @@
               <a:rPr lang="zh-CN" altLang="en-US" dirty="0"/>
               <a:t>第三级</a:t>
             </a:r>
-            <a:endParaRPr lang="zh-CN" altLang="en-US" dirty="0"/>
           </a:p>
           <a:p>
             <a:pPr lvl="3"/>
@@ -861,7 +888,6 @@
               <a:rPr lang="zh-CN" altLang="en-US" dirty="0"/>
               <a:t>第四级</a:t>
             </a:r>
-            <a:endParaRPr lang="zh-CN" altLang="en-US" dirty="0"/>
           </a:p>
           <a:p>
             <a:pPr lvl="4"/>
@@ -869,7 +895,6 @@
               <a:rPr lang="zh-CN" altLang="en-US" dirty="0"/>
               <a:t>第五级</a:t>
             </a:r>
-            <a:endParaRPr lang="zh-CN" altLang="en-US" dirty="0"/>
           </a:p>
         </p:txBody>
       </p:sp>
@@ -907,7 +932,7 @@
           <p:nvPr>
             <p:ph type="dt" sz="half" idx="10"/>
             <p:custDataLst>
-              <p:tags r:id="rId2"/>
+              <p:tags r:id="rId1"/>
             </p:custDataLst>
           </p:nvPr>
         </p:nvSpPr>
@@ -918,6 +943,7 @@
           <a:p>
             <a:fld id="{760FBDFE-C587-4B4C-A407-44438C67B59E}" type="datetimeFigureOut">
               <a:rPr lang="zh-CN" altLang="en-US" smtClean="0"/>
+              <a:t>2022/10/17</a:t>
             </a:fld>
             <a:endParaRPr lang="zh-CN" altLang="en-US"/>
           </a:p>
@@ -932,7 +958,7 @@
           <p:nvPr>
             <p:ph type="ftr" sz="quarter" idx="11"/>
             <p:custDataLst>
-              <p:tags r:id="rId3"/>
+              <p:tags r:id="rId2"/>
             </p:custDataLst>
           </p:nvPr>
         </p:nvSpPr>
@@ -954,7 +980,7 @@
           <p:nvPr>
             <p:ph type="sldNum" sz="quarter" idx="12"/>
             <p:custDataLst>
-              <p:tags r:id="rId4"/>
+              <p:tags r:id="rId3"/>
             </p:custDataLst>
           </p:nvPr>
         </p:nvSpPr>
@@ -965,6 +991,7 @@
           <a:p>
             <a:fld id="{49AE70B2-8BF9-45C0-BB95-33D1B9D3A854}" type="slidenum">
               <a:rPr lang="zh-CN" altLang="en-US" smtClean="0"/>
+              <a:t>‹Nº›</a:t>
             </a:fld>
             <a:endParaRPr lang="zh-CN" altLang="en-US"/>
           </a:p>
@@ -979,7 +1006,7 @@
           <p:nvPr>
             <p:ph type="title" hasCustomPrompt="1"/>
             <p:custDataLst>
-              <p:tags r:id="rId5"/>
+              <p:tags r:id="rId4"/>
             </p:custDataLst>
           </p:nvPr>
         </p:nvSpPr>
@@ -1001,10 +1028,9 @@
           <a:p>
             <a:pPr lvl="0"/>
             <a:r>
-              <a:rPr lang="zh-CN" altLang="en-US" smtClean="0"/>
+              <a:rPr lang="zh-CN" altLang="en-US"/>
               <a:t>单击此处编辑标题</a:t>
             </a:r>
-            <a:endParaRPr lang="zh-CN" altLang="en-US"/>
           </a:p>
         </p:txBody>
       </p:sp>
@@ -1017,7 +1043,7 @@
           <p:nvPr>
             <p:ph type="body" sz="quarter" idx="13"/>
             <p:custDataLst>
-              <p:tags r:id="rId6"/>
+              <p:tags r:id="rId5"/>
             </p:custDataLst>
           </p:nvPr>
         </p:nvSpPr>
@@ -1046,7 +1072,6 @@
               <a:rPr lang="zh-CN" altLang="en-US" dirty="0"/>
               <a:t>单击此处编辑母版文本样式</a:t>
             </a:r>
-            <a:endParaRPr lang="zh-CN" altLang="en-US" dirty="0"/>
           </a:p>
         </p:txBody>
       </p:sp>
@@ -1084,7 +1109,7 @@
           <p:nvPr>
             <p:ph type="title"/>
             <p:custDataLst>
-              <p:tags r:id="rId2"/>
+              <p:tags r:id="rId1"/>
             </p:custDataLst>
           </p:nvPr>
         </p:nvSpPr>
@@ -1102,10 +1127,9 @@
           <a:p>
             <a:pPr lvl="0"/>
             <a:r>
-              <a:rPr lang="zh-CN" altLang="en-US" smtClean="0"/>
+              <a:rPr lang="zh-CN" altLang="en-US"/>
               <a:t>单击此处编辑母版标题样式</a:t>
             </a:r>
-            <a:endParaRPr lang="zh-CN" altLang="en-US"/>
           </a:p>
         </p:txBody>
       </p:sp>
@@ -1118,7 +1142,7 @@
           <p:nvPr>
             <p:ph idx="1"/>
             <p:custDataLst>
-              <p:tags r:id="rId3"/>
+              <p:tags r:id="rId2"/>
             </p:custDataLst>
           </p:nvPr>
         </p:nvSpPr>
@@ -1136,42 +1160,37 @@
           <a:p>
             <a:pPr lvl="0"/>
             <a:r>
-              <a:rPr lang="zh-CN" altLang="en-US" smtClean="0"/>
+              <a:rPr lang="zh-CN" altLang="en-US"/>
               <a:t>单击此处编辑母版文本样式</a:t>
             </a:r>
-            <a:endParaRPr lang="zh-CN" altLang="en-US" smtClean="0"/>
           </a:p>
           <a:p>
             <a:pPr lvl="1"/>
             <a:r>
-              <a:rPr lang="zh-CN" altLang="en-US" smtClean="0"/>
+              <a:rPr lang="zh-CN" altLang="en-US"/>
               <a:t>第二级</a:t>
             </a:r>
-            <a:endParaRPr lang="zh-CN" altLang="en-US" smtClean="0"/>
           </a:p>
           <a:p>
             <a:pPr lvl="2"/>
             <a:r>
-              <a:rPr lang="zh-CN" altLang="en-US" smtClean="0"/>
+              <a:rPr lang="zh-CN" altLang="en-US"/>
               <a:t>第三级</a:t>
             </a:r>
-            <a:endParaRPr lang="zh-CN" altLang="en-US" smtClean="0"/>
           </a:p>
           <a:p>
             <a:pPr lvl="3"/>
             <a:r>
-              <a:rPr lang="zh-CN" altLang="en-US" smtClean="0"/>
+              <a:rPr lang="zh-CN" altLang="en-US"/>
               <a:t>第四级</a:t>
             </a:r>
-            <a:endParaRPr lang="zh-CN" altLang="en-US" smtClean="0"/>
           </a:p>
           <a:p>
             <a:pPr lvl="4"/>
             <a:r>
-              <a:rPr lang="zh-CN" altLang="en-US" smtClean="0"/>
+              <a:rPr lang="zh-CN" altLang="en-US"/>
               <a:t>第五级</a:t>
             </a:r>
-            <a:endParaRPr lang="zh-CN" altLang="en-US"/>
           </a:p>
         </p:txBody>
       </p:sp>
@@ -1184,7 +1203,7 @@
           <p:nvPr>
             <p:ph type="dt" sz="half" idx="10"/>
             <p:custDataLst>
-              <p:tags r:id="rId4"/>
+              <p:tags r:id="rId3"/>
             </p:custDataLst>
           </p:nvPr>
         </p:nvSpPr>
@@ -1195,6 +1214,7 @@
           <a:p>
             <a:fld id="{760FBDFE-C587-4B4C-A407-44438C67B59E}" type="datetimeFigureOut">
               <a:rPr lang="zh-CN" altLang="en-US" smtClean="0"/>
+              <a:t>2022/10/17</a:t>
             </a:fld>
             <a:endParaRPr lang="zh-CN" altLang="en-US"/>
           </a:p>
@@ -1209,7 +1229,7 @@
           <p:nvPr>
             <p:ph type="ftr" sz="quarter" idx="11"/>
             <p:custDataLst>
-              <p:tags r:id="rId5"/>
+              <p:tags r:id="rId4"/>
             </p:custDataLst>
           </p:nvPr>
         </p:nvSpPr>
@@ -1231,7 +1251,7 @@
           <p:nvPr>
             <p:ph type="sldNum" sz="quarter" idx="12"/>
             <p:custDataLst>
-              <p:tags r:id="rId6"/>
+              <p:tags r:id="rId5"/>
             </p:custDataLst>
           </p:nvPr>
         </p:nvSpPr>
@@ -1242,6 +1262,7 @@
           <a:p>
             <a:fld id="{49AE70B2-8BF9-45C0-BB95-33D1B9D3A854}" type="slidenum">
               <a:rPr lang="zh-CN" altLang="en-US" smtClean="0"/>
+              <a:t>‹Nº›</a:t>
             </a:fld>
             <a:endParaRPr lang="zh-CN" altLang="en-US"/>
           </a:p>
@@ -1281,7 +1302,7 @@
           <p:nvPr>
             <p:ph type="title" hasCustomPrompt="1"/>
             <p:custDataLst>
-              <p:tags r:id="rId2"/>
+              <p:tags r:id="rId1"/>
             </p:custDataLst>
           </p:nvPr>
         </p:nvSpPr>
@@ -1305,7 +1326,6 @@
               <a:rPr lang="zh-CN" altLang="en-US" dirty="0"/>
               <a:t>单击此处编辑标题</a:t>
             </a:r>
-            <a:endParaRPr lang="zh-CN" altLang="en-US" dirty="0"/>
           </a:p>
         </p:txBody>
       </p:sp>
@@ -1318,7 +1338,7 @@
           <p:nvPr>
             <p:ph type="body" idx="1" hasCustomPrompt="1"/>
             <p:custDataLst>
-              <p:tags r:id="rId3"/>
+              <p:tags r:id="rId2"/>
             </p:custDataLst>
           </p:nvPr>
         </p:nvSpPr>
@@ -1431,7 +1451,6 @@
               <a:rPr lang="zh-CN" altLang="en-US" dirty="0"/>
               <a:t>单击此处编辑文本</a:t>
             </a:r>
-            <a:endParaRPr lang="zh-CN" altLang="en-US" dirty="0"/>
           </a:p>
         </p:txBody>
       </p:sp>
@@ -1444,7 +1463,7 @@
           <p:nvPr>
             <p:ph type="dt" sz="half" idx="10"/>
             <p:custDataLst>
-              <p:tags r:id="rId4"/>
+              <p:tags r:id="rId3"/>
             </p:custDataLst>
           </p:nvPr>
         </p:nvSpPr>
@@ -1455,6 +1474,7 @@
           <a:p>
             <a:fld id="{760FBDFE-C587-4B4C-A407-44438C67B59E}" type="datetimeFigureOut">
               <a:rPr lang="zh-CN" altLang="en-US" smtClean="0"/>
+              <a:t>2022/10/17</a:t>
             </a:fld>
             <a:endParaRPr lang="zh-CN" altLang="en-US"/>
           </a:p>
@@ -1469,7 +1489,7 @@
           <p:nvPr>
             <p:ph type="ftr" sz="quarter" idx="11"/>
             <p:custDataLst>
-              <p:tags r:id="rId5"/>
+              <p:tags r:id="rId4"/>
             </p:custDataLst>
           </p:nvPr>
         </p:nvSpPr>
@@ -1491,7 +1511,7 @@
           <p:nvPr>
             <p:ph type="sldNum" sz="quarter" idx="12"/>
             <p:custDataLst>
-              <p:tags r:id="rId6"/>
+              <p:tags r:id="rId5"/>
             </p:custDataLst>
           </p:nvPr>
         </p:nvSpPr>
@@ -1502,6 +1522,7 @@
           <a:p>
             <a:fld id="{49AE70B2-8BF9-45C0-BB95-33D1B9D3A854}" type="slidenum">
               <a:rPr lang="zh-CN" altLang="en-US" smtClean="0"/>
+              <a:t>‹Nº›</a:t>
             </a:fld>
             <a:endParaRPr lang="zh-CN" altLang="en-US"/>
           </a:p>
@@ -1541,7 +1562,7 @@
           <p:nvPr>
             <p:ph type="title"/>
             <p:custDataLst>
-              <p:tags r:id="rId2"/>
+              <p:tags r:id="rId1"/>
             </p:custDataLst>
           </p:nvPr>
         </p:nvSpPr>
@@ -1559,10 +1580,9 @@
           <a:p>
             <a:pPr lvl="0"/>
             <a:r>
-              <a:rPr lang="zh-CN" altLang="en-US" smtClean="0"/>
+              <a:rPr lang="zh-CN" altLang="en-US"/>
               <a:t>单击此处编辑母版标题样式</a:t>
             </a:r>
-            <a:endParaRPr lang="zh-CN" altLang="en-US"/>
           </a:p>
         </p:txBody>
       </p:sp>
@@ -1575,7 +1595,7 @@
           <p:nvPr>
             <p:ph sz="half" idx="1"/>
             <p:custDataLst>
-              <p:tags r:id="rId3"/>
+              <p:tags r:id="rId2"/>
             </p:custDataLst>
           </p:nvPr>
         </p:nvSpPr>
@@ -1593,42 +1613,37 @@
           <a:p>
             <a:pPr lvl="0"/>
             <a:r>
-              <a:rPr lang="zh-CN" altLang="en-US" smtClean="0"/>
+              <a:rPr lang="zh-CN" altLang="en-US"/>
               <a:t>单击此处编辑母版文本样式</a:t>
             </a:r>
-            <a:endParaRPr lang="zh-CN" altLang="en-US" smtClean="0"/>
           </a:p>
           <a:p>
             <a:pPr lvl="1"/>
             <a:r>
-              <a:rPr lang="zh-CN" altLang="en-US" smtClean="0"/>
+              <a:rPr lang="zh-CN" altLang="en-US"/>
               <a:t>第二级</a:t>
             </a:r>
-            <a:endParaRPr lang="zh-CN" altLang="en-US" smtClean="0"/>
           </a:p>
           <a:p>
             <a:pPr lvl="2"/>
             <a:r>
-              <a:rPr lang="zh-CN" altLang="en-US" smtClean="0"/>
+              <a:rPr lang="zh-CN" altLang="en-US"/>
               <a:t>第三级</a:t>
             </a:r>
-            <a:endParaRPr lang="zh-CN" altLang="en-US" smtClean="0"/>
           </a:p>
           <a:p>
             <a:pPr lvl="3"/>
             <a:r>
-              <a:rPr lang="zh-CN" altLang="en-US" smtClean="0"/>
+              <a:rPr lang="zh-CN" altLang="en-US"/>
               <a:t>第四级</a:t>
             </a:r>
-            <a:endParaRPr lang="zh-CN" altLang="en-US" smtClean="0"/>
           </a:p>
           <a:p>
             <a:pPr lvl="4"/>
             <a:r>
-              <a:rPr lang="zh-CN" altLang="en-US" smtClean="0"/>
+              <a:rPr lang="zh-CN" altLang="en-US"/>
               <a:t>第五级</a:t>
             </a:r>
-            <a:endParaRPr lang="zh-CN" altLang="en-US"/>
           </a:p>
         </p:txBody>
       </p:sp>
@@ -1641,7 +1656,7 @@
           <p:nvPr>
             <p:ph sz="half" idx="2"/>
             <p:custDataLst>
-              <p:tags r:id="rId4"/>
+              <p:tags r:id="rId3"/>
             </p:custDataLst>
           </p:nvPr>
         </p:nvSpPr>
@@ -1662,7 +1677,6 @@
               <a:rPr lang="zh-CN" altLang="en-US" dirty="0"/>
               <a:t>单击此处编辑母版文本样式</a:t>
             </a:r>
-            <a:endParaRPr lang="zh-CN" altLang="en-US" dirty="0"/>
           </a:p>
           <a:p>
             <a:pPr lvl="1"/>
@@ -1670,7 +1684,6 @@
               <a:rPr lang="zh-CN" altLang="en-US" dirty="0"/>
               <a:t>第二级</a:t>
             </a:r>
-            <a:endParaRPr lang="zh-CN" altLang="en-US" dirty="0"/>
           </a:p>
           <a:p>
             <a:pPr lvl="2"/>
@@ -1678,7 +1691,6 @@
               <a:rPr lang="zh-CN" altLang="en-US" dirty="0"/>
               <a:t>第三级</a:t>
             </a:r>
-            <a:endParaRPr lang="zh-CN" altLang="en-US" dirty="0"/>
           </a:p>
           <a:p>
             <a:pPr lvl="3"/>
@@ -1686,7 +1698,6 @@
               <a:rPr lang="zh-CN" altLang="en-US" dirty="0"/>
               <a:t>第四级</a:t>
             </a:r>
-            <a:endParaRPr lang="zh-CN" altLang="en-US" dirty="0"/>
           </a:p>
           <a:p>
             <a:pPr lvl="4"/>
@@ -1694,7 +1705,6 @@
               <a:rPr lang="zh-CN" altLang="en-US" dirty="0"/>
               <a:t>第五级</a:t>
             </a:r>
-            <a:endParaRPr lang="zh-CN" altLang="en-US" dirty="0"/>
           </a:p>
         </p:txBody>
       </p:sp>
@@ -1707,7 +1717,7 @@
           <p:nvPr>
             <p:ph type="dt" sz="half" idx="10"/>
             <p:custDataLst>
-              <p:tags r:id="rId5"/>
+              <p:tags r:id="rId4"/>
             </p:custDataLst>
           </p:nvPr>
         </p:nvSpPr>
@@ -1718,6 +1728,7 @@
           <a:p>
             <a:fld id="{760FBDFE-C587-4B4C-A407-44438C67B59E}" type="datetimeFigureOut">
               <a:rPr lang="zh-CN" altLang="en-US" smtClean="0"/>
+              <a:t>2022/10/17</a:t>
             </a:fld>
             <a:endParaRPr lang="zh-CN" altLang="en-US"/>
           </a:p>
@@ -1732,7 +1743,7 @@
           <p:nvPr>
             <p:ph type="ftr" sz="quarter" idx="11"/>
             <p:custDataLst>
-              <p:tags r:id="rId6"/>
+              <p:tags r:id="rId5"/>
             </p:custDataLst>
           </p:nvPr>
         </p:nvSpPr>
@@ -1754,7 +1765,7 @@
           <p:nvPr>
             <p:ph type="sldNum" sz="quarter" idx="12"/>
             <p:custDataLst>
-              <p:tags r:id="rId7"/>
+              <p:tags r:id="rId6"/>
             </p:custDataLst>
           </p:nvPr>
         </p:nvSpPr>
@@ -1765,6 +1776,7 @@
           <a:p>
             <a:fld id="{49AE70B2-8BF9-45C0-BB95-33D1B9D3A854}" type="slidenum">
               <a:rPr lang="zh-CN" altLang="en-US" smtClean="0"/>
+              <a:t>‹Nº›</a:t>
             </a:fld>
             <a:endParaRPr lang="zh-CN" altLang="en-US"/>
           </a:p>
@@ -1804,7 +1816,7 @@
           <p:nvPr>
             <p:ph type="title"/>
             <p:custDataLst>
-              <p:tags r:id="rId2"/>
+              <p:tags r:id="rId1"/>
             </p:custDataLst>
           </p:nvPr>
         </p:nvSpPr>
@@ -1822,10 +1834,9 @@
           <a:p>
             <a:pPr lvl="0"/>
             <a:r>
-              <a:rPr lang="zh-CN" altLang="en-US" smtClean="0"/>
+              <a:rPr lang="zh-CN" altLang="en-US"/>
               <a:t>单击此处编辑母版标题样式</a:t>
             </a:r>
-            <a:endParaRPr lang="zh-CN" altLang="en-US"/>
           </a:p>
         </p:txBody>
       </p:sp>
@@ -1838,7 +1849,7 @@
           <p:nvPr>
             <p:ph type="body" idx="1" hasCustomPrompt="1"/>
             <p:custDataLst>
-              <p:tags r:id="rId3"/>
+              <p:tags r:id="rId2"/>
             </p:custDataLst>
           </p:nvPr>
         </p:nvSpPr>
@@ -1906,7 +1917,6 @@
               <a:rPr lang="zh-CN" altLang="en-US" dirty="0"/>
               <a:t>单击此处编辑文本</a:t>
             </a:r>
-            <a:endParaRPr lang="zh-CN" altLang="en-US" dirty="0"/>
           </a:p>
         </p:txBody>
       </p:sp>
@@ -1919,7 +1929,7 @@
           <p:nvPr>
             <p:ph sz="half" idx="2"/>
             <p:custDataLst>
-              <p:tags r:id="rId4"/>
+              <p:tags r:id="rId3"/>
             </p:custDataLst>
           </p:nvPr>
         </p:nvSpPr>
@@ -1937,42 +1947,37 @@
           <a:p>
             <a:pPr lvl="0"/>
             <a:r>
-              <a:rPr lang="zh-CN" altLang="en-US" smtClean="0"/>
+              <a:rPr lang="zh-CN" altLang="en-US"/>
               <a:t>单击此处编辑母版文本样式</a:t>
             </a:r>
-            <a:endParaRPr lang="zh-CN" altLang="en-US" smtClean="0"/>
           </a:p>
           <a:p>
             <a:pPr lvl="1"/>
             <a:r>
-              <a:rPr lang="zh-CN" altLang="en-US" smtClean="0"/>
+              <a:rPr lang="zh-CN" altLang="en-US"/>
               <a:t>第二级</a:t>
             </a:r>
-            <a:endParaRPr lang="zh-CN" altLang="en-US" smtClean="0"/>
           </a:p>
           <a:p>
             <a:pPr lvl="2"/>
             <a:r>
-              <a:rPr lang="zh-CN" altLang="en-US" smtClean="0"/>
+              <a:rPr lang="zh-CN" altLang="en-US"/>
               <a:t>第三级</a:t>
             </a:r>
-            <a:endParaRPr lang="zh-CN" altLang="en-US" smtClean="0"/>
           </a:p>
           <a:p>
             <a:pPr lvl="3"/>
             <a:r>
-              <a:rPr lang="zh-CN" altLang="en-US" smtClean="0"/>
+              <a:rPr lang="zh-CN" altLang="en-US"/>
               <a:t>第四级</a:t>
             </a:r>
-            <a:endParaRPr lang="zh-CN" altLang="en-US" smtClean="0"/>
           </a:p>
           <a:p>
             <a:pPr lvl="4"/>
             <a:r>
-              <a:rPr lang="zh-CN" altLang="en-US" smtClean="0"/>
+              <a:rPr lang="zh-CN" altLang="en-US"/>
               <a:t>第五级</a:t>
             </a:r>
-            <a:endParaRPr lang="zh-CN" altLang="en-US"/>
           </a:p>
         </p:txBody>
       </p:sp>
@@ -1985,7 +1990,7 @@
           <p:nvPr>
             <p:ph type="body" sz="quarter" idx="3" hasCustomPrompt="1"/>
             <p:custDataLst>
-              <p:tags r:id="rId5"/>
+              <p:tags r:id="rId4"/>
             </p:custDataLst>
           </p:nvPr>
         </p:nvSpPr>
@@ -2050,10 +2055,9 @@
           <a:p>
             <a:pPr lvl="0"/>
             <a:r>
-              <a:rPr lang="zh-CN" altLang="en-US" smtClean="0"/>
+              <a:rPr lang="zh-CN" altLang="en-US"/>
               <a:t>单击此处编辑文本</a:t>
             </a:r>
-            <a:endParaRPr lang="zh-CN" altLang="en-US"/>
           </a:p>
         </p:txBody>
       </p:sp>
@@ -2066,7 +2070,7 @@
           <p:nvPr>
             <p:ph sz="quarter" idx="4"/>
             <p:custDataLst>
-              <p:tags r:id="rId6"/>
+              <p:tags r:id="rId5"/>
             </p:custDataLst>
           </p:nvPr>
         </p:nvSpPr>
@@ -2084,42 +2088,37 @@
           <a:p>
             <a:pPr lvl="0"/>
             <a:r>
-              <a:rPr lang="zh-CN" altLang="en-US" smtClean="0"/>
+              <a:rPr lang="zh-CN" altLang="en-US"/>
               <a:t>单击此处编辑母版文本样式</a:t>
             </a:r>
-            <a:endParaRPr lang="zh-CN" altLang="en-US" smtClean="0"/>
           </a:p>
           <a:p>
             <a:pPr lvl="1"/>
             <a:r>
-              <a:rPr lang="zh-CN" altLang="en-US" smtClean="0"/>
+              <a:rPr lang="zh-CN" altLang="en-US"/>
               <a:t>第二级</a:t>
             </a:r>
-            <a:endParaRPr lang="zh-CN" altLang="en-US" smtClean="0"/>
           </a:p>
           <a:p>
             <a:pPr lvl="2"/>
             <a:r>
-              <a:rPr lang="zh-CN" altLang="en-US" smtClean="0"/>
+              <a:rPr lang="zh-CN" altLang="en-US"/>
               <a:t>第三级</a:t>
             </a:r>
-            <a:endParaRPr lang="zh-CN" altLang="en-US" smtClean="0"/>
           </a:p>
           <a:p>
             <a:pPr lvl="3"/>
             <a:r>
-              <a:rPr lang="zh-CN" altLang="en-US" smtClean="0"/>
+              <a:rPr lang="zh-CN" altLang="en-US"/>
               <a:t>第四级</a:t>
             </a:r>
-            <a:endParaRPr lang="zh-CN" altLang="en-US" smtClean="0"/>
           </a:p>
           <a:p>
             <a:pPr lvl="4"/>
             <a:r>
-              <a:rPr lang="zh-CN" altLang="en-US" smtClean="0"/>
+              <a:rPr lang="zh-CN" altLang="en-US"/>
               <a:t>第五级</a:t>
             </a:r>
-            <a:endParaRPr lang="zh-CN" altLang="en-US"/>
           </a:p>
         </p:txBody>
       </p:sp>
@@ -2132,7 +2131,7 @@
           <p:nvPr>
             <p:ph type="dt" sz="half" idx="10"/>
             <p:custDataLst>
-              <p:tags r:id="rId7"/>
+              <p:tags r:id="rId6"/>
             </p:custDataLst>
           </p:nvPr>
         </p:nvSpPr>
@@ -2143,6 +2142,7 @@
           <a:p>
             <a:fld id="{760FBDFE-C587-4B4C-A407-44438C67B59E}" type="datetimeFigureOut">
               <a:rPr lang="zh-CN" altLang="en-US" smtClean="0"/>
+              <a:t>2022/10/17</a:t>
             </a:fld>
             <a:endParaRPr lang="zh-CN" altLang="en-US"/>
           </a:p>
@@ -2157,7 +2157,7 @@
           <p:nvPr>
             <p:ph type="ftr" sz="quarter" idx="11"/>
             <p:custDataLst>
-              <p:tags r:id="rId8"/>
+              <p:tags r:id="rId7"/>
             </p:custDataLst>
           </p:nvPr>
         </p:nvSpPr>
@@ -2179,7 +2179,7 @@
           <p:nvPr>
             <p:ph type="sldNum" sz="quarter" idx="12"/>
             <p:custDataLst>
-              <p:tags r:id="rId9"/>
+              <p:tags r:id="rId8"/>
             </p:custDataLst>
           </p:nvPr>
         </p:nvSpPr>
@@ -2190,6 +2190,7 @@
           <a:p>
             <a:fld id="{49AE70B2-8BF9-45C0-BB95-33D1B9D3A854}" type="slidenum">
               <a:rPr lang="zh-CN" altLang="en-US" smtClean="0"/>
+              <a:t>‹Nº›</a:t>
             </a:fld>
             <a:endParaRPr lang="zh-CN" altLang="en-US"/>
           </a:p>
@@ -2229,7 +2230,7 @@
           <p:nvPr>
             <p:ph type="title"/>
             <p:custDataLst>
-              <p:tags r:id="rId2"/>
+              <p:tags r:id="rId1"/>
             </p:custDataLst>
           </p:nvPr>
         </p:nvSpPr>
@@ -2247,10 +2248,9 @@
           <a:p>
             <a:pPr lvl="0"/>
             <a:r>
-              <a:rPr lang="zh-CN" altLang="en-US" smtClean="0"/>
+              <a:rPr lang="zh-CN" altLang="en-US"/>
               <a:t>单击此处编辑母版标题样式</a:t>
             </a:r>
-            <a:endParaRPr lang="zh-CN" altLang="en-US"/>
           </a:p>
         </p:txBody>
       </p:sp>
@@ -2263,7 +2263,7 @@
           <p:nvPr>
             <p:ph type="dt" sz="half" idx="10"/>
             <p:custDataLst>
-              <p:tags r:id="rId3"/>
+              <p:tags r:id="rId2"/>
             </p:custDataLst>
           </p:nvPr>
         </p:nvSpPr>
@@ -2274,6 +2274,7 @@
           <a:p>
             <a:fld id="{760FBDFE-C587-4B4C-A407-44438C67B59E}" type="datetimeFigureOut">
               <a:rPr lang="zh-CN" altLang="en-US" smtClean="0"/>
+              <a:t>2022/10/17</a:t>
             </a:fld>
             <a:endParaRPr lang="zh-CN" altLang="en-US"/>
           </a:p>
@@ -2288,7 +2289,7 @@
           <p:nvPr>
             <p:ph type="ftr" sz="quarter" idx="11"/>
             <p:custDataLst>
-              <p:tags r:id="rId4"/>
+              <p:tags r:id="rId3"/>
             </p:custDataLst>
           </p:nvPr>
         </p:nvSpPr>
@@ -2310,7 +2311,7 @@
           <p:nvPr>
             <p:ph type="sldNum" sz="quarter" idx="12"/>
             <p:custDataLst>
-              <p:tags r:id="rId5"/>
+              <p:tags r:id="rId4"/>
             </p:custDataLst>
           </p:nvPr>
         </p:nvSpPr>
@@ -2321,6 +2322,7 @@
           <a:p>
             <a:fld id="{49AE70B2-8BF9-45C0-BB95-33D1B9D3A854}" type="slidenum">
               <a:rPr lang="zh-CN" altLang="en-US" smtClean="0"/>
+              <a:t>‹Nº›</a:t>
             </a:fld>
             <a:endParaRPr lang="zh-CN" altLang="en-US"/>
           </a:p>
@@ -2360,7 +2362,7 @@
           <p:nvPr>
             <p:ph type="dt" sz="half" idx="10"/>
             <p:custDataLst>
-              <p:tags r:id="rId2"/>
+              <p:tags r:id="rId1"/>
             </p:custDataLst>
           </p:nvPr>
         </p:nvSpPr>
@@ -2371,6 +2373,7 @@
           <a:p>
             <a:fld id="{760FBDFE-C587-4B4C-A407-44438C67B59E}" type="datetimeFigureOut">
               <a:rPr lang="zh-CN" altLang="en-US" smtClean="0"/>
+              <a:t>2022/10/17</a:t>
             </a:fld>
             <a:endParaRPr lang="zh-CN" altLang="en-US"/>
           </a:p>
@@ -2385,7 +2388,7 @@
           <p:nvPr>
             <p:ph type="ftr" sz="quarter" idx="11"/>
             <p:custDataLst>
-              <p:tags r:id="rId3"/>
+              <p:tags r:id="rId2"/>
             </p:custDataLst>
           </p:nvPr>
         </p:nvSpPr>
@@ -2407,7 +2410,7 @@
           <p:nvPr>
             <p:ph type="sldNum" sz="quarter" idx="12"/>
             <p:custDataLst>
-              <p:tags r:id="rId4"/>
+              <p:tags r:id="rId3"/>
             </p:custDataLst>
           </p:nvPr>
         </p:nvSpPr>
@@ -2418,6 +2421,7 @@
           <a:p>
             <a:fld id="{49AE70B2-8BF9-45C0-BB95-33D1B9D3A854}" type="slidenum">
               <a:rPr lang="zh-CN" altLang="en-US" smtClean="0"/>
+              <a:t>‹Nº›</a:t>
             </a:fld>
             <a:endParaRPr lang="zh-CN" altLang="en-US"/>
           </a:p>
@@ -2457,7 +2461,7 @@
           <p:nvPr>
             <p:ph type="pic" idx="1"/>
             <p:custDataLst>
-              <p:tags r:id="rId2"/>
+              <p:tags r:id="rId1"/>
             </p:custDataLst>
           </p:nvPr>
         </p:nvSpPr>
@@ -2492,7 +2496,7 @@
           <p:nvPr>
             <p:ph type="body" sz="half" idx="2"/>
             <p:custDataLst>
-              <p:tags r:id="rId3"/>
+              <p:tags r:id="rId2"/>
             </p:custDataLst>
           </p:nvPr>
         </p:nvSpPr>
@@ -2515,10 +2519,9 @@
           <a:p>
             <a:pPr lvl="0"/>
             <a:r>
-              <a:rPr lang="zh-CN" altLang="en-US" smtClean="0"/>
+              <a:rPr lang="zh-CN" altLang="en-US"/>
               <a:t>单击此处编辑母版文本样式</a:t>
             </a:r>
-            <a:endParaRPr lang="zh-CN" altLang="en-US"/>
           </a:p>
         </p:txBody>
       </p:sp>
@@ -2531,7 +2534,7 @@
           <p:nvPr>
             <p:ph type="dt" sz="half" idx="10"/>
             <p:custDataLst>
-              <p:tags r:id="rId4"/>
+              <p:tags r:id="rId3"/>
             </p:custDataLst>
           </p:nvPr>
         </p:nvSpPr>
@@ -2542,6 +2545,7 @@
           <a:p>
             <a:fld id="{9EFD9D74-47D9-4702-A33C-335B63B48DBF}" type="datetimeFigureOut">
               <a:rPr lang="zh-CN" altLang="en-US" smtClean="0"/>
+              <a:t>2022/10/17</a:t>
             </a:fld>
             <a:endParaRPr lang="zh-CN" altLang="en-US" dirty="0"/>
           </a:p>
@@ -2556,7 +2560,7 @@
           <p:nvPr>
             <p:ph type="ftr" sz="quarter" idx="11"/>
             <p:custDataLst>
-              <p:tags r:id="rId5"/>
+              <p:tags r:id="rId4"/>
             </p:custDataLst>
           </p:nvPr>
         </p:nvSpPr>
@@ -2578,7 +2582,7 @@
           <p:nvPr>
             <p:ph type="sldNum" sz="quarter" idx="12"/>
             <p:custDataLst>
-              <p:tags r:id="rId6"/>
+              <p:tags r:id="rId5"/>
             </p:custDataLst>
           </p:nvPr>
         </p:nvSpPr>
@@ -2589,6 +2593,7 @@
           <a:p>
             <a:fld id="{FABC47A4-756D-490B-A52F-7D9E2C9FC05F}" type="slidenum">
               <a:rPr lang="zh-CN" altLang="en-US" smtClean="0"/>
+              <a:t>‹Nº›</a:t>
             </a:fld>
             <a:endParaRPr lang="zh-CN" altLang="en-US"/>
           </a:p>
@@ -2603,19 +2608,19 @@
           <p:nvPr>
             <p:ph type="title"/>
             <p:custDataLst>
-              <p:tags r:id="rId7"/>
+              <p:tags r:id="rId6"/>
             </p:custDataLst>
           </p:nvPr>
         </p:nvSpPr>
         <p:spPr/>
         <p:txBody>
           <a:bodyPr/>
+          <a:lstStyle/>
           <a:p>
             <a:r>
               <a:rPr lang="zh-CN" altLang="en-US"/>
               <a:t>单击此处编辑母版标题样式</a:t>
             </a:r>
-            <a:endParaRPr lang="zh-CN" altLang="en-US"/>
           </a:p>
         </p:txBody>
       </p:sp>
@@ -2653,7 +2658,7 @@
           <p:nvPr>
             <p:ph type="title" orient="vert" hasCustomPrompt="1"/>
             <p:custDataLst>
-              <p:tags r:id="rId2"/>
+              <p:tags r:id="rId1"/>
             </p:custDataLst>
           </p:nvPr>
         </p:nvSpPr>
@@ -2676,10 +2681,9 @@
           <a:p>
             <a:pPr lvl="0"/>
             <a:r>
-              <a:rPr lang="zh-CN" altLang="en-US" smtClean="0"/>
+              <a:rPr lang="zh-CN" altLang="en-US"/>
               <a:t>单击此处编辑标题</a:t>
             </a:r>
-            <a:endParaRPr lang="zh-CN" altLang="en-US"/>
           </a:p>
         </p:txBody>
       </p:sp>
@@ -2692,7 +2696,7 @@
           <p:nvPr>
             <p:ph type="body" orient="vert" idx="1"/>
             <p:custDataLst>
-              <p:tags r:id="rId3"/>
+              <p:tags r:id="rId2"/>
             </p:custDataLst>
           </p:nvPr>
         </p:nvSpPr>
@@ -2730,7 +2734,6 @@
               <a:rPr lang="zh-CN" altLang="en-US" dirty="0"/>
               <a:t>单击此处编辑母版文本样式</a:t>
             </a:r>
-            <a:endParaRPr lang="zh-CN" altLang="en-US" dirty="0"/>
           </a:p>
           <a:p>
             <a:pPr lvl="1"/>
@@ -2738,7 +2741,6 @@
               <a:rPr lang="zh-CN" altLang="en-US" dirty="0"/>
               <a:t>第二级</a:t>
             </a:r>
-            <a:endParaRPr lang="zh-CN" altLang="en-US" dirty="0"/>
           </a:p>
           <a:p>
             <a:pPr lvl="2"/>
@@ -2746,7 +2748,6 @@
               <a:rPr lang="zh-CN" altLang="en-US" dirty="0"/>
               <a:t>第三级</a:t>
             </a:r>
-            <a:endParaRPr lang="zh-CN" altLang="en-US" dirty="0"/>
           </a:p>
           <a:p>
             <a:pPr lvl="3"/>
@@ -2754,7 +2755,6 @@
               <a:rPr lang="zh-CN" altLang="en-US" dirty="0"/>
               <a:t>第四级</a:t>
             </a:r>
-            <a:endParaRPr lang="zh-CN" altLang="en-US" dirty="0"/>
           </a:p>
           <a:p>
             <a:pPr lvl="4"/>
@@ -2762,7 +2762,6 @@
               <a:rPr lang="zh-CN" altLang="en-US" dirty="0"/>
               <a:t>第五级</a:t>
             </a:r>
-            <a:endParaRPr lang="zh-CN" altLang="en-US" dirty="0"/>
           </a:p>
         </p:txBody>
       </p:sp>
@@ -2775,7 +2774,7 @@
           <p:nvPr>
             <p:ph type="dt" sz="half" idx="10"/>
             <p:custDataLst>
-              <p:tags r:id="rId4"/>
+              <p:tags r:id="rId3"/>
             </p:custDataLst>
           </p:nvPr>
         </p:nvSpPr>
@@ -2786,6 +2785,7 @@
           <a:p>
             <a:fld id="{760FBDFE-C587-4B4C-A407-44438C67B59E}" type="datetimeFigureOut">
               <a:rPr lang="zh-CN" altLang="en-US" smtClean="0"/>
+              <a:t>2022/10/17</a:t>
             </a:fld>
             <a:endParaRPr lang="zh-CN" altLang="en-US"/>
           </a:p>
@@ -2800,7 +2800,7 @@
           <p:nvPr>
             <p:ph type="ftr" sz="quarter" idx="11"/>
             <p:custDataLst>
-              <p:tags r:id="rId5"/>
+              <p:tags r:id="rId4"/>
             </p:custDataLst>
           </p:nvPr>
         </p:nvSpPr>
@@ -2822,7 +2822,7 @@
           <p:nvPr>
             <p:ph type="sldNum" sz="quarter" idx="12"/>
             <p:custDataLst>
-              <p:tags r:id="rId6"/>
+              <p:tags r:id="rId5"/>
             </p:custDataLst>
           </p:nvPr>
         </p:nvSpPr>
@@ -2833,6 +2833,7 @@
           <a:p>
             <a:fld id="{49AE70B2-8BF9-45C0-BB95-33D1B9D3A854}" type="slidenum">
               <a:rPr lang="zh-CN" altLang="en-US" smtClean="0"/>
+              <a:t>‹Nº›</a:t>
             </a:fld>
             <a:endParaRPr lang="zh-CN" altLang="en-US"/>
           </a:p>
@@ -2880,7 +2881,7 @@
           <p:nvPr>
             <p:ph type="title"/>
             <p:custDataLst>
-              <p:tags r:id="rId12"/>
+              <p:tags r:id="rId14"/>
             </p:custDataLst>
           </p:nvPr>
         </p:nvSpPr>
@@ -2903,7 +2904,6 @@
               <a:rPr lang="zh-CN" altLang="en-US" dirty="0"/>
               <a:t>单击此处编辑母版标题样式</a:t>
             </a:r>
-            <a:endParaRPr lang="zh-CN" altLang="en-US" dirty="0"/>
           </a:p>
         </p:txBody>
       </p:sp>
@@ -2916,7 +2916,7 @@
           <p:nvPr>
             <p:ph type="body" idx="1"/>
             <p:custDataLst>
-              <p:tags r:id="rId13"/>
+              <p:tags r:id="rId15"/>
             </p:custDataLst>
           </p:nvPr>
         </p:nvSpPr>
@@ -2940,7 +2940,6 @@
               <a:rPr lang="zh-CN" altLang="en-US" dirty="0"/>
               <a:t>单击此处编辑母版文本样式</a:t>
             </a:r>
-            <a:endParaRPr lang="zh-CN" altLang="en-US" dirty="0"/>
           </a:p>
           <a:p>
             <a:pPr lvl="1"/>
@@ -2948,7 +2947,6 @@
               <a:rPr lang="zh-CN" altLang="en-US" dirty="0"/>
               <a:t>第二级</a:t>
             </a:r>
-            <a:endParaRPr lang="zh-CN" altLang="en-US" dirty="0"/>
           </a:p>
           <a:p>
             <a:pPr lvl="2"/>
@@ -2956,7 +2954,6 @@
               <a:rPr lang="zh-CN" altLang="en-US" dirty="0"/>
               <a:t>第三级</a:t>
             </a:r>
-            <a:endParaRPr lang="zh-CN" altLang="en-US" dirty="0"/>
           </a:p>
           <a:p>
             <a:pPr lvl="3"/>
@@ -2964,7 +2961,6 @@
               <a:rPr lang="zh-CN" altLang="en-US" dirty="0"/>
               <a:t>第四级</a:t>
             </a:r>
-            <a:endParaRPr lang="zh-CN" altLang="en-US" dirty="0"/>
           </a:p>
           <a:p>
             <a:pPr lvl="4"/>
@@ -2972,7 +2968,6 @@
               <a:rPr lang="zh-CN" altLang="en-US" dirty="0"/>
               <a:t>第五级</a:t>
             </a:r>
-            <a:endParaRPr lang="zh-CN" altLang="en-US" dirty="0"/>
           </a:p>
         </p:txBody>
       </p:sp>
@@ -2985,7 +2980,7 @@
           <p:nvPr>
             <p:ph type="dt" sz="half" idx="2"/>
             <p:custDataLst>
-              <p:tags r:id="rId14"/>
+              <p:tags r:id="rId16"/>
             </p:custDataLst>
           </p:nvPr>
         </p:nvSpPr>
@@ -3016,6 +3011,7 @@
           <a:p>
             <a:fld id="{760FBDFE-C587-4B4C-A407-44438C67B59E}" type="datetimeFigureOut">
               <a:rPr lang="zh-CN" altLang="en-US" smtClean="0"/>
+              <a:t>2022/10/17</a:t>
             </a:fld>
             <a:endParaRPr lang="zh-CN" altLang="en-US"/>
           </a:p>
@@ -3030,7 +3026,7 @@
           <p:nvPr>
             <p:ph type="ftr" sz="quarter" idx="3"/>
             <p:custDataLst>
-              <p:tags r:id="rId15"/>
+              <p:tags r:id="rId17"/>
             </p:custDataLst>
           </p:nvPr>
         </p:nvSpPr>
@@ -3072,7 +3068,7 @@
           <p:nvPr>
             <p:ph type="sldNum" sz="quarter" idx="4"/>
             <p:custDataLst>
-              <p:tags r:id="rId16"/>
+              <p:tags r:id="rId18"/>
             </p:custDataLst>
           </p:nvPr>
         </p:nvSpPr>
@@ -3103,6 +3099,7 @@
           <a:p>
             <a:fld id="{49AE70B2-8BF9-45C0-BB95-33D1B9D3A854}" type="slidenum">
               <a:rPr lang="zh-CN" altLang="en-US" smtClean="0"/>
+              <a:t>‹Nº›</a:t>
             </a:fld>
             <a:endParaRPr lang="zh-CN" altLang="en-US" dirty="0"/>
           </a:p>
@@ -3110,7 +3107,7 @@
       </p:sp>
     </p:spTree>
     <p:custDataLst>
-      <p:tags r:id="rId17"/>
+      <p:tags r:id="rId13"/>
     </p:custDataLst>
   </p:cSld>
   <p:clrMap bg1="lt1" tx1="dk1" bg2="lt2" tx2="dk2" accent1="accent1" accent2="accent2" accent3="accent3" accent4="accent4" accent5="accent5" accent6="accent6" hlink="hlink" folHlink="folHlink"/>
@@ -3508,6 +3505,7 @@
         </p:style>
         <p:txBody>
           <a:bodyPr rtlCol="0" anchor="ctr"/>
+          <a:lstStyle/>
           <a:p>
             <a:pPr algn="ctr"/>
             <a:endParaRPr lang="zh-CN" altLang="en-US"/>
@@ -3523,7 +3521,7 @@
           <p:nvPr>
             <p:ph type="ctrTitle"/>
             <p:custDataLst>
-              <p:tags r:id="rId1"/>
+              <p:tags r:id="rId2"/>
             </p:custDataLst>
           </p:nvPr>
         </p:nvSpPr>
@@ -3537,19 +3535,19 @@
           <a:bodyPr>
             <a:normAutofit fontScale="90000"/>
           </a:bodyPr>
-          <a:p>
-            <a:r>
-              <a:rPr lang="en-US" altLang="zh-CN"/>
+          <a:lstStyle/>
+          <a:p>
+            <a:r>
+              <a:rPr lang="en-US" altLang="zh-CN" dirty="0"/>
               <a:t>Estimation of </a:t>
             </a:r>
             <a:br>
-              <a:rPr lang="en-US" altLang="zh-CN"/>
+              <a:rPr lang="en-US" altLang="zh-CN" dirty="0"/>
             </a:br>
             <a:r>
-              <a:rPr lang="en-US" altLang="zh-CN"/>
-              <a:t>Percentage of Bodyfat </a:t>
-            </a:r>
-            <a:endParaRPr lang="en-US" altLang="zh-CN"/>
+              <a:rPr lang="en-US" altLang="zh-CN" dirty="0"/>
+              <a:t>Body Fat Percentage</a:t>
+            </a:r>
           </a:p>
         </p:txBody>
       </p:sp>
@@ -3562,7 +3560,7 @@
           <p:nvPr>
             <p:ph type="subTitle" idx="1"/>
             <p:custDataLst>
-              <p:tags r:id="rId2"/>
+              <p:tags r:id="rId3"/>
             </p:custDataLst>
           </p:nvPr>
         </p:nvSpPr>
@@ -3576,42 +3574,43 @@
           <a:bodyPr>
             <a:normAutofit/>
           </a:bodyPr>
-          <a:p>
-            <a:r>
-              <a:rPr lang="en-US" altLang="zh-CN"/>
+          <a:lstStyle/>
+          <a:p>
+            <a:r>
+              <a:rPr lang="en-US" altLang="zh-CN" dirty="0"/>
               <a:t>Group2</a:t>
             </a:r>
-            <a:endParaRPr lang="en-US" altLang="zh-CN"/>
-          </a:p>
-          <a:p>
-            <a:r>
-              <a:rPr lang="en-US" altLang="zh-CN"/>
+          </a:p>
+          <a:p>
+            <a:r>
+              <a:rPr lang="en-US" altLang="zh-CN" dirty="0"/>
               <a:t>David Gao</a:t>
             </a:r>
-            <a:endParaRPr lang="en-US" altLang="zh-CN"/>
-          </a:p>
-          <a:p>
-            <a:r>
-              <a:rPr lang="en-US" altLang="zh-CN"/>
+          </a:p>
+          <a:p>
+            <a:r>
+              <a:rPr lang="en-US" altLang="zh-CN" dirty="0" err="1"/>
+              <a:t>Shuwei</a:t>
+            </a:r>
+            <a:r>
+              <a:rPr lang="en-US" altLang="zh-CN" dirty="0"/>
+              <a:t> Liu</a:t>
+            </a:r>
+          </a:p>
+          <a:p>
+            <a:r>
+              <a:rPr lang="en-US" altLang="zh-CN" dirty="0"/>
               <a:t>Marwan Lloyd</a:t>
             </a:r>
-            <a:endParaRPr lang="en-US" altLang="zh-CN"/>
-          </a:p>
-          <a:p>
-            <a:r>
-              <a:rPr lang="en-US" altLang="zh-CN"/>
-              <a:t>Shuwei Liu</a:t>
-            </a:r>
-            <a:endParaRPr lang="en-US" altLang="zh-CN"/>
-          </a:p>
-          <a:p>
-            <a:endParaRPr lang="en-US" altLang="zh-CN"/>
+          </a:p>
+          <a:p>
+            <a:endParaRPr lang="en-US" altLang="zh-CN" dirty="0"/>
           </a:p>
         </p:txBody>
       </p:sp>
     </p:spTree>
     <p:custDataLst>
-      <p:tags r:id="rId3"/>
+      <p:tags r:id="rId1"/>
     </p:custDataLst>
   </p:cSld>
   <p:clrMapOvr>
@@ -3676,6 +3675,7 @@
         </p:style>
         <p:txBody>
           <a:bodyPr rtlCol="0" anchor="ctr"/>
+          <a:lstStyle/>
           <a:p>
             <a:pPr algn="ctr"/>
             <a:endParaRPr lang="zh-CN" altLang="en-US"/>
@@ -3691,7 +3691,7 @@
           <p:nvPr>
             <p:ph type="ctrTitle"/>
             <p:custDataLst>
-              <p:tags r:id="rId1"/>
+              <p:tags r:id="rId2"/>
             </p:custDataLst>
           </p:nvPr>
         </p:nvSpPr>
@@ -3705,6 +3705,7 @@
           <a:bodyPr>
             <a:normAutofit fontScale="90000"/>
           </a:bodyPr>
+          <a:lstStyle/>
           <a:p>
             <a:r>
               <a:rPr lang="en-US" altLang="zh-CN" sz="7335"/>
@@ -3714,7 +3715,6 @@
               <a:rPr lang="en-US" altLang="zh-CN"/>
               <a:t> </a:t>
             </a:r>
-            <a:endParaRPr lang="en-US" altLang="zh-CN"/>
           </a:p>
         </p:txBody>
       </p:sp>
@@ -3727,7 +3727,7 @@
           <p:nvPr>
             <p:ph type="subTitle" idx="1"/>
             <p:custDataLst>
-              <p:tags r:id="rId2"/>
+              <p:tags r:id="rId3"/>
             </p:custDataLst>
           </p:nvPr>
         </p:nvSpPr>
@@ -3741,33 +3741,30 @@
           <a:bodyPr>
             <a:normAutofit lnSpcReduction="10000"/>
           </a:bodyPr>
+          <a:lstStyle/>
           <a:p>
             <a:r>
               <a:rPr lang="en-US" altLang="zh-CN" sz="2000"/>
               <a:t>Group2</a:t>
             </a:r>
-            <a:endParaRPr lang="en-US" altLang="zh-CN" sz="2000"/>
           </a:p>
           <a:p>
             <a:r>
               <a:rPr lang="en-US" altLang="zh-CN" sz="2000"/>
               <a:t>David Gao</a:t>
             </a:r>
-            <a:endParaRPr lang="en-US" altLang="zh-CN" sz="2000"/>
           </a:p>
           <a:p>
             <a:r>
               <a:rPr lang="en-US" altLang="zh-CN" sz="2000"/>
               <a:t>Marwan Lloyd</a:t>
             </a:r>
-            <a:endParaRPr lang="en-US" altLang="zh-CN" sz="2000"/>
           </a:p>
           <a:p>
             <a:r>
               <a:rPr lang="en-US" altLang="zh-CN" sz="2000"/>
               <a:t>Shuwei Liu</a:t>
             </a:r>
-            <a:endParaRPr lang="en-US" altLang="zh-CN" sz="2000"/>
           </a:p>
           <a:p>
             <a:endParaRPr lang="en-US" altLang="zh-CN" sz="2000"/>
@@ -3776,7 +3773,7 @@
       </p:sp>
     </p:spTree>
     <p:custDataLst>
-      <p:tags r:id="rId3"/>
+      <p:tags r:id="rId1"/>
     </p:custDataLst>
   </p:cSld>
   <p:clrMapOvr>
@@ -3794,7 +3791,14 @@
         <p:cNvGrpSpPr/>
         <p:nvPr/>
       </p:nvGrpSpPr>
-      <p:grpSpPr/>
+      <p:grpSpPr>
+        <a:xfrm>
+          <a:off x="0" y="0"/>
+          <a:ext cx="0" cy="0"/>
+          <a:chOff x="0" y="0"/>
+          <a:chExt cx="0" cy="0"/>
+        </a:xfrm>
+      </p:grpSpPr>
       <p:sp>
         <p:nvSpPr>
           <p:cNvPr id="10" name="圆角矩形 9"/>
@@ -3833,6 +3837,7 @@
         </p:style>
         <p:txBody>
           <a:bodyPr rtlCol="0" anchor="ctr"/>
+          <a:lstStyle/>
           <a:p>
             <a:pPr algn="ctr"/>
             <a:endParaRPr lang="zh-CN" altLang="en-US"/>
@@ -3852,12 +3857,12 @@
         <p:spPr/>
         <p:txBody>
           <a:bodyPr/>
+          <a:lstStyle/>
           <a:p>
             <a:r>
               <a:rPr lang="en-US" altLang="zh-CN"/>
               <a:t>Contents</a:t>
             </a:r>
-            <a:endParaRPr lang="en-US" altLang="zh-CN"/>
           </a:p>
         </p:txBody>
       </p:sp>
@@ -3925,18 +3930,6 @@
               </a:rPr>
               <a:t>Data Cleaning</a:t>
             </a:r>
-            <a:endParaRPr lang="en-US" altLang="zh-CN" sz="2800">
-              <a:solidFill>
-                <a:schemeClr val="accent1"/>
-              </a:solidFill>
-              <a:effectLst>
-                <a:outerShdw blurRad="38100" dist="25400" dir="5400000" algn="ctr" rotWithShape="0">
-                  <a:srgbClr val="6E747A">
-                    <a:alpha val="43000"/>
-                  </a:srgbClr>
-                </a:outerShdw>
-              </a:effectLst>
-            </a:endParaRPr>
           </a:p>
         </p:txBody>
       </p:sp>
@@ -4004,18 +3997,6 @@
               </a:rPr>
               <a:t>Model Selection</a:t>
             </a:r>
-            <a:endParaRPr lang="en-US" altLang="zh-CN" sz="2800">
-              <a:solidFill>
-                <a:schemeClr val="accent1"/>
-              </a:solidFill>
-              <a:effectLst>
-                <a:outerShdw blurRad="38100" dist="25400" dir="5400000" algn="ctr" rotWithShape="0">
-                  <a:srgbClr val="6E747A">
-                    <a:alpha val="43000"/>
-                  </a:srgbClr>
-                </a:outerShdw>
-              </a:effectLst>
-            </a:endParaRPr>
           </a:p>
         </p:txBody>
       </p:sp>
@@ -4083,18 +4064,6 @@
               </a:rPr>
               <a:t>Final Model and Description</a:t>
             </a:r>
-            <a:endParaRPr lang="en-US" altLang="zh-CN" sz="2800">
-              <a:solidFill>
-                <a:schemeClr val="accent1"/>
-              </a:solidFill>
-              <a:effectLst>
-                <a:outerShdw blurRad="38100" dist="25400" dir="5400000" algn="ctr" rotWithShape="0">
-                  <a:srgbClr val="6E747A">
-                    <a:alpha val="43000"/>
-                  </a:srgbClr>
-                </a:outerShdw>
-              </a:effectLst>
-            </a:endParaRPr>
           </a:p>
         </p:txBody>
       </p:sp>
@@ -4165,19 +4134,6 @@
               </a:rPr>
               <a:t>Model Diagnostics</a:t>
             </a:r>
-            <a:endParaRPr lang="en-US" altLang="zh-CN" sz="2800">
-              <a:solidFill>
-                <a:schemeClr val="accent1"/>
-              </a:solidFill>
-              <a:effectLst>
-                <a:outerShdw blurRad="38100" dist="25400" dir="5400000" algn="ctr" rotWithShape="0">
-                  <a:srgbClr val="6E747A">
-                    <a:alpha val="43000"/>
-                  </a:srgbClr>
-                </a:outerShdw>
-              </a:effectLst>
-              <a:sym typeface="+mn-ea"/>
-            </a:endParaRPr>
           </a:p>
         </p:txBody>
       </p:sp>
@@ -4248,19 +4204,6 @@
               </a:rPr>
               <a:t>Strengths and Weaknesses</a:t>
             </a:r>
-            <a:endParaRPr lang="en-US" altLang="zh-CN" sz="2800">
-              <a:solidFill>
-                <a:schemeClr val="accent1"/>
-              </a:solidFill>
-              <a:effectLst>
-                <a:outerShdw blurRad="38100" dist="25400" dir="5400000" algn="ctr" rotWithShape="0">
-                  <a:srgbClr val="6E747A">
-                    <a:alpha val="43000"/>
-                  </a:srgbClr>
-                </a:outerShdw>
-              </a:effectLst>
-              <a:sym typeface="+mn-ea"/>
-            </a:endParaRPr>
           </a:p>
         </p:txBody>
       </p:sp>
@@ -4284,7 +4227,14 @@
         <p:cNvGrpSpPr/>
         <p:nvPr/>
       </p:nvGrpSpPr>
-      <p:grpSpPr/>
+      <p:grpSpPr>
+        <a:xfrm>
+          <a:off x="0" y="0"/>
+          <a:ext cx="0" cy="0"/>
+          <a:chOff x="0" y="0"/>
+          <a:chExt cx="0" cy="0"/>
+        </a:xfrm>
+      </p:grpSpPr>
       <p:sp>
         <p:nvSpPr>
           <p:cNvPr id="2" name="标题 1"/>
@@ -4298,12 +4248,12 @@
         <p:spPr/>
         <p:txBody>
           <a:bodyPr/>
+          <a:lstStyle/>
           <a:p>
             <a:r>
               <a:rPr lang="en-US" altLang="zh-CN"/>
               <a:t>Data Cleaning</a:t>
             </a:r>
-            <a:endParaRPr lang="en-US" altLang="zh-CN"/>
           </a:p>
         </p:txBody>
       </p:sp>
@@ -4315,8 +4265,8 @@
         </p:nvSpPr>
         <p:spPr>
           <a:xfrm>
-            <a:off x="608330" y="1558925"/>
-            <a:ext cx="4064000" cy="460375"/>
+            <a:off x="680248" y="4303063"/>
+            <a:ext cx="5997954" cy="707886"/>
           </a:xfrm>
           <a:prstGeom prst="rect">
             <a:avLst/>
@@ -4327,16 +4277,16 @@
           <a:bodyPr wrap="square" rtlCol="0">
             <a:spAutoFit/>
           </a:bodyPr>
+          <a:lstStyle/>
           <a:p>
             <a:pPr marL="342900" indent="-342900">
               <a:buFont typeface="Arial" panose="020B0604020202020204" pitchFamily="34" charset="0"/>
               <a:buChar char="•"/>
             </a:pPr>
             <a:r>
-              <a:rPr lang="en-US" altLang="zh-CN" sz="2400"/>
-              <a:t>Deleted:</a:t>
-            </a:r>
-            <a:endParaRPr lang="en-US" altLang="zh-CN" sz="2400"/>
+              <a:rPr lang="en-US" altLang="zh-CN" sz="2000" dirty="0"/>
+              <a:t>We removed records for individuals 172 &amp; 182 due to their body fat not recorrecting via density </a:t>
+            </a:r>
           </a:p>
         </p:txBody>
       </p:sp>
@@ -4346,13 +4296,18 @@
           <p:cNvGraphicFramePr/>
           <p:nvPr>
             <p:custDataLst>
-              <p:tags r:id="rId1"/>
+              <p:tags r:id="rId2"/>
             </p:custDataLst>
+            <p:extLst>
+              <p:ext uri="{D42A27DB-BD31-4B8C-83A1-F6EECF244321}">
+                <p14:modId xmlns:p14="http://schemas.microsoft.com/office/powerpoint/2010/main" val="1269039501"/>
+              </p:ext>
+            </p:extLst>
           </p:nvPr>
         </p:nvGraphicFramePr>
         <p:xfrm>
-          <a:off x="2407285" y="1559560"/>
-          <a:ext cx="3103245" cy="1143000"/>
+          <a:off x="1024115" y="5065491"/>
+          <a:ext cx="3013629" cy="1097280"/>
         </p:xfrm>
         <a:graphic>
           <a:graphicData uri="http://schemas.openxmlformats.org/drawingml/2006/table">
@@ -4361,23 +4316,41 @@
                 <a:tableStyleId>{5C22544A-7EE6-4342-B048-85BDC9FD1C3A}</a:tableStyleId>
               </a:tblPr>
               <a:tblGrid>
-                <a:gridCol w="838835"/>
-                <a:gridCol w="1219835"/>
-                <a:gridCol w="1044575"/>
+                <a:gridCol w="786839">
+                  <a:extLst>
+                    <a:ext uri="{9D8B030D-6E8A-4147-A177-3AD203B41FA5}">
+                      <a16:colId xmlns:a16="http://schemas.microsoft.com/office/drawing/2014/main" val="20000"/>
+                    </a:ext>
+                  </a:extLst>
+                </a:gridCol>
+                <a:gridCol w="1144222">
+                  <a:extLst>
+                    <a:ext uri="{9D8B030D-6E8A-4147-A177-3AD203B41FA5}">
+                      <a16:colId xmlns:a16="http://schemas.microsoft.com/office/drawing/2014/main" val="20001"/>
+                    </a:ext>
+                  </a:extLst>
+                </a:gridCol>
+                <a:gridCol w="1082568">
+                  <a:extLst>
+                    <a:ext uri="{9D8B030D-6E8A-4147-A177-3AD203B41FA5}">
+                      <a16:colId xmlns:a16="http://schemas.microsoft.com/office/drawing/2014/main" val="20002"/>
+                    </a:ext>
+                  </a:extLst>
+                </a:gridCol>
               </a:tblGrid>
-              <a:tr h="381000">
+              <a:tr h="335512">
                 <a:tc>
                   <a:txBody>
                     <a:bodyPr/>
+                    <a:lstStyle/>
                     <a:p>
                       <a:pPr algn="ctr">
                         <a:buNone/>
                       </a:pPr>
                       <a:r>
-                        <a:rPr lang="en-US" altLang="zh-CN"/>
+                        <a:rPr lang="en-US" altLang="zh-CN" dirty="0"/>
                         <a:t>ID</a:t>
                       </a:r>
-                      <a:endParaRPr lang="en-US" altLang="zh-CN"/>
                     </a:p>
                   </a:txBody>
                   <a:tcPr/>
@@ -4385,15 +4358,16 @@
                 <a:tc>
                   <a:txBody>
                     <a:bodyPr/>
+                    <a:lstStyle/>
                     <a:p>
                       <a:pPr algn="ctr">
                         <a:buNone/>
                       </a:pPr>
                       <a:r>
-                        <a:rPr lang="en-US" altLang="zh-CN"/>
+                        <a:rPr lang="en-US" altLang="zh-CN" dirty="0" err="1"/>
                         <a:t>BodyFat</a:t>
                       </a:r>
-                      <a:endParaRPr lang="en-US" altLang="zh-CN"/>
+                      <a:endParaRPr lang="en-US" altLang="zh-CN" dirty="0"/>
                     </a:p>
                   </a:txBody>
                   <a:tcPr/>
@@ -4401,6 +4375,7 @@
                 <a:tc>
                   <a:txBody>
                     <a:bodyPr/>
+                    <a:lstStyle/>
                     <a:p>
                       <a:pPr algn="ctr">
                         <a:buNone/>
@@ -4409,25 +4384,29 @@
                         <a:rPr lang="en-US" altLang="zh-CN"/>
                         <a:t>Density</a:t>
                       </a:r>
-                      <a:endParaRPr lang="en-US" altLang="zh-CN"/>
                     </a:p>
                   </a:txBody>
                   <a:tcPr/>
                 </a:tc>
+                <a:extLst>
+                  <a:ext uri="{0D108BD9-81ED-4DB2-BD59-A6C34878D82A}">
+                    <a16:rowId xmlns:a16="http://schemas.microsoft.com/office/drawing/2014/main" val="10000"/>
+                  </a:ext>
+                </a:extLst>
               </a:tr>
-              <a:tr h="381000">
+              <a:tr h="335512">
                 <a:tc>
                   <a:txBody>
                     <a:bodyPr/>
+                    <a:lstStyle/>
                     <a:p>
                       <a:pPr algn="ctr">
                         <a:buNone/>
                       </a:pPr>
                       <a:r>
-                        <a:rPr lang="en-US" altLang="zh-CN"/>
+                        <a:rPr lang="en-US" altLang="zh-CN" dirty="0"/>
                         <a:t>182</a:t>
                       </a:r>
-                      <a:endParaRPr lang="en-US" altLang="zh-CN"/>
                     </a:p>
                   </a:txBody>
                   <a:tcPr/>
@@ -4435,15 +4414,15 @@
                 <a:tc>
                   <a:txBody>
                     <a:bodyPr/>
+                    <a:lstStyle/>
                     <a:p>
                       <a:pPr algn="ctr">
                         <a:buNone/>
                       </a:pPr>
                       <a:r>
-                        <a:rPr lang="en-US" altLang="zh-CN"/>
+                        <a:rPr lang="en-US" altLang="zh-CN" dirty="0"/>
                         <a:t>0</a:t>
                       </a:r>
-                      <a:endParaRPr lang="en-US" altLang="zh-CN"/>
                     </a:p>
                   </a:txBody>
                   <a:tcPr/>
@@ -4451,33 +4430,38 @@
                 <a:tc>
                   <a:txBody>
                     <a:bodyPr/>
+                    <a:lstStyle/>
                     <a:p>
                       <a:pPr algn="ctr">
                         <a:buNone/>
                       </a:pPr>
                       <a:r>
-                        <a:rPr lang="en-US" altLang="zh-CN"/>
+                        <a:rPr lang="en-US" altLang="zh-CN" dirty="0"/>
                         <a:t>1.10</a:t>
                       </a:r>
-                      <a:endParaRPr lang="en-US" altLang="zh-CN"/>
                     </a:p>
                   </a:txBody>
                   <a:tcPr/>
                 </a:tc>
+                <a:extLst>
+                  <a:ext uri="{0D108BD9-81ED-4DB2-BD59-A6C34878D82A}">
+                    <a16:rowId xmlns:a16="http://schemas.microsoft.com/office/drawing/2014/main" val="10001"/>
+                  </a:ext>
+                </a:extLst>
               </a:tr>
-              <a:tr h="381000">
+              <a:tr h="335512">
                 <a:tc>
                   <a:txBody>
                     <a:bodyPr/>
+                    <a:lstStyle/>
                     <a:p>
                       <a:pPr algn="ctr">
                         <a:buNone/>
                       </a:pPr>
                       <a:r>
-                        <a:rPr lang="en-US" altLang="zh-CN"/>
+                        <a:rPr lang="en-US" altLang="zh-CN" dirty="0"/>
                         <a:t>172</a:t>
                       </a:r>
-                      <a:endParaRPr lang="en-US" altLang="zh-CN"/>
                     </a:p>
                   </a:txBody>
                   <a:tcPr/>
@@ -4485,6 +4469,7 @@
                 <a:tc>
                   <a:txBody>
                     <a:bodyPr/>
+                    <a:lstStyle/>
                     <a:p>
                       <a:pPr algn="ctr">
                         <a:buNone/>
@@ -4493,7 +4478,6 @@
                         <a:rPr lang="en-US" altLang="zh-CN"/>
                         <a:t>1.9</a:t>
                       </a:r>
-                      <a:endParaRPr lang="en-US" altLang="zh-CN"/>
                     </a:p>
                   </a:txBody>
                   <a:tcPr/>
@@ -4501,19 +4485,24 @@
                 <a:tc>
                   <a:txBody>
                     <a:bodyPr/>
+                    <a:lstStyle/>
                     <a:p>
                       <a:pPr algn="ctr">
                         <a:buNone/>
                       </a:pPr>
                       <a:r>
-                        <a:rPr lang="en-US" altLang="zh-CN"/>
+                        <a:rPr lang="en-US" altLang="zh-CN" dirty="0"/>
                         <a:t>1.09</a:t>
                       </a:r>
-                      <a:endParaRPr lang="en-US" altLang="zh-CN"/>
                     </a:p>
                   </a:txBody>
                   <a:tcPr/>
                 </a:tc>
+                <a:extLst>
+                  <a:ext uri="{0D108BD9-81ED-4DB2-BD59-A6C34878D82A}">
+                    <a16:rowId xmlns:a16="http://schemas.microsoft.com/office/drawing/2014/main" val="10002"/>
+                  </a:ext>
+                </a:extLst>
               </a:tr>
             </a:tbl>
           </a:graphicData>
@@ -4521,14 +4510,14 @@
       </p:graphicFrame>
       <p:sp>
         <p:nvSpPr>
-          <p:cNvPr id="5" name="文本框 4"/>
+          <p:cNvPr id="6" name="文本框 5"/>
           <p:cNvSpPr txBox="1"/>
           <p:nvPr/>
         </p:nvSpPr>
         <p:spPr>
           <a:xfrm>
-            <a:off x="5784215" y="1559560"/>
-            <a:ext cx="4971415" cy="459740"/>
+            <a:off x="608330" y="2751694"/>
+            <a:ext cx="9288145" cy="400110"/>
           </a:xfrm>
           <a:prstGeom prst="rect">
             <a:avLst/>
@@ -4537,27 +4526,31 @@
         </p:spPr>
         <p:txBody>
           <a:bodyPr wrap="square" rtlCol="0">
-            <a:noAutofit/>
+            <a:spAutoFit/>
           </a:bodyPr>
-          <a:p>
-            <a:r>
-              <a:rPr lang="en-US" altLang="zh-CN" sz="2400"/>
-              <a:t>(Failed to recorrect it with density)</a:t>
-            </a:r>
-            <a:endParaRPr lang="en-US" altLang="zh-CN" sz="2400"/>
-          </a:p>
-        </p:txBody>
-      </p:sp>
-      <p:sp>
-        <p:nvSpPr>
-          <p:cNvPr id="6" name="文本框 5"/>
+          <a:lstStyle/>
+          <a:p>
+            <a:pPr marL="342900" indent="-342900">
+              <a:buFont typeface="Arial" panose="020B0604020202020204" pitchFamily="34" charset="0"/>
+              <a:buChar char="•"/>
+            </a:pPr>
+            <a:r>
+              <a:rPr lang="en-US" altLang="zh-CN" sz="2000" dirty="0"/>
+              <a:t>We standardized units to metric:</a:t>
+            </a:r>
+          </a:p>
+        </p:txBody>
+      </p:sp>
+      <p:sp>
+        <p:nvSpPr>
+          <p:cNvPr id="7" name="文本框 6"/>
           <p:cNvSpPr txBox="1"/>
           <p:nvPr/>
         </p:nvSpPr>
         <p:spPr>
           <a:xfrm>
-            <a:off x="608330" y="3244850"/>
-            <a:ext cx="9288145" cy="829945"/>
+            <a:off x="608330" y="1314000"/>
+            <a:ext cx="6860982" cy="707886"/>
           </a:xfrm>
           <a:prstGeom prst="rect">
             <a:avLst/>
@@ -4568,88 +4561,16 @@
           <a:bodyPr wrap="square" rtlCol="0">
             <a:spAutoFit/>
           </a:bodyPr>
+          <a:lstStyle/>
           <a:p>
             <a:pPr marL="342900" indent="-342900">
               <a:buFont typeface="Arial" panose="020B0604020202020204" pitchFamily="34" charset="0"/>
               <a:buChar char="•"/>
             </a:pPr>
             <a:r>
-              <a:rPr lang="en-US" altLang="zh-CN" sz="2400"/>
-              <a:t>Changed the unit:   </a:t>
-            </a:r>
-            <a:r>
-              <a:rPr lang="en-US" altLang="zh-CN" sz="2400" u="sng"/>
-              <a:t>Height (inches)</a:t>
-            </a:r>
-            <a:r>
-              <a:rPr lang="en-US" altLang="zh-CN" sz="2400"/>
-              <a:t>    to    </a:t>
-            </a:r>
-            <a:r>
-              <a:rPr lang="en-US" altLang="zh-CN" sz="2400" u="sng"/>
-              <a:t>Height (cm) </a:t>
-            </a:r>
-            <a:endParaRPr lang="en-US" altLang="zh-CN" sz="2400"/>
-          </a:p>
-          <a:p>
-            <a:pPr indent="0">
-              <a:buFont typeface="Arial" panose="020B0604020202020204" pitchFamily="34" charset="0"/>
-              <a:buNone/>
-            </a:pPr>
-            <a:r>
-              <a:rPr lang="en-US" altLang="zh-CN" sz="2400"/>
-              <a:t>                                    </a:t>
-            </a:r>
-            <a:r>
-              <a:rPr lang="en-US" altLang="zh-CN" sz="2400" u="sng"/>
-              <a:t>Weight (lbs)</a:t>
-            </a:r>
-            <a:r>
-              <a:rPr lang="en-US" altLang="zh-CN" sz="2400"/>
-              <a:t>         to    </a:t>
-            </a:r>
-            <a:r>
-              <a:rPr lang="en-US" altLang="zh-CN" sz="2400" u="sng"/>
-              <a:t>Weight (kgs) </a:t>
-            </a:r>
-            <a:r>
-              <a:rPr lang="en-US" altLang="zh-CN" sz="2400"/>
-              <a:t> </a:t>
-            </a:r>
-            <a:endParaRPr lang="en-US" altLang="zh-CN" sz="2400"/>
-          </a:p>
-        </p:txBody>
-      </p:sp>
-      <p:sp>
-        <p:nvSpPr>
-          <p:cNvPr id="7" name="文本框 6"/>
-          <p:cNvSpPr txBox="1"/>
-          <p:nvPr/>
-        </p:nvSpPr>
-        <p:spPr>
-          <a:xfrm>
-            <a:off x="608330" y="4671695"/>
-            <a:ext cx="6083935" cy="460375"/>
-          </a:xfrm>
-          <a:prstGeom prst="rect">
-            <a:avLst/>
-          </a:prstGeom>
-          <a:noFill/>
-        </p:spPr>
-        <p:txBody>
-          <a:bodyPr wrap="square" rtlCol="0">
-            <a:spAutoFit/>
-          </a:bodyPr>
-          <a:p>
-            <a:pPr marL="342900" indent="-342900">
-              <a:buFont typeface="Arial" panose="020B0604020202020204" pitchFamily="34" charset="0"/>
-              <a:buChar char="•"/>
-            </a:pPr>
-            <a:r>
-              <a:rPr lang="en-US" altLang="zh-CN" sz="2400"/>
-              <a:t>Recorrect height&lt;100cm with Adioposity:</a:t>
-            </a:r>
-            <a:endParaRPr lang="en-US" altLang="zh-CN" sz="2400"/>
+              <a:rPr lang="en-US" altLang="zh-CN" sz="2000" dirty="0"/>
+              <a:t>We imputed individual 42’s height from his adiposity due to his originally recorded height being &lt;100 cm</a:t>
+            </a:r>
           </a:p>
         </p:txBody>
       </p:sp>
@@ -4659,13 +4580,18 @@
           <p:cNvGraphicFramePr/>
           <p:nvPr>
             <p:custDataLst>
-              <p:tags r:id="rId2"/>
+              <p:tags r:id="rId3"/>
             </p:custDataLst>
+            <p:extLst>
+              <p:ext uri="{D42A27DB-BD31-4B8C-83A1-F6EECF244321}">
+                <p14:modId xmlns:p14="http://schemas.microsoft.com/office/powerpoint/2010/main" val="1227614620"/>
+              </p:ext>
+            </p:extLst>
           </p:nvPr>
         </p:nvGraphicFramePr>
         <p:xfrm>
-          <a:off x="6849745" y="4671695"/>
-          <a:ext cx="5170170" cy="762000"/>
+          <a:off x="1024115" y="2011435"/>
+          <a:ext cx="4729413" cy="731520"/>
         </p:xfrm>
         <a:graphic>
           <a:graphicData uri="http://schemas.openxmlformats.org/drawingml/2006/table">
@@ -4674,23 +4600,41 @@
                 <a:tableStyleId>{5C22544A-7EE6-4342-B048-85BDC9FD1C3A}</a:tableStyleId>
               </a:tblPr>
               <a:tblGrid>
-                <a:gridCol w="906145"/>
-                <a:gridCol w="1448435"/>
-                <a:gridCol w="2815590"/>
+                <a:gridCol w="619750">
+                  <a:extLst>
+                    <a:ext uri="{9D8B030D-6E8A-4147-A177-3AD203B41FA5}">
+                      <a16:colId xmlns:a16="http://schemas.microsoft.com/office/drawing/2014/main" val="20000"/>
+                    </a:ext>
+                  </a:extLst>
+                </a:gridCol>
+                <a:gridCol w="1534102">
+                  <a:extLst>
+                    <a:ext uri="{9D8B030D-6E8A-4147-A177-3AD203B41FA5}">
+                      <a16:colId xmlns:a16="http://schemas.microsoft.com/office/drawing/2014/main" val="20001"/>
+                    </a:ext>
+                  </a:extLst>
+                </a:gridCol>
+                <a:gridCol w="2575561">
+                  <a:extLst>
+                    <a:ext uri="{9D8B030D-6E8A-4147-A177-3AD203B41FA5}">
+                      <a16:colId xmlns:a16="http://schemas.microsoft.com/office/drawing/2014/main" val="20002"/>
+                    </a:ext>
+                  </a:extLst>
+                </a:gridCol>
               </a:tblGrid>
-              <a:tr h="381000">
+              <a:tr h="350719">
                 <a:tc>
                   <a:txBody>
                     <a:bodyPr/>
+                    <a:lstStyle/>
                     <a:p>
                       <a:pPr algn="ctr">
                         <a:buNone/>
                       </a:pPr>
                       <a:r>
-                        <a:rPr lang="en-US" altLang="zh-CN"/>
+                        <a:rPr lang="en-US" altLang="zh-CN" dirty="0"/>
                         <a:t>ID</a:t>
                       </a:r>
-                      <a:endParaRPr lang="en-US" altLang="zh-CN"/>
                     </a:p>
                   </a:txBody>
                   <a:tcPr/>
@@ -4698,15 +4642,15 @@
                 <a:tc>
                   <a:txBody>
                     <a:bodyPr/>
+                    <a:lstStyle/>
                     <a:p>
                       <a:pPr algn="ctr">
                         <a:buNone/>
                       </a:pPr>
                       <a:r>
-                        <a:rPr lang="en-US" altLang="zh-CN"/>
+                        <a:rPr lang="en-US" altLang="zh-CN" dirty="0"/>
                         <a:t>Height (cm)</a:t>
                       </a:r>
-                      <a:endParaRPr lang="en-US" altLang="zh-CN"/>
                     </a:p>
                   </a:txBody>
                   <a:tcPr/>
@@ -4714,24 +4658,30 @@
                 <a:tc>
                   <a:txBody>
                     <a:bodyPr/>
+                    <a:lstStyle/>
                     <a:p>
                       <a:pPr algn="ctr">
                         <a:buNone/>
                       </a:pPr>
                       <a:r>
-                        <a:rPr lang="en-US" altLang="zh-CN"/>
-                        <a:t>Recorrected Height (cm)</a:t>
+                        <a:rPr lang="en-US" altLang="zh-CN" dirty="0"/>
+                        <a:t>Corrected Height (cm)</a:t>
                       </a:r>
-                      <a:endParaRPr lang="en-US" altLang="zh-CN"/>
                     </a:p>
                   </a:txBody>
                   <a:tcPr/>
                 </a:tc>
+                <a:extLst>
+                  <a:ext uri="{0D108BD9-81ED-4DB2-BD59-A6C34878D82A}">
+                    <a16:rowId xmlns:a16="http://schemas.microsoft.com/office/drawing/2014/main" val="10000"/>
+                  </a:ext>
+                </a:extLst>
               </a:tr>
-              <a:tr h="381000">
+              <a:tr h="365332">
                 <a:tc>
                   <a:txBody>
                     <a:bodyPr/>
+                    <a:lstStyle/>
                     <a:p>
                       <a:pPr algn="ctr">
                         <a:buNone/>
@@ -4740,7 +4690,6 @@
                         <a:rPr lang="en-US" altLang="zh-CN"/>
                         <a:t>42</a:t>
                       </a:r>
-                      <a:endParaRPr lang="en-US" altLang="zh-CN"/>
                     </a:p>
                   </a:txBody>
                   <a:tcPr/>
@@ -4748,15 +4697,15 @@
                 <a:tc>
                   <a:txBody>
                     <a:bodyPr/>
+                    <a:lstStyle/>
                     <a:p>
                       <a:pPr algn="ctr">
                         <a:buNone/>
                       </a:pPr>
                       <a:r>
-                        <a:rPr lang="zh-CN" altLang="en-US"/>
+                        <a:rPr lang="zh-CN" altLang="en-US" dirty="0"/>
                         <a:t>74.93</a:t>
                       </a:r>
-                      <a:endParaRPr lang="zh-CN" altLang="en-US"/>
                     </a:p>
                   </a:txBody>
                   <a:tcPr/>
@@ -4764,19 +4713,24 @@
                 <a:tc>
                   <a:txBody>
                     <a:bodyPr/>
+                    <a:lstStyle/>
                     <a:p>
                       <a:pPr algn="ctr">
                         <a:buNone/>
                       </a:pPr>
                       <a:r>
-                        <a:rPr lang="en-US" altLang="zh-CN"/>
+                        <a:rPr lang="en-US" altLang="zh-CN" dirty="0"/>
                         <a:t>176.53</a:t>
                       </a:r>
-                      <a:endParaRPr lang="en-US" altLang="zh-CN"/>
                     </a:p>
                   </a:txBody>
                   <a:tcPr/>
                 </a:tc>
+                <a:extLst>
+                  <a:ext uri="{0D108BD9-81ED-4DB2-BD59-A6C34878D82A}">
+                    <a16:rowId xmlns:a16="http://schemas.microsoft.com/office/drawing/2014/main" val="10001"/>
+                  </a:ext>
+                </a:extLst>
               </a:tr>
             </a:tbl>
           </a:graphicData>
@@ -4791,7 +4745,7 @@
         <p:spPr>
           <a:xfrm>
             <a:off x="608330" y="6291580"/>
-            <a:ext cx="11411585" cy="460375"/>
+            <a:ext cx="11411585" cy="400110"/>
           </a:xfrm>
           <a:prstGeom prst="rect">
             <a:avLst/>
@@ -4802,61 +4756,253 @@
           <a:bodyPr wrap="square" rtlCol="0">
             <a:spAutoFit/>
           </a:bodyPr>
+          <a:lstStyle/>
           <a:p>
             <a:pPr marL="342900" indent="-342900">
               <a:buFont typeface="Arial" panose="020B0604020202020204" pitchFamily="34" charset="0"/>
               <a:buChar char="•"/>
             </a:pPr>
             <a:r>
-              <a:rPr lang="en-US" altLang="zh-CN" sz="2400"/>
+              <a:rPr lang="en-US" altLang="zh-CN" sz="2000" dirty="0"/>
               <a:t>Final cleaned data: n=250 </a:t>
             </a:r>
             <a:r>
-              <a:rPr lang="en-US" sz="2400" dirty="0">
+              <a:rPr lang="en-US" sz="2000" dirty="0">
                 <a:sym typeface="+mn-ea"/>
               </a:rPr>
-              <a:t>(from n=252) with p=14 predictors</a:t>
-            </a:r>
-            <a:endParaRPr lang="en-US" altLang="zh-CN" sz="2400"/>
-          </a:p>
-        </p:txBody>
-      </p:sp>
-      <p:sp>
-        <p:nvSpPr>
-          <p:cNvPr id="11" name="文本框 10"/>
-          <p:cNvSpPr txBox="1"/>
-          <p:nvPr/>
-        </p:nvSpPr>
-        <p:spPr>
-          <a:xfrm>
-            <a:off x="608330" y="5831205"/>
-            <a:ext cx="4064000" cy="460375"/>
-          </a:xfrm>
-          <a:prstGeom prst="rect">
-            <a:avLst/>
-          </a:prstGeom>
-          <a:noFill/>
-        </p:spPr>
-        <p:txBody>
-          <a:bodyPr wrap="square" rtlCol="0">
-            <a:spAutoFit/>
-          </a:bodyPr>
-          <a:p>
-            <a:pPr marL="342900" indent="-342900">
-              <a:buFont typeface="Arial" panose="020B0604020202020204" pitchFamily="34" charset="0"/>
-              <a:buChar char="•"/>
-            </a:pPr>
-            <a:r>
-              <a:rPr lang="en-US" altLang="zh-CN" sz="2400"/>
-              <a:t>Deleted DENSITY</a:t>
-            </a:r>
-            <a:endParaRPr lang="en-US" altLang="zh-CN" sz="2400"/>
-          </a:p>
-        </p:txBody>
-      </p:sp>
+              <a:t>(from n=252) with p=14 predictors (density was removed)</a:t>
+            </a:r>
+            <a:endParaRPr lang="en-US" altLang="zh-CN" sz="2000" dirty="0"/>
+          </a:p>
+        </p:txBody>
+      </p:sp>
+      <p:graphicFrame>
+        <p:nvGraphicFramePr>
+          <p:cNvPr id="9" name="表格 3">
+            <a:extLst>
+              <a:ext uri="{FF2B5EF4-FFF2-40B4-BE49-F238E27FC236}">
+                <a16:creationId xmlns:a16="http://schemas.microsoft.com/office/drawing/2014/main" id="{37308311-31A6-E158-A90D-632DC81D49B5}"/>
+              </a:ext>
+            </a:extLst>
+          </p:cNvPr>
+          <p:cNvGraphicFramePr/>
+          <p:nvPr>
+            <p:custDataLst>
+              <p:tags r:id="rId4"/>
+            </p:custDataLst>
+            <p:extLst>
+              <p:ext uri="{D42A27DB-BD31-4B8C-83A1-F6EECF244321}">
+                <p14:modId xmlns:p14="http://schemas.microsoft.com/office/powerpoint/2010/main" val="2909047364"/>
+              </p:ext>
+            </p:extLst>
+          </p:nvPr>
+        </p:nvGraphicFramePr>
+        <p:xfrm>
+          <a:off x="1024116" y="3168073"/>
+          <a:ext cx="3208838" cy="1130799"/>
+        </p:xfrm>
+        <a:graphic>
+          <a:graphicData uri="http://schemas.openxmlformats.org/drawingml/2006/table">
+            <a:tbl>
+              <a:tblPr firstRow="1" bandRow="1">
+                <a:tableStyleId>{5C22544A-7EE6-4342-B048-85BDC9FD1C3A}</a:tableStyleId>
+              </a:tblPr>
+              <a:tblGrid>
+                <a:gridCol w="1151997">
+                  <a:extLst>
+                    <a:ext uri="{9D8B030D-6E8A-4147-A177-3AD203B41FA5}">
+                      <a16:colId xmlns:a16="http://schemas.microsoft.com/office/drawing/2014/main" val="20000"/>
+                    </a:ext>
+                  </a:extLst>
+                </a:gridCol>
+                <a:gridCol w="976722">
+                  <a:extLst>
+                    <a:ext uri="{9D8B030D-6E8A-4147-A177-3AD203B41FA5}">
+                      <a16:colId xmlns:a16="http://schemas.microsoft.com/office/drawing/2014/main" val="20001"/>
+                    </a:ext>
+                  </a:extLst>
+                </a:gridCol>
+                <a:gridCol w="1080119">
+                  <a:extLst>
+                    <a:ext uri="{9D8B030D-6E8A-4147-A177-3AD203B41FA5}">
+                      <a16:colId xmlns:a16="http://schemas.microsoft.com/office/drawing/2014/main" val="20002"/>
+                    </a:ext>
+                  </a:extLst>
+                </a:gridCol>
+              </a:tblGrid>
+              <a:tr h="376933">
+                <a:tc>
+                  <a:txBody>
+                    <a:bodyPr/>
+                    <a:lstStyle/>
+                    <a:p>
+                      <a:pPr algn="ctr">
+                        <a:buNone/>
+                      </a:pPr>
+                      <a:r>
+                        <a:rPr lang="en-US" altLang="zh-CN" dirty="0"/>
+                        <a:t>Measure</a:t>
+                      </a:r>
+                    </a:p>
+                  </a:txBody>
+                  <a:tcPr/>
+                </a:tc>
+                <a:tc>
+                  <a:txBody>
+                    <a:bodyPr/>
+                    <a:lstStyle/>
+                    <a:p>
+                      <a:pPr algn="ctr">
+                        <a:buNone/>
+                      </a:pPr>
+                      <a:r>
+                        <a:rPr lang="en-US" altLang="zh-CN" dirty="0" err="1"/>
+                        <a:t>Prev</a:t>
+                      </a:r>
+                      <a:endParaRPr lang="en-US" altLang="zh-CN" dirty="0"/>
+                    </a:p>
+                  </a:txBody>
+                  <a:tcPr/>
+                </a:tc>
+                <a:tc>
+                  <a:txBody>
+                    <a:bodyPr/>
+                    <a:lstStyle/>
+                    <a:p>
+                      <a:pPr algn="ctr">
+                        <a:buNone/>
+                      </a:pPr>
+                      <a:r>
+                        <a:rPr lang="en-US" altLang="zh-CN" dirty="0"/>
+                        <a:t>New</a:t>
+                      </a:r>
+                    </a:p>
+                  </a:txBody>
+                  <a:tcPr/>
+                </a:tc>
+                <a:extLst>
+                  <a:ext uri="{0D108BD9-81ED-4DB2-BD59-A6C34878D82A}">
+                    <a16:rowId xmlns:a16="http://schemas.microsoft.com/office/drawing/2014/main" val="10000"/>
+                  </a:ext>
+                </a:extLst>
+              </a:tr>
+              <a:tr h="376933">
+                <a:tc>
+                  <a:txBody>
+                    <a:bodyPr/>
+                    <a:lstStyle/>
+                    <a:p>
+                      <a:pPr algn="ctr">
+                        <a:buNone/>
+                      </a:pPr>
+                      <a:r>
+                        <a:rPr lang="en-US" altLang="zh-CN" dirty="0"/>
+                        <a:t>Height</a:t>
+                      </a:r>
+                    </a:p>
+                  </a:txBody>
+                  <a:tcPr/>
+                </a:tc>
+                <a:tc>
+                  <a:txBody>
+                    <a:bodyPr/>
+                    <a:lstStyle/>
+                    <a:p>
+                      <a:pPr algn="ctr">
+                        <a:buNone/>
+                      </a:pPr>
+                      <a:r>
+                        <a:rPr lang="en-US" altLang="zh-CN" dirty="0"/>
+                        <a:t>In.</a:t>
+                      </a:r>
+                    </a:p>
+                  </a:txBody>
+                  <a:tcPr/>
+                </a:tc>
+                <a:tc>
+                  <a:txBody>
+                    <a:bodyPr/>
+                    <a:lstStyle/>
+                    <a:p>
+                      <a:pPr algn="ctr">
+                        <a:buNone/>
+                      </a:pPr>
+                      <a:r>
+                        <a:rPr lang="en-US" altLang="zh-CN" dirty="0"/>
+                        <a:t>Cm.</a:t>
+                      </a:r>
+                    </a:p>
+                  </a:txBody>
+                  <a:tcPr/>
+                </a:tc>
+                <a:extLst>
+                  <a:ext uri="{0D108BD9-81ED-4DB2-BD59-A6C34878D82A}">
+                    <a16:rowId xmlns:a16="http://schemas.microsoft.com/office/drawing/2014/main" val="10001"/>
+                  </a:ext>
+                </a:extLst>
+              </a:tr>
+              <a:tr h="376933">
+                <a:tc>
+                  <a:txBody>
+                    <a:bodyPr/>
+                    <a:lstStyle/>
+                    <a:p>
+                      <a:pPr algn="ctr">
+                        <a:buNone/>
+                      </a:pPr>
+                      <a:r>
+                        <a:rPr lang="en-US" altLang="zh-CN" dirty="0"/>
+                        <a:t>Weight</a:t>
+                      </a:r>
+                    </a:p>
+                  </a:txBody>
+                  <a:tcPr/>
+                </a:tc>
+                <a:tc>
+                  <a:txBody>
+                    <a:bodyPr/>
+                    <a:lstStyle/>
+                    <a:p>
+                      <a:pPr algn="ctr">
+                        <a:buNone/>
+                      </a:pPr>
+                      <a:r>
+                        <a:rPr lang="en-US" altLang="zh-CN" dirty="0"/>
+                        <a:t>Lbs.</a:t>
+                      </a:r>
+                    </a:p>
+                  </a:txBody>
+                  <a:tcPr/>
+                </a:tc>
+                <a:tc>
+                  <a:txBody>
+                    <a:bodyPr/>
+                    <a:lstStyle/>
+                    <a:p>
+                      <a:pPr algn="ctr">
+                        <a:buNone/>
+                      </a:pPr>
+                      <a:r>
+                        <a:rPr lang="en-US" altLang="zh-CN" dirty="0"/>
+                        <a:t>Kgs.</a:t>
+                      </a:r>
+                    </a:p>
+                  </a:txBody>
+                  <a:tcPr/>
+                </a:tc>
+                <a:extLst>
+                  <a:ext uri="{0D108BD9-81ED-4DB2-BD59-A6C34878D82A}">
+                    <a16:rowId xmlns:a16="http://schemas.microsoft.com/office/drawing/2014/main" val="10002"/>
+                  </a:ext>
+                </a:extLst>
+              </a:tr>
+            </a:tbl>
+          </a:graphicData>
+        </a:graphic>
+      </p:graphicFrame>
     </p:spTree>
     <p:custDataLst>
-      <p:tags r:id="rId3"/>
+      <p:tags r:id="rId1"/>
     </p:custDataLst>
   </p:cSld>
   <p:clrMapOvr>
@@ -4874,7 +5020,14 @@
         <p:cNvGrpSpPr/>
         <p:nvPr/>
       </p:nvGrpSpPr>
-      <p:grpSpPr/>
+      <p:grpSpPr>
+        <a:xfrm>
+          <a:off x="0" y="0"/>
+          <a:ext cx="0" cy="0"/>
+          <a:chOff x="0" y="0"/>
+          <a:chExt cx="0" cy="0"/>
+        </a:xfrm>
+      </p:grpSpPr>
       <p:sp>
         <p:nvSpPr>
           <p:cNvPr id="2" name="标题 1"/>
@@ -4888,12 +5041,12 @@
         <p:spPr/>
         <p:txBody>
           <a:bodyPr/>
-          <a:p>
-            <a:r>
-              <a:rPr lang="en-US" altLang="zh-CN"/>
+          <a:lstStyle/>
+          <a:p>
+            <a:r>
+              <a:rPr lang="en-US" altLang="zh-CN" dirty="0"/>
               <a:t>Model Selection</a:t>
             </a:r>
-            <a:endParaRPr lang="en-US" altLang="zh-CN"/>
           </a:p>
         </p:txBody>
       </p:sp>
@@ -4915,26 +5068,24 @@
         </p:spPr>
         <p:txBody>
           <a:bodyPr/>
-          <a:p>
-            <a:r>
-              <a:rPr lang="en-US" altLang="zh-CN" sz="2000"/>
+          <a:lstStyle/>
+          <a:p>
+            <a:r>
+              <a:rPr lang="en-US" altLang="zh-CN" sz="2000" dirty="0"/>
               <a:t>Accuracy: Adjusted R-squared</a:t>
             </a:r>
-            <a:endParaRPr lang="en-US" altLang="zh-CN" sz="2000"/>
-          </a:p>
-          <a:p>
-            <a:r>
-              <a:rPr lang="en-US" altLang="zh-CN" sz="2000"/>
+          </a:p>
+          <a:p>
+            <a:r>
+              <a:rPr lang="en-US" altLang="zh-CN" sz="2000" dirty="0"/>
               <a:t>Interpretability</a:t>
             </a:r>
-            <a:endParaRPr lang="en-US" altLang="zh-CN" sz="2000"/>
-          </a:p>
-          <a:p>
-            <a:r>
-              <a:rPr lang="en-US" altLang="zh-CN" sz="2000"/>
+          </a:p>
+          <a:p>
+            <a:r>
+              <a:rPr lang="en-US" altLang="zh-CN" sz="2000" dirty="0"/>
               <a:t>Simplicity</a:t>
             </a:r>
-            <a:endParaRPr lang="en-US" altLang="zh-CN" sz="2000"/>
           </a:p>
         </p:txBody>
       </p:sp>
@@ -4944,8 +5095,13 @@
           <p:cNvGraphicFramePr/>
           <p:nvPr>
             <p:custDataLst>
-              <p:tags r:id="rId1"/>
+              <p:tags r:id="rId2"/>
             </p:custDataLst>
+            <p:extLst>
+              <p:ext uri="{D42A27DB-BD31-4B8C-83A1-F6EECF244321}">
+                <p14:modId xmlns:p14="http://schemas.microsoft.com/office/powerpoint/2010/main" val="4113038212"/>
+              </p:ext>
+            </p:extLst>
           </p:nvPr>
         </p:nvGraphicFramePr>
         <p:xfrm>
@@ -4959,14 +5115,33 @@
                 <a:tableStyleId>{5C22544A-7EE6-4342-B048-85BDC9FD1C3A}</a:tableStyleId>
               </a:tblPr>
               <a:tblGrid>
-                <a:gridCol w="2742565"/>
-                <a:gridCol w="4660265"/>
-                <a:gridCol w="2367915"/>
+                <a:gridCol w="2742565">
+                  <a:extLst>
+                    <a:ext uri="{9D8B030D-6E8A-4147-A177-3AD203B41FA5}">
+                      <a16:colId xmlns:a16="http://schemas.microsoft.com/office/drawing/2014/main" val="20000"/>
+                    </a:ext>
+                  </a:extLst>
+                </a:gridCol>
+                <a:gridCol w="4660265">
+                  <a:extLst>
+                    <a:ext uri="{9D8B030D-6E8A-4147-A177-3AD203B41FA5}">
+                      <a16:colId xmlns:a16="http://schemas.microsoft.com/office/drawing/2014/main" val="20001"/>
+                    </a:ext>
+                  </a:extLst>
+                </a:gridCol>
+                <a:gridCol w="2367915">
+                  <a:extLst>
+                    <a:ext uri="{9D8B030D-6E8A-4147-A177-3AD203B41FA5}">
+                      <a16:colId xmlns:a16="http://schemas.microsoft.com/office/drawing/2014/main" val="20002"/>
+                    </a:ext>
+                  </a:extLst>
+                </a:gridCol>
               </a:tblGrid>
               <a:tr h="381000">
                 <a:tc>
                   <a:txBody>
                     <a:bodyPr/>
+                    <a:lstStyle/>
                     <a:p>
                       <a:pPr>
                         <a:buNone/>
@@ -4975,7 +5150,6 @@
                         <a:rPr lang="en-US" altLang="zh-CN"/>
                         <a:t>Method</a:t>
                       </a:r>
-                      <a:endParaRPr lang="en-US" altLang="zh-CN"/>
                     </a:p>
                   </a:txBody>
                   <a:tcPr/>
@@ -4983,15 +5157,15 @@
                 <a:tc>
                   <a:txBody>
                     <a:bodyPr/>
+                    <a:lstStyle/>
                     <a:p>
                       <a:pPr>
                         <a:buNone/>
                       </a:pPr>
                       <a:r>
-                        <a:rPr lang="en-US" altLang="zh-CN"/>
+                        <a:rPr lang="en-US" altLang="zh-CN" dirty="0"/>
                         <a:t>Model</a:t>
                       </a:r>
-                      <a:endParaRPr lang="en-US" altLang="zh-CN"/>
                     </a:p>
                   </a:txBody>
                   <a:tcPr/>
@@ -4999,6 +5173,7 @@
                 <a:tc>
                   <a:txBody>
                     <a:bodyPr/>
+                    <a:lstStyle/>
                     <a:p>
                       <a:pPr>
                         <a:buNone/>
@@ -5007,25 +5182,30 @@
                         <a:rPr lang="en-US" altLang="zh-CN"/>
                         <a:t>Adjusted R-squared</a:t>
                       </a:r>
-                      <a:endParaRPr lang="en-US" altLang="zh-CN"/>
                     </a:p>
                   </a:txBody>
                   <a:tcPr/>
                 </a:tc>
+                <a:extLst>
+                  <a:ext uri="{0D108BD9-81ED-4DB2-BD59-A6C34878D82A}">
+                    <a16:rowId xmlns:a16="http://schemas.microsoft.com/office/drawing/2014/main" val="10000"/>
+                  </a:ext>
+                </a:extLst>
               </a:tr>
               <a:tr h="419100">
                 <a:tc>
                   <a:txBody>
                     <a:bodyPr/>
+                    <a:lstStyle/>
                     <a:p>
                       <a:pPr>
                         <a:buNone/>
                       </a:pPr>
                       <a:r>
-                        <a:rPr lang="en-US" altLang="zh-CN"/>
+                        <a:rPr lang="en-US" altLang="zh-CN" dirty="0" err="1"/>
                         <a:t>PCA+Stepwise</a:t>
                       </a:r>
-                      <a:endParaRPr lang="en-US" altLang="zh-CN"/>
+                      <a:endParaRPr lang="en-US" altLang="zh-CN" dirty="0"/>
                     </a:p>
                   </a:txBody>
                   <a:tcPr/>
@@ -5033,21 +5213,21 @@
                 <a:tc>
                   <a:txBody>
                     <a:bodyPr/>
+                    <a:lstStyle/>
                     <a:p>
                       <a:pPr>
                         <a:buNone/>
                       </a:pPr>
                       <a:r>
-                        <a:rPr lang="zh-CN" altLang="en-US" sz="1800">
+                        <a:rPr lang="zh-CN" altLang="en-US" sz="1800" dirty="0">
                           <a:sym typeface="+mn-ea"/>
                         </a:rPr>
                         <a:t>BODYFAT</a:t>
                       </a:r>
                       <a:r>
-                        <a:rPr lang="en-US" altLang="zh-CN"/>
+                        <a:rPr lang="en-US" altLang="zh-CN" dirty="0"/>
                         <a:t>~ PC1 + PC2 + PC3 + PC5 + PC6 + PC8</a:t>
                       </a:r>
-                      <a:endParaRPr lang="en-US" altLang="zh-CN"/>
                     </a:p>
                   </a:txBody>
                   <a:tcPr/>
@@ -5055,6 +5235,7 @@
                 <a:tc>
                   <a:txBody>
                     <a:bodyPr/>
+                    <a:lstStyle/>
                     <a:p>
                       <a:pPr>
                         <a:buNone/>
@@ -5067,25 +5248,29 @@
                         <a:rPr lang="en-US" altLang="zh-CN"/>
                         <a:t>0</a:t>
                       </a:r>
-                      <a:endParaRPr lang="en-US" altLang="zh-CN"/>
                     </a:p>
                   </a:txBody>
                   <a:tcPr/>
                 </a:tc>
+                <a:extLst>
+                  <a:ext uri="{0D108BD9-81ED-4DB2-BD59-A6C34878D82A}">
+                    <a16:rowId xmlns:a16="http://schemas.microsoft.com/office/drawing/2014/main" val="10001"/>
+                  </a:ext>
+                </a:extLst>
               </a:tr>
               <a:tr h="381000">
                 <a:tc>
                   <a:txBody>
                     <a:bodyPr/>
+                    <a:lstStyle/>
                     <a:p>
                       <a:pPr>
                         <a:buNone/>
                       </a:pPr>
                       <a:r>
-                        <a:rPr lang="en-US" altLang="zh-CN"/>
+                        <a:rPr lang="en-US" altLang="zh-CN" dirty="0"/>
                         <a:t>Stepwise</a:t>
                       </a:r>
-                      <a:endParaRPr lang="en-US" altLang="zh-CN"/>
                     </a:p>
                   </a:txBody>
                   <a:tcPr/>
@@ -5093,19 +5278,17 @@
                 <a:tc>
                   <a:txBody>
                     <a:bodyPr/>
+                    <a:lstStyle/>
                     <a:p>
                       <a:pPr>
                         <a:buNone/>
                       </a:pPr>
                       <a:r>
-                        <a:rPr>
+                        <a:rPr dirty="0">
                           <a:sym typeface="+mn-ea"/>
                         </a:rPr>
                         <a:t>BODYFAT ~ AGE + WEIGHT + NECK + ABDOMEN + THIGH + FOREARM + WRIST</a:t>
                       </a:r>
-                      <a:endParaRPr>
-                        <a:sym typeface="+mn-ea"/>
-                      </a:endParaRPr>
                     </a:p>
                   </a:txBody>
                   <a:tcPr/>
@@ -5113,33 +5296,38 @@
                 <a:tc>
                   <a:txBody>
                     <a:bodyPr/>
+                    <a:lstStyle/>
                     <a:p>
                       <a:pPr>
                         <a:buNone/>
                       </a:pPr>
                       <a:r>
-                        <a:rPr lang="zh-CN" altLang="en-US"/>
+                        <a:rPr lang="zh-CN" altLang="en-US" dirty="0"/>
                         <a:t>0.7312</a:t>
                       </a:r>
-                      <a:endParaRPr lang="zh-CN" altLang="en-US"/>
                     </a:p>
                   </a:txBody>
                   <a:tcPr/>
                 </a:tc>
+                <a:extLst>
+                  <a:ext uri="{0D108BD9-81ED-4DB2-BD59-A6C34878D82A}">
+                    <a16:rowId xmlns:a16="http://schemas.microsoft.com/office/drawing/2014/main" val="10002"/>
+                  </a:ext>
+                </a:extLst>
               </a:tr>
               <a:tr h="381000">
                 <a:tc>
                   <a:txBody>
                     <a:bodyPr/>
+                    <a:lstStyle/>
                     <a:p>
                       <a:pPr>
                         <a:buNone/>
                       </a:pPr>
                       <a:r>
-                        <a:rPr lang="en-US" altLang="zh-CN"/>
-                        <a:t>SLR</a:t>
+                        <a:rPr lang="en-US" altLang="zh-CN" dirty="0"/>
+                        <a:t>MLR</a:t>
                       </a:r>
-                      <a:endParaRPr lang="en-US" altLang="zh-CN"/>
                     </a:p>
                   </a:txBody>
                   <a:tcPr/>
@@ -5147,15 +5335,15 @@
                 <a:tc>
                   <a:txBody>
                     <a:bodyPr/>
+                    <a:lstStyle/>
                     <a:p>
                       <a:pPr>
                         <a:buNone/>
                       </a:pPr>
                       <a:r>
-                        <a:rPr lang="zh-CN" altLang="en-US"/>
-                        <a:t>BODYFAT ~ AGE + WEIGHT + ABDOMEN</a:t>
+                        <a:rPr lang="zh-CN" altLang="en-US" dirty="0"/>
+                        <a:t>BODYFAT ~ AGE + WEIGHT</a:t>
                       </a:r>
-                      <a:endParaRPr lang="zh-CN" altLang="en-US"/>
                     </a:p>
                   </a:txBody>
                   <a:tcPr/>
@@ -5163,33 +5351,38 @@
                 <a:tc>
                   <a:txBody>
                     <a:bodyPr/>
+                    <a:lstStyle/>
                     <a:p>
                       <a:pPr>
                         <a:buNone/>
                       </a:pPr>
                       <a:r>
-                        <a:rPr lang="zh-CN" altLang="en-US"/>
-                        <a:t>0.7102 </a:t>
+                        <a:rPr lang="zh-CN" altLang="en-US" dirty="0"/>
+                        <a:t>0.4434</a:t>
                       </a:r>
-                      <a:endParaRPr lang="zh-CN" altLang="en-US"/>
                     </a:p>
                   </a:txBody>
                   <a:tcPr/>
                 </a:tc>
+                <a:extLst>
+                  <a:ext uri="{0D108BD9-81ED-4DB2-BD59-A6C34878D82A}">
+                    <a16:rowId xmlns:a16="http://schemas.microsoft.com/office/drawing/2014/main" val="10003"/>
+                  </a:ext>
+                </a:extLst>
               </a:tr>
               <a:tr h="381000">
                 <a:tc>
                   <a:txBody>
                     <a:bodyPr/>
+                    <a:lstStyle/>
                     <a:p>
                       <a:pPr>
                         <a:buNone/>
                       </a:pPr>
                       <a:r>
-                        <a:rPr lang="en-US" altLang="zh-CN"/>
-                        <a:t>SLR</a:t>
+                        <a:rPr lang="en-US" altLang="zh-CN" dirty="0"/>
+                        <a:t>MLR</a:t>
                       </a:r>
-                      <a:endParaRPr lang="en-US" altLang="zh-CN"/>
                     </a:p>
                   </a:txBody>
                   <a:tcPr/>
@@ -5197,15 +5390,15 @@
                 <a:tc>
                   <a:txBody>
                     <a:bodyPr/>
+                    <a:lstStyle/>
                     <a:p>
                       <a:pPr>
                         <a:buNone/>
                       </a:pPr>
                       <a:r>
-                        <a:rPr lang="zh-CN" altLang="en-US"/>
-                        <a:t>BODYFAT ~ AGE + WEIGHT</a:t>
+                        <a:rPr lang="zh-CN" altLang="en-US" dirty="0"/>
+                        <a:t>BODYFAT ~ FOREARM + WRIST + ABDOMEN</a:t>
                       </a:r>
-                      <a:endParaRPr lang="zh-CN" altLang="en-US"/>
                     </a:p>
                   </a:txBody>
                   <a:tcPr/>
@@ -5213,33 +5406,38 @@
                 <a:tc>
                   <a:txBody>
                     <a:bodyPr/>
+                    <a:lstStyle/>
                     <a:p>
                       <a:pPr>
                         <a:buNone/>
                       </a:pPr>
                       <a:r>
-                        <a:rPr lang="zh-CN" altLang="en-US"/>
-                        <a:t>0.4434 </a:t>
+                        <a:rPr lang="zh-CN" altLang="en-US" dirty="0"/>
+                        <a:t>0.6926  </a:t>
                       </a:r>
-                      <a:endParaRPr lang="zh-CN" altLang="en-US"/>
                     </a:p>
                   </a:txBody>
                   <a:tcPr/>
                 </a:tc>
+                <a:extLst>
+                  <a:ext uri="{0D108BD9-81ED-4DB2-BD59-A6C34878D82A}">
+                    <a16:rowId xmlns:a16="http://schemas.microsoft.com/office/drawing/2014/main" val="10004"/>
+                  </a:ext>
+                </a:extLst>
               </a:tr>
               <a:tr h="381000">
                 <a:tc>
                   <a:txBody>
                     <a:bodyPr/>
+                    <a:lstStyle/>
                     <a:p>
                       <a:pPr>
                         <a:buNone/>
                       </a:pPr>
                       <a:r>
-                        <a:rPr lang="en-US" altLang="zh-CN"/>
-                        <a:t>SLR</a:t>
+                        <a:rPr lang="en-US" altLang="zh-CN" dirty="0"/>
+                        <a:t>MLR</a:t>
                       </a:r>
-                      <a:endParaRPr lang="en-US" altLang="zh-CN"/>
                     </a:p>
                   </a:txBody>
                   <a:tcPr/>
@@ -5247,15 +5445,29 @@
                 <a:tc>
                   <a:txBody>
                     <a:bodyPr/>
+                    <a:lstStyle/>
                     <a:p>
-                      <a:pPr>
+                      <a:pPr marL="0" marR="0" lvl="0" indent="0" algn="l" defTabSz="914400" rtl="0" eaLnBrk="1" fontAlgn="auto" latinLnBrk="0" hangingPunct="1">
+                        <a:lnSpc>
+                          <a:spcPct val="100000"/>
+                        </a:lnSpc>
+                        <a:spcBef>
+                          <a:spcPts val="0"/>
+                        </a:spcBef>
+                        <a:spcAft>
+                          <a:spcPts val="0"/>
+                        </a:spcAft>
+                        <a:buClrTx/>
+                        <a:buSzTx/>
+                        <a:buFontTx/>
                         <a:buNone/>
+                        <a:tabLst/>
+                        <a:defRPr/>
                       </a:pPr>
                       <a:r>
-                        <a:rPr lang="zh-CN" altLang="en-US"/>
-                        <a:t>BODYFAT ~ FOREARM + WRIST + ABDOMEN</a:t>
+                        <a:rPr lang="zh-CN" altLang="en-US" dirty="0"/>
+                        <a:t>BODYFAT ~ AGE + WEIGHT + ABDOMEN</a:t>
                       </a:r>
-                      <a:endParaRPr lang="zh-CN" altLang="en-US"/>
                     </a:p>
                   </a:txBody>
                   <a:tcPr/>
@@ -5263,33 +5475,38 @@
                 <a:tc>
                   <a:txBody>
                     <a:bodyPr/>
+                    <a:lstStyle/>
                     <a:p>
                       <a:pPr>
                         <a:buNone/>
                       </a:pPr>
                       <a:r>
-                        <a:rPr lang="zh-CN" altLang="en-US"/>
-                        <a:t>0.6926 </a:t>
+                        <a:rPr lang="zh-CN" altLang="en-US" dirty="0"/>
+                        <a:t>0.7102 </a:t>
                       </a:r>
-                      <a:endParaRPr lang="zh-CN" altLang="en-US"/>
                     </a:p>
                   </a:txBody>
                   <a:tcPr/>
                 </a:tc>
+                <a:extLst>
+                  <a:ext uri="{0D108BD9-81ED-4DB2-BD59-A6C34878D82A}">
+                    <a16:rowId xmlns:a16="http://schemas.microsoft.com/office/drawing/2014/main" val="10005"/>
+                  </a:ext>
+                </a:extLst>
               </a:tr>
               <a:tr h="381000">
                 <a:tc>
                   <a:txBody>
                     <a:bodyPr/>
+                    <a:lstStyle/>
                     <a:p>
                       <a:pPr>
                         <a:buNone/>
                       </a:pPr>
                       <a:r>
-                        <a:rPr lang="en-US" altLang="zh-CN"/>
-                        <a:t>SLR</a:t>
+                        <a:rPr lang="en-US" altLang="zh-CN" dirty="0"/>
+                        <a:t>MLR</a:t>
                       </a:r>
-                      <a:endParaRPr lang="en-US" altLang="zh-CN"/>
                     </a:p>
                   </a:txBody>
                   <a:tcPr/>
@@ -5297,6 +5514,7 @@
                 <a:tc>
                   <a:txBody>
                     <a:bodyPr/>
+                    <a:lstStyle/>
                     <a:p>
                       <a:pPr>
                         <a:buNone/>
@@ -5305,7 +5523,6 @@
                         <a:rPr lang="zh-CN" altLang="en-US"/>
                         <a:t>BODYFAT ~ WEIGHT + ABDOMEN</a:t>
                       </a:r>
-                      <a:endParaRPr lang="zh-CN" altLang="en-US"/>
                     </a:p>
                   </a:txBody>
                   <a:tcPr/>
@@ -5313,19 +5530,24 @@
                 <a:tc>
                   <a:txBody>
                     <a:bodyPr/>
+                    <a:lstStyle/>
                     <a:p>
                       <a:pPr>
                         <a:buNone/>
                       </a:pPr>
                       <a:r>
-                        <a:rPr lang="zh-CN" altLang="en-US"/>
+                        <a:rPr lang="zh-CN" altLang="en-US" dirty="0"/>
                         <a:t>0.7111 </a:t>
                       </a:r>
-                      <a:endParaRPr lang="zh-CN" altLang="en-US"/>
                     </a:p>
                   </a:txBody>
                   <a:tcPr/>
                 </a:tc>
+                <a:extLst>
+                  <a:ext uri="{0D108BD9-81ED-4DB2-BD59-A6C34878D82A}">
+                    <a16:rowId xmlns:a16="http://schemas.microsoft.com/office/drawing/2014/main" val="10006"/>
+                  </a:ext>
+                </a:extLst>
               </a:tr>
             </a:tbl>
           </a:graphicData>
@@ -5377,6 +5599,7 @@
         </p:style>
         <p:txBody>
           <a:bodyPr rtlCol="0" anchor="ctr"/>
+          <a:lstStyle/>
           <a:p>
             <a:pPr algn="ctr"/>
             <a:endParaRPr lang="zh-CN" altLang="en-US"/>
@@ -5385,7 +5608,7 @@
       </p:sp>
     </p:spTree>
     <p:custDataLst>
-      <p:tags r:id="rId2"/>
+      <p:tags r:id="rId1"/>
     </p:custDataLst>
   </p:cSld>
   <p:clrMapOvr>
@@ -5526,7 +5749,14 @@
         <p:cNvGrpSpPr/>
         <p:nvPr/>
       </p:nvGrpSpPr>
-      <p:grpSpPr/>
+      <p:grpSpPr>
+        <a:xfrm>
+          <a:off x="0" y="0"/>
+          <a:ext cx="0" cy="0"/>
+          <a:chOff x="0" y="0"/>
+          <a:chExt cx="0" cy="0"/>
+        </a:xfrm>
+      </p:grpSpPr>
       <p:sp>
         <p:nvSpPr>
           <p:cNvPr id="2" name="标题 1"/>
@@ -5540,12 +5770,12 @@
         <p:spPr/>
         <p:txBody>
           <a:bodyPr/>
+          <a:lstStyle/>
           <a:p>
             <a:r>
               <a:rPr lang="en-US" altLang="zh-CN"/>
               <a:t>Final Model</a:t>
             </a:r>
-            <a:endParaRPr lang="en-US" altLang="zh-CN"/>
           </a:p>
         </p:txBody>
       </p:sp>
@@ -5557,8 +5787,8 @@
         </p:nvSpPr>
         <p:spPr>
           <a:xfrm>
-            <a:off x="786130" y="1472565"/>
-            <a:ext cx="7816850" cy="448945"/>
+            <a:off x="786129" y="1472565"/>
+            <a:ext cx="8255129" cy="448945"/>
           </a:xfrm>
           <a:prstGeom prst="rect">
             <a:avLst/>
@@ -5569,73 +5799,71 @@
           <a:bodyPr wrap="square" rtlCol="0" anchor="t">
             <a:noAutofit/>
           </a:bodyPr>
+          <a:lstStyle/>
           <a:p>
             <a:pPr>
               <a:buNone/>
             </a:pPr>
             <a:r>
-              <a:rPr lang="en-US" sz="2400" dirty="0" err="1">
+              <a:rPr lang="en-US" sz="2200" dirty="0">
                 <a:sym typeface="+mn-ea"/>
               </a:rPr>
-              <a:t>BodyFat</a:t>
-            </a:r>
-            <a:r>
-              <a:rPr lang="en-US" sz="2400" dirty="0">
-                <a:sym typeface="+mn-ea"/>
-              </a:rPr>
-              <a:t>% = -40.47 - 0.67 * </a:t>
-            </a:r>
-            <a:r>
-              <a:rPr lang="zh-CN" altLang="en-US" sz="2400">
+              <a:t>Body Fat% = -40.47 - 0.31 * </a:t>
+            </a:r>
+            <a:r>
+              <a:rPr lang="zh-CN" altLang="en-US" sz="2200" dirty="0">
                 <a:sym typeface="+mn-ea"/>
               </a:rPr>
               <a:t>W</a:t>
             </a:r>
             <a:r>
-              <a:rPr lang="en-US" altLang="zh-CN" sz="2400">
+              <a:rPr lang="en-US" altLang="zh-CN" sz="2200" dirty="0">
                 <a:sym typeface="+mn-ea"/>
               </a:rPr>
-              <a:t>eight</a:t>
-            </a:r>
-            <a:r>
-              <a:rPr lang="zh-CN" altLang="en-US" sz="2400">
+              <a:t>eight (kg)</a:t>
+            </a:r>
+            <a:r>
+              <a:rPr lang="zh-CN" altLang="en-US" sz="2200" dirty="0">
                 <a:sym typeface="+mn-ea"/>
               </a:rPr>
               <a:t> +</a:t>
             </a:r>
             <a:r>
-              <a:rPr lang="en-US" altLang="zh-CN" sz="2400">
+              <a:rPr lang="en-US" altLang="zh-CN" sz="2200" dirty="0">
                 <a:sym typeface="+mn-ea"/>
               </a:rPr>
               <a:t> </a:t>
             </a:r>
             <a:r>
-              <a:rPr lang="zh-CN" altLang="en-US" sz="2400">
+              <a:rPr lang="zh-CN" altLang="en-US" sz="2200" dirty="0">
                 <a:sym typeface="+mn-ea"/>
               </a:rPr>
               <a:t>0.91</a:t>
             </a:r>
             <a:r>
-              <a:rPr lang="en-US" altLang="zh-CN" sz="2400">
+              <a:rPr lang="en-US" altLang="zh-CN" sz="2200" dirty="0">
                 <a:sym typeface="+mn-ea"/>
               </a:rPr>
               <a:t> * </a:t>
             </a:r>
             <a:r>
-              <a:rPr lang="zh-CN" altLang="en-US" sz="2400">
+              <a:rPr lang="zh-CN" altLang="en-US" sz="2200" dirty="0">
                 <a:sym typeface="+mn-ea"/>
               </a:rPr>
               <a:t>A</a:t>
             </a:r>
             <a:r>
-              <a:rPr lang="en-US" altLang="zh-CN" sz="2400">
+              <a:rPr lang="en-US" altLang="zh-CN" sz="2200" dirty="0" err="1">
                 <a:sym typeface="+mn-ea"/>
               </a:rPr>
               <a:t>bdomen</a:t>
             </a:r>
-            <a:endParaRPr lang="en-US" altLang="zh-CN" sz="2400">
-              <a:sym typeface="+mn-ea"/>
-            </a:endParaRPr>
+            <a:r>
+              <a:rPr lang="en-US" altLang="zh-CN" sz="2200" dirty="0">
+                <a:sym typeface="+mn-ea"/>
+              </a:rPr>
+              <a:t> (cm)</a:t>
+            </a:r>
           </a:p>
           <a:p>
             <a:pPr>
@@ -5649,60 +5877,14 @@
       </p:sp>
       <p:sp>
         <p:nvSpPr>
-          <p:cNvPr id="5" name="文本框 4"/>
-          <p:cNvSpPr txBox="1"/>
-          <p:nvPr/>
-        </p:nvSpPr>
-        <p:spPr>
-          <a:xfrm>
-            <a:off x="9204960" y="1330325"/>
-            <a:ext cx="2827020" cy="591185"/>
-          </a:xfrm>
-          <a:prstGeom prst="rect">
-            <a:avLst/>
-          </a:prstGeom>
-          <a:noFill/>
-        </p:spPr>
-        <p:txBody>
-          <a:bodyPr wrap="square" rtlCol="0">
-            <a:noAutofit/>
-          </a:bodyPr>
-          <a:p>
-            <a:r>
-              <a:rPr lang="en-US" altLang="zh-CN" sz="1600">
-                <a:cs typeface="+mn-lt"/>
-              </a:rPr>
-              <a:t>Weight (kgs)</a:t>
-            </a:r>
-            <a:endParaRPr lang="en-US" altLang="zh-CN" sz="1600">
-              <a:cs typeface="+mn-lt"/>
-            </a:endParaRPr>
-          </a:p>
-          <a:p>
-            <a:r>
-              <a:rPr lang="en-US" altLang="zh-CN" sz="1600">
-                <a:cs typeface="+mn-lt"/>
-              </a:rPr>
-              <a:t>Abdomen circumference (cm) </a:t>
-            </a:r>
-            <a:r>
-              <a:rPr lang="en-US" altLang="zh-CN"/>
-              <a:t> </a:t>
-            </a:r>
-            <a:endParaRPr lang="en-US" altLang="zh-CN"/>
-          </a:p>
-        </p:txBody>
-      </p:sp>
-      <p:sp>
-        <p:nvSpPr>
           <p:cNvPr id="6" name="圆角矩形 5"/>
           <p:cNvSpPr/>
           <p:nvPr/>
         </p:nvSpPr>
         <p:spPr>
           <a:xfrm>
-            <a:off x="732155" y="1426845"/>
-            <a:ext cx="7740650" cy="539750"/>
+            <a:off x="732154" y="1426845"/>
+            <a:ext cx="8154991" cy="539750"/>
           </a:xfrm>
           <a:prstGeom prst="roundRect">
             <a:avLst/>
@@ -5736,6 +5918,7 @@
         </p:style>
         <p:txBody>
           <a:bodyPr rtlCol="0" anchor="ctr"/>
+          <a:lstStyle/>
           <a:p>
             <a:pPr algn="ctr"/>
             <a:endParaRPr lang="zh-CN" altLang="en-US"/>
@@ -5762,17 +5945,15 @@
           <a:bodyPr>
             <a:normAutofit/>
           </a:bodyPr>
+          <a:lstStyle/>
           <a:p>
             <a:pPr marL="0" lvl="1"/>
             <a:r>
               <a:rPr lang="en-US" sz="2000" dirty="0">
                 <a:sym typeface="+mn-ea"/>
               </a:rPr>
-              <a:t>As men’s weight remain the same, when his abdomen circumference increases by one cm, he is expected to gain 0.91% in body fat.</a:t>
-            </a:r>
-            <a:endParaRPr lang="en-US" sz="2000" dirty="0">
-              <a:sym typeface="+mn-ea"/>
-            </a:endParaRPr>
+              <a:t>If a man’s abdomen circumference increases by one cm but his weight does not change, he is expected to gain 0.91% in body fat.</a:t>
+            </a:r>
           </a:p>
           <a:p>
             <a:pPr marL="0" lvl="1"/>
@@ -5780,19 +5961,15 @@
               <a:rPr lang="en-US" sz="2000" dirty="0">
                 <a:sym typeface="+mn-ea"/>
               </a:rPr>
-              <a:t>As men’s abdomen remain the same, when his weight increases by one kg, he is expected to lose 0.67% in body fat.</a:t>
-            </a:r>
-            <a:endParaRPr lang="en-US" sz="2000" dirty="0">
-              <a:sym typeface="+mn-ea"/>
-            </a:endParaRPr>
+              <a:t>If a man gains a kg without an increase in abdomen circumference, he is expected to lose 0.67% in body fat.</a:t>
+            </a:r>
           </a:p>
           <a:p>
             <a:pPr marL="0" lvl="1"/>
             <a:r>
               <a:rPr lang="en-US" sz="2000" dirty="0"/>
-              <a:t>Negative factor with weight: if people are gaining more weight without abdomen growth, they are probably gaining lean body tissue (such as, muscles) and thus the bodyfat% decreases.</a:t>
-            </a:r>
-            <a:endParaRPr lang="en-US" sz="2000" dirty="0"/>
+              <a:t>Negative factor with weight: if people are gaining more weight without abdomen growth, they are probably gaining lean body tissue in other parts of their body (e.g. muscle mass) &amp; thus their overall body fat % decreases.</a:t>
+            </a:r>
           </a:p>
         </p:txBody>
       </p:sp>
@@ -5802,7 +5979,7 @@
           <p:cNvGraphicFramePr/>
           <p:nvPr>
             <p:custDataLst>
-              <p:tags r:id="rId1"/>
+              <p:tags r:id="rId2"/>
             </p:custDataLst>
           </p:nvPr>
         </p:nvGraphicFramePr>
@@ -5817,15 +5994,40 @@
                 <a:tableStyleId>{5C22544A-7EE6-4342-B048-85BDC9FD1C3A}</a:tableStyleId>
               </a:tblPr>
               <a:tblGrid>
-                <a:gridCol w="2113915"/>
-                <a:gridCol w="2152015"/>
-                <a:gridCol w="2132965"/>
-                <a:gridCol w="2132965"/>
+                <a:gridCol w="2113915">
+                  <a:extLst>
+                    <a:ext uri="{9D8B030D-6E8A-4147-A177-3AD203B41FA5}">
+                      <a16:colId xmlns:a16="http://schemas.microsoft.com/office/drawing/2014/main" val="20000"/>
+                    </a:ext>
+                  </a:extLst>
+                </a:gridCol>
+                <a:gridCol w="2152015">
+                  <a:extLst>
+                    <a:ext uri="{9D8B030D-6E8A-4147-A177-3AD203B41FA5}">
+                      <a16:colId xmlns:a16="http://schemas.microsoft.com/office/drawing/2014/main" val="20001"/>
+                    </a:ext>
+                  </a:extLst>
+                </a:gridCol>
+                <a:gridCol w="2132965">
+                  <a:extLst>
+                    <a:ext uri="{9D8B030D-6E8A-4147-A177-3AD203B41FA5}">
+                      <a16:colId xmlns:a16="http://schemas.microsoft.com/office/drawing/2014/main" val="20002"/>
+                    </a:ext>
+                  </a:extLst>
+                </a:gridCol>
+                <a:gridCol w="2132965">
+                  <a:extLst>
+                    <a:ext uri="{9D8B030D-6E8A-4147-A177-3AD203B41FA5}">
+                      <a16:colId xmlns:a16="http://schemas.microsoft.com/office/drawing/2014/main" val="20003"/>
+                    </a:ext>
+                  </a:extLst>
+                </a:gridCol>
               </a:tblGrid>
               <a:tr h="381000">
                 <a:tc>
                   <a:txBody>
                     <a:bodyPr/>
+                    <a:lstStyle/>
                     <a:p>
                       <a:pPr>
                         <a:buNone/>
@@ -5838,6 +6040,7 @@
                 <a:tc>
                   <a:txBody>
                     <a:bodyPr/>
+                    <a:lstStyle/>
                     <a:p>
                       <a:pPr>
                         <a:buNone/>
@@ -5846,7 +6049,6 @@
                         <a:rPr lang="en-US" altLang="zh-CN"/>
                         <a:t>Intercept</a:t>
                       </a:r>
-                      <a:endParaRPr lang="en-US" altLang="zh-CN"/>
                     </a:p>
                   </a:txBody>
                   <a:tcPr/>
@@ -5854,6 +6056,7 @@
                 <a:tc>
                   <a:txBody>
                     <a:bodyPr/>
+                    <a:lstStyle/>
                     <a:p>
                       <a:pPr>
                         <a:buNone/>
@@ -5862,7 +6065,6 @@
                         <a:rPr lang="en-US" altLang="zh-CN"/>
                         <a:t>Weight</a:t>
                       </a:r>
-                      <a:endParaRPr lang="en-US" altLang="zh-CN"/>
                     </a:p>
                   </a:txBody>
                   <a:tcPr/>
@@ -5870,6 +6072,7 @@
                 <a:tc>
                   <a:txBody>
                     <a:bodyPr/>
+                    <a:lstStyle/>
                     <a:p>
                       <a:pPr>
                         <a:buNone/>
@@ -5878,16 +6081,21 @@
                         <a:rPr lang="en-US" altLang="zh-CN"/>
                         <a:t>Abdomen</a:t>
                       </a:r>
-                      <a:endParaRPr lang="en-US" altLang="zh-CN"/>
                     </a:p>
                   </a:txBody>
                   <a:tcPr/>
                 </a:tc>
+                <a:extLst>
+                  <a:ext uri="{0D108BD9-81ED-4DB2-BD59-A6C34878D82A}">
+                    <a16:rowId xmlns:a16="http://schemas.microsoft.com/office/drawing/2014/main" val="10000"/>
+                  </a:ext>
+                </a:extLst>
               </a:tr>
               <a:tr h="381000">
                 <a:tc>
                   <a:txBody>
                     <a:bodyPr/>
+                    <a:lstStyle/>
                     <a:p>
                       <a:pPr>
                         <a:buNone/>
@@ -5896,7 +6104,6 @@
                         <a:rPr lang="en-US" altLang="zh-CN"/>
                         <a:t>Estimation</a:t>
                       </a:r>
-                      <a:endParaRPr lang="en-US" altLang="zh-CN"/>
                     </a:p>
                   </a:txBody>
                   <a:tcPr/>
@@ -5904,6 +6111,7 @@
                 <a:tc>
                   <a:txBody>
                     <a:bodyPr/>
+                    <a:lstStyle/>
                     <a:p>
                       <a:pPr algn="ctr">
                         <a:buNone/>
@@ -5912,7 +6120,6 @@
                         <a:rPr lang="zh-CN" altLang="en-US"/>
                         <a:t>-40.47</a:t>
                       </a:r>
-                      <a:endParaRPr lang="zh-CN" altLang="en-US"/>
                     </a:p>
                   </a:txBody>
                   <a:tcPr/>
@@ -5920,6 +6127,7 @@
                 <a:tc>
                   <a:txBody>
                     <a:bodyPr/>
+                    <a:lstStyle/>
                     <a:p>
                       <a:pPr algn="ctr">
                         <a:buNone/>
@@ -5938,6 +6146,7 @@
                 <a:tc>
                   <a:txBody>
                     <a:bodyPr/>
+                    <a:lstStyle/>
                     <a:p>
                       <a:pPr algn="ctr">
                         <a:buNone/>
@@ -5946,16 +6155,21 @@
                         <a:rPr lang="zh-CN" altLang="en-US"/>
                         <a:t> 0.91</a:t>
                       </a:r>
-                      <a:endParaRPr lang="zh-CN" altLang="en-US"/>
                     </a:p>
                   </a:txBody>
                   <a:tcPr/>
                 </a:tc>
+                <a:extLst>
+                  <a:ext uri="{0D108BD9-81ED-4DB2-BD59-A6C34878D82A}">
+                    <a16:rowId xmlns:a16="http://schemas.microsoft.com/office/drawing/2014/main" val="10001"/>
+                  </a:ext>
+                </a:extLst>
               </a:tr>
               <a:tr h="381000">
                 <a:tc>
                   <a:txBody>
                     <a:bodyPr/>
+                    <a:lstStyle/>
                     <a:p>
                       <a:pPr>
                         <a:buNone/>
@@ -5974,6 +6188,7 @@
                 <a:tc>
                   <a:txBody>
                     <a:bodyPr/>
+                    <a:lstStyle/>
                     <a:p>
                       <a:pPr algn="ctr">
                         <a:buNone/>
@@ -5986,7 +6201,6 @@
                         <a:rPr lang="en-US" altLang="zh-CN"/>
                         <a:t>2</a:t>
                       </a:r>
-                      <a:endParaRPr lang="en-US" altLang="zh-CN"/>
                     </a:p>
                   </a:txBody>
                   <a:tcPr/>
@@ -5994,6 +6208,7 @@
                 <a:tc>
                   <a:txBody>
                     <a:bodyPr/>
+                    <a:lstStyle/>
                     <a:p>
                       <a:pPr algn="ctr">
                         <a:buNone/>
@@ -6002,7 +6217,6 @@
                         <a:rPr lang="zh-CN" altLang="en-US"/>
                         <a:t>0.09</a:t>
                       </a:r>
-                      <a:endParaRPr lang="zh-CN" altLang="en-US"/>
                     </a:p>
                   </a:txBody>
                   <a:tcPr/>
@@ -6010,6 +6224,7 @@
                 <a:tc>
                   <a:txBody>
                     <a:bodyPr/>
+                    <a:lstStyle/>
                     <a:p>
                       <a:pPr algn="ctr">
                         <a:buNone/>
@@ -6018,16 +6233,21 @@
                         <a:rPr lang="zh-CN" altLang="en-US"/>
                         <a:t>0.05</a:t>
                       </a:r>
-                      <a:endParaRPr lang="zh-CN" altLang="en-US"/>
                     </a:p>
                   </a:txBody>
                   <a:tcPr/>
                 </a:tc>
+                <a:extLst>
+                  <a:ext uri="{0D108BD9-81ED-4DB2-BD59-A6C34878D82A}">
+                    <a16:rowId xmlns:a16="http://schemas.microsoft.com/office/drawing/2014/main" val="10002"/>
+                  </a:ext>
+                </a:extLst>
               </a:tr>
               <a:tr h="381000">
                 <a:tc>
                   <a:txBody>
                     <a:bodyPr/>
+                    <a:lstStyle/>
                     <a:p>
                       <a:pPr>
                         <a:buNone/>
@@ -6046,6 +6266,7 @@
                 <a:tc>
                   <a:txBody>
                     <a:bodyPr/>
+                    <a:lstStyle/>
                     <a:p>
                       <a:pPr algn="ctr">
                         <a:buNone/>
@@ -6058,7 +6279,6 @@
                         <a:rPr lang="en-US" altLang="zh-CN"/>
                         <a:t>***</a:t>
                       </a:r>
-                      <a:endParaRPr lang="en-US" altLang="zh-CN"/>
                     </a:p>
                   </a:txBody>
                   <a:tcPr/>
@@ -6066,6 +6286,7 @@
                 <a:tc>
                   <a:txBody>
                     <a:bodyPr/>
+                    <a:lstStyle/>
                     <a:p>
                       <a:pPr algn="ctr">
                         <a:buNone/>
@@ -6078,7 +6299,6 @@
                         <a:rPr lang="en-US" altLang="zh-CN"/>
                         <a:t>***</a:t>
                       </a:r>
-                      <a:endParaRPr lang="en-US" altLang="zh-CN"/>
                     </a:p>
                   </a:txBody>
                   <a:tcPr/>
@@ -6086,29 +6306,32 @@
                 <a:tc>
                   <a:txBody>
                     <a:bodyPr/>
+                    <a:lstStyle/>
                     <a:p>
                       <a:pPr algn="ctr">
                         <a:buNone/>
                       </a:pPr>
                       <a:r>
-                        <a:rPr lang="zh-CN" altLang="en-US" sz="1800">
+                        <a:rPr lang="zh-CN" altLang="en-US" sz="1800" dirty="0">
                           <a:sym typeface="+mn-ea"/>
                         </a:rPr>
                         <a:t>&lt; 2e-16</a:t>
                       </a:r>
                       <a:r>
-                        <a:rPr lang="en-US" altLang="zh-CN" sz="1800">
+                        <a:rPr lang="en-US" altLang="zh-CN" sz="1800" dirty="0">
                           <a:sym typeface="+mn-ea"/>
                         </a:rPr>
                         <a:t>***</a:t>
                       </a:r>
-                      <a:endParaRPr lang="en-US" altLang="zh-CN" sz="1800">
-                        <a:sym typeface="+mn-ea"/>
-                      </a:endParaRPr>
                     </a:p>
                   </a:txBody>
                   <a:tcPr/>
                 </a:tc>
+                <a:extLst>
+                  <a:ext uri="{0D108BD9-81ED-4DB2-BD59-A6C34878D82A}">
+                    <a16:rowId xmlns:a16="http://schemas.microsoft.com/office/drawing/2014/main" val="10003"/>
+                  </a:ext>
+                </a:extLst>
               </a:tr>
             </a:tbl>
           </a:graphicData>
@@ -6116,7 +6339,7 @@
       </p:graphicFrame>
     </p:spTree>
     <p:custDataLst>
-      <p:tags r:id="rId2"/>
+      <p:tags r:id="rId1"/>
     </p:custDataLst>
   </p:cSld>
   <p:clrMapOvr>
@@ -6324,14 +6547,21 @@
         <p:cNvGrpSpPr/>
         <p:nvPr/>
       </p:nvGrpSpPr>
-      <p:grpSpPr/>
+      <p:grpSpPr>
+        <a:xfrm>
+          <a:off x="0" y="0"/>
+          <a:ext cx="0" cy="0"/>
+          <a:chOff x="0" y="0"/>
+          <a:chExt cx="0" cy="0"/>
+        </a:xfrm>
+      </p:grpSpPr>
       <p:graphicFrame>
         <p:nvGraphicFramePr>
           <p:cNvPr id="5" name="表格 4"/>
           <p:cNvGraphicFramePr/>
           <p:nvPr>
             <p:custDataLst>
-              <p:tags r:id="rId1"/>
+              <p:tags r:id="rId2"/>
             </p:custDataLst>
           </p:nvPr>
         </p:nvGraphicFramePr>
@@ -6346,14 +6576,33 @@
                 <a:tableStyleId>{5C22544A-7EE6-4342-B048-85BDC9FD1C3A}</a:tableStyleId>
               </a:tblPr>
               <a:tblGrid>
-                <a:gridCol w="2844165"/>
-                <a:gridCol w="2844165"/>
-                <a:gridCol w="2844165"/>
+                <a:gridCol w="2844165">
+                  <a:extLst>
+                    <a:ext uri="{9D8B030D-6E8A-4147-A177-3AD203B41FA5}">
+                      <a16:colId xmlns:a16="http://schemas.microsoft.com/office/drawing/2014/main" val="20000"/>
+                    </a:ext>
+                  </a:extLst>
+                </a:gridCol>
+                <a:gridCol w="2844165">
+                  <a:extLst>
+                    <a:ext uri="{9D8B030D-6E8A-4147-A177-3AD203B41FA5}">
+                      <a16:colId xmlns:a16="http://schemas.microsoft.com/office/drawing/2014/main" val="20001"/>
+                    </a:ext>
+                  </a:extLst>
+                </a:gridCol>
+                <a:gridCol w="2844165">
+                  <a:extLst>
+                    <a:ext uri="{9D8B030D-6E8A-4147-A177-3AD203B41FA5}">
+                      <a16:colId xmlns:a16="http://schemas.microsoft.com/office/drawing/2014/main" val="20002"/>
+                    </a:ext>
+                  </a:extLst>
+                </a:gridCol>
               </a:tblGrid>
               <a:tr h="374015">
                 <a:tc>
                   <a:txBody>
                     <a:bodyPr/>
+                    <a:lstStyle/>
                     <a:p>
                       <a:pPr>
                         <a:buNone/>
@@ -6366,6 +6615,7 @@
                 <a:tc>
                   <a:txBody>
                     <a:bodyPr/>
+                    <a:lstStyle/>
                     <a:p>
                       <a:pPr>
                         <a:buNone/>
@@ -6374,7 +6624,6 @@
                         <a:rPr lang="en-US" altLang="zh-CN"/>
                         <a:t>Weight</a:t>
                       </a:r>
-                      <a:endParaRPr lang="en-US" altLang="zh-CN"/>
                     </a:p>
                   </a:txBody>
                   <a:tcPr/>
@@ -6382,6 +6631,7 @@
                 <a:tc>
                   <a:txBody>
                     <a:bodyPr/>
+                    <a:lstStyle/>
                     <a:p>
                       <a:pPr>
                         <a:buNone/>
@@ -6390,16 +6640,21 @@
                         <a:rPr lang="en-US" altLang="zh-CN"/>
                         <a:t>Abomen</a:t>
                       </a:r>
-                      <a:endParaRPr lang="en-US" altLang="zh-CN"/>
                     </a:p>
                   </a:txBody>
                   <a:tcPr/>
                 </a:tc>
+                <a:extLst>
+                  <a:ext uri="{0D108BD9-81ED-4DB2-BD59-A6C34878D82A}">
+                    <a16:rowId xmlns:a16="http://schemas.microsoft.com/office/drawing/2014/main" val="10000"/>
+                  </a:ext>
+                </a:extLst>
               </a:tr>
               <a:tr h="381000">
                 <a:tc>
                   <a:txBody>
                     <a:bodyPr/>
+                    <a:lstStyle/>
                     <a:p>
                       <a:pPr>
                         <a:buNone/>
@@ -6418,6 +6673,7 @@
                 <a:tc>
                   <a:txBody>
                     <a:bodyPr/>
+                    <a:lstStyle/>
                     <a:p>
                       <a:pPr>
                         <a:buNone/>
@@ -6426,7 +6682,6 @@
                         <a:rPr lang="en-US" altLang="zh-CN"/>
                         <a:t>4.73</a:t>
                       </a:r>
-                      <a:endParaRPr lang="en-US" altLang="zh-CN"/>
                     </a:p>
                   </a:txBody>
                   <a:tcPr/>
@@ -6434,6 +6689,7 @@
                 <a:tc>
                   <a:txBody>
                     <a:bodyPr/>
+                    <a:lstStyle/>
                     <a:p>
                       <a:pPr>
                         <a:buNone/>
@@ -6442,11 +6698,15 @@
                         <a:rPr lang="en-US" altLang="zh-CN"/>
                         <a:t>4.73</a:t>
                       </a:r>
-                      <a:endParaRPr lang="en-US" altLang="zh-CN"/>
                     </a:p>
                   </a:txBody>
                   <a:tcPr/>
                 </a:tc>
+                <a:extLst>
+                  <a:ext uri="{0D108BD9-81ED-4DB2-BD59-A6C34878D82A}">
+                    <a16:rowId xmlns:a16="http://schemas.microsoft.com/office/drawing/2014/main" val="10001"/>
+                  </a:ext>
+                </a:extLst>
               </a:tr>
             </a:tbl>
           </a:graphicData>
@@ -6461,7 +6721,7 @@
           <p:nvPr/>
         </p:nvPicPr>
         <p:blipFill>
-          <a:blip r:embed="rId2"/>
+          <a:blip r:embed="rId5"/>
           <a:stretch>
             <a:fillRect/>
           </a:stretch>
@@ -6489,12 +6749,12 @@
         <p:spPr/>
         <p:txBody>
           <a:bodyPr/>
+          <a:lstStyle/>
           <a:p>
             <a:r>
               <a:rPr lang="en-US" altLang="zh-CN" sz="3200"/>
               <a:t>Correlation</a:t>
             </a:r>
-            <a:endParaRPr lang="en-US" altLang="zh-CN" sz="3200"/>
           </a:p>
         </p:txBody>
       </p:sp>
@@ -6541,6 +6801,7 @@
         </p:style>
         <p:txBody>
           <a:bodyPr rtlCol="0" anchor="ctr"/>
+          <a:lstStyle/>
           <a:p>
             <a:pPr algn="ctr"/>
             <a:endParaRPr lang="zh-CN" altLang="en-US"/>
@@ -6567,6 +6828,7 @@
           <a:bodyPr wrap="square" rtlCol="0" anchor="t">
             <a:noAutofit/>
           </a:bodyPr>
+          <a:lstStyle/>
           <a:p>
             <a:pPr algn="ctr">
               <a:lnSpc>
@@ -6574,43 +6836,39 @@
               </a:lnSpc>
             </a:pPr>
             <a:r>
-              <a:rPr lang="en-US" altLang="zh-CN" sz="2000">
+              <a:rPr lang="en-US" altLang="zh-CN" sz="2000" dirty="0">
                 <a:latin typeface="Microsoft JhengHei UI" panose="020B0604030504040204" charset="-120"/>
                 <a:ea typeface="Microsoft JhengHei UI" panose="020B0604030504040204" charset="-120"/>
               </a:rPr>
               <a:t>1&lt;VIF&lt;5, which </a:t>
             </a:r>
             <a:r>
-              <a:rPr lang="zh-CN" altLang="en-US" sz="2000">
+              <a:rPr lang="zh-CN" altLang="en-US" sz="2000" dirty="0">
                 <a:latin typeface="Microsoft JhengHei UI" panose="020B0604030504040204" charset="-120"/>
                 <a:ea typeface="Microsoft JhengHei UI" panose="020B0604030504040204" charset="-120"/>
               </a:rPr>
               <a:t>suggest</a:t>
             </a:r>
             <a:r>
-              <a:rPr lang="en-US" altLang="zh-CN" sz="2000">
+              <a:rPr lang="en-US" altLang="zh-CN" sz="2000" dirty="0">
                 <a:latin typeface="Microsoft JhengHei UI" panose="020B0604030504040204" charset="-120"/>
                 <a:ea typeface="Microsoft JhengHei UI" panose="020B0604030504040204" charset="-120"/>
               </a:rPr>
               <a:t>s</a:t>
             </a:r>
             <a:r>
-              <a:rPr lang="zh-CN" altLang="en-US" sz="2000">
+              <a:rPr lang="zh-CN" altLang="en-US" sz="2000" dirty="0">
                 <a:latin typeface="Microsoft JhengHei UI" panose="020B0604030504040204" charset="-120"/>
                 <a:ea typeface="Microsoft JhengHei UI" panose="020B0604030504040204" charset="-120"/>
               </a:rPr>
               <a:t> that there is a moderate correlation, but it is not severe enough to warrant corrective measures</a:t>
             </a:r>
-            <a:endParaRPr lang="zh-CN" altLang="en-US" sz="2000">
-              <a:latin typeface="Microsoft JhengHei UI" panose="020B0604030504040204" charset="-120"/>
-              <a:ea typeface="Microsoft JhengHei UI" panose="020B0604030504040204" charset="-120"/>
-            </a:endParaRPr>
           </a:p>
         </p:txBody>
       </p:sp>
     </p:spTree>
     <p:custDataLst>
-      <p:tags r:id="rId3"/>
+      <p:tags r:id="rId1"/>
     </p:custDataLst>
   </p:cSld>
   <p:clrMapOvr>
@@ -6752,7 +7010,14 @@
         <p:cNvGrpSpPr/>
         <p:nvPr/>
       </p:nvGrpSpPr>
-      <p:grpSpPr/>
+      <p:grpSpPr>
+        <a:xfrm>
+          <a:off x="0" y="0"/>
+          <a:ext cx="0" cy="0"/>
+          <a:chOff x="0" y="0"/>
+          <a:chExt cx="0" cy="0"/>
+        </a:xfrm>
+      </p:grpSpPr>
       <p:sp>
         <p:nvSpPr>
           <p:cNvPr id="2" name="标题 1"/>
@@ -6773,6 +7038,7 @@
           <a:bodyPr>
             <a:normAutofit/>
           </a:bodyPr>
+          <a:lstStyle/>
           <a:p>
             <a:r>
               <a:rPr lang="en-US" dirty="0">
@@ -6788,14 +7054,14 @@
         <p:nvPicPr>
           <p:cNvPr id="4" name="内容占位符 3" descr="QQplot"/>
           <p:cNvPicPr>
-            <a:picLocks noChangeAspect="1"/>
+            <a:picLocks noGrp="1" noChangeAspect="1"/>
           </p:cNvPicPr>
           <p:nvPr>
             <p:ph idx="1"/>
           </p:nvPr>
         </p:nvPicPr>
         <p:blipFill>
-          <a:blip r:embed="rId1"/>
+          <a:blip r:embed="rId3"/>
           <a:stretch>
             <a:fillRect/>
           </a:stretch>
@@ -7048,14 +7314,6 @@
               </a:rPr>
               <a:t>Normality:</a:t>
             </a:r>
-            <a:endParaRPr lang="en-US" altLang="zh-CN" sz="2000">
-              <a:solidFill>
-                <a:schemeClr val="tx1">
-                  <a:lumMod val="65000"/>
-                  <a:lumOff val="35000"/>
-                </a:schemeClr>
-              </a:solidFill>
-            </a:endParaRPr>
           </a:p>
           <a:p>
             <a:pPr marL="685800" lvl="1" indent="-228600">
@@ -7073,14 +7331,6 @@
               </a:rPr>
               <a:t>Reasonable: Hug the 45 degree line very closely</a:t>
             </a:r>
-            <a:endParaRPr lang="en-US" altLang="zh-CN" sz="2000">
-              <a:solidFill>
-                <a:schemeClr val="tx1">
-                  <a:lumMod val="65000"/>
-                  <a:lumOff val="35000"/>
-                </a:schemeClr>
-              </a:solidFill>
-            </a:endParaRPr>
           </a:p>
           <a:p>
             <a:pPr marL="685800" lvl="1" indent="-228600">
@@ -7120,14 +7370,6 @@
               </a:rPr>
               <a:t>2 to 3)</a:t>
             </a:r>
-            <a:endParaRPr lang="en-US" altLang="zh-CN" sz="2000">
-              <a:solidFill>
-                <a:schemeClr val="tx1">
-                  <a:lumMod val="65000"/>
-                  <a:lumOff val="35000"/>
-                </a:schemeClr>
-              </a:solidFill>
-            </a:endParaRPr>
           </a:p>
           <a:p>
             <a:pPr marL="685800" lvl="1" indent="-228600">
@@ -7145,6 +7387,8 @@
               </a:rPr>
               <a:t>Slight skinny tail</a:t>
             </a:r>
+          </a:p>
+          <a:p>
             <a:endParaRPr lang="en-US" altLang="zh-CN" sz="2000">
               <a:solidFill>
                 <a:schemeClr val="tx1">
@@ -7154,21 +7398,11 @@
               </a:solidFill>
             </a:endParaRPr>
           </a:p>
-          <a:p>
-            <a:endParaRPr lang="en-US" altLang="zh-CN" sz="2000">
-              <a:solidFill>
-                <a:schemeClr val="tx1">
-                  <a:lumMod val="65000"/>
-                  <a:lumOff val="35000"/>
-                </a:schemeClr>
-              </a:solidFill>
-            </a:endParaRPr>
-          </a:p>
         </p:txBody>
       </p:sp>
     </p:spTree>
     <p:custDataLst>
-      <p:tags r:id="rId2"/>
+      <p:tags r:id="rId1"/>
     </p:custDataLst>
   </p:cSld>
   <p:clrMapOvr>
@@ -7186,7 +7420,14 @@
         <p:cNvGrpSpPr/>
         <p:nvPr/>
       </p:nvGrpSpPr>
-      <p:grpSpPr/>
+      <p:grpSpPr>
+        <a:xfrm>
+          <a:off x="0" y="0"/>
+          <a:ext cx="0" cy="0"/>
+          <a:chOff x="0" y="0"/>
+          <a:chExt cx="0" cy="0"/>
+        </a:xfrm>
+      </p:grpSpPr>
       <p:sp>
         <p:nvSpPr>
           <p:cNvPr id="2" name="标题 1"/>
@@ -7202,6 +7443,7 @@
           <a:bodyPr>
             <a:normAutofit/>
           </a:bodyPr>
+          <a:lstStyle/>
           <a:p>
             <a:r>
               <a:rPr lang="en-US" dirty="0">
@@ -7222,7 +7464,7 @@
           <p:nvPr/>
         </p:nvPicPr>
         <p:blipFill>
-          <a:blip r:embed="rId1"/>
+          <a:blip r:embed="rId3"/>
           <a:stretch>
             <a:fillRect/>
           </a:stretch>
@@ -7475,14 +7717,6 @@
               </a:rPr>
               <a:t>Linearity:</a:t>
             </a:r>
-            <a:endParaRPr lang="en-US" altLang="zh-CN" sz="2000">
-              <a:solidFill>
-                <a:schemeClr val="tx1">
-                  <a:lumMod val="65000"/>
-                  <a:lumOff val="35000"/>
-                </a:schemeClr>
-              </a:solidFill>
-            </a:endParaRPr>
           </a:p>
           <a:p>
             <a:pPr marL="685800" lvl="1" indent="-228600">
@@ -7500,14 +7734,6 @@
               </a:rPr>
               <a:t>Reasonable: No obvious non-linear trends</a:t>
             </a:r>
-            <a:endParaRPr lang="en-US" altLang="zh-CN" sz="2000">
-              <a:solidFill>
-                <a:schemeClr val="tx1">
-                  <a:lumMod val="65000"/>
-                  <a:lumOff val="35000"/>
-                </a:schemeClr>
-              </a:solidFill>
-            </a:endParaRPr>
           </a:p>
           <a:p>
             <a:pPr marL="457200" lvl="1" indent="0">
@@ -7539,14 +7765,6 @@
               </a:rPr>
               <a:t>Homoskedasticity:</a:t>
             </a:r>
-            <a:endParaRPr lang="en-US" altLang="zh-CN" sz="2000">
-              <a:solidFill>
-                <a:schemeClr val="tx1">
-                  <a:lumMod val="65000"/>
-                  <a:lumOff val="35000"/>
-                </a:schemeClr>
-              </a:solidFill>
-            </a:endParaRPr>
           </a:p>
           <a:p>
             <a:pPr marL="685800" lvl="1" indent="-228600">
@@ -7564,14 +7782,6 @@
               </a:rPr>
               <a:t>Plausible</a:t>
             </a:r>
-            <a:endParaRPr lang="en-US" altLang="zh-CN" sz="2000">
-              <a:solidFill>
-                <a:schemeClr val="tx1">
-                  <a:lumMod val="65000"/>
-                  <a:lumOff val="35000"/>
-                </a:schemeClr>
-              </a:solidFill>
-            </a:endParaRPr>
           </a:p>
           <a:p>
             <a:pPr marL="685800" lvl="1" indent="-228600">
@@ -7589,6 +7799,8 @@
               </a:rPr>
               <a:t>Slight pattern for BodyFat%&gt;30%</a:t>
             </a:r>
+          </a:p>
+          <a:p>
             <a:endParaRPr lang="en-US" altLang="zh-CN" sz="2000">
               <a:solidFill>
                 <a:schemeClr val="tx1">
@@ -7598,21 +7810,11 @@
               </a:solidFill>
             </a:endParaRPr>
           </a:p>
-          <a:p>
-            <a:endParaRPr lang="en-US" altLang="zh-CN" sz="2000">
-              <a:solidFill>
-                <a:schemeClr val="tx1">
-                  <a:lumMod val="65000"/>
-                  <a:lumOff val="35000"/>
-                </a:schemeClr>
-              </a:solidFill>
-            </a:endParaRPr>
-          </a:p>
         </p:txBody>
       </p:sp>
     </p:spTree>
     <p:custDataLst>
-      <p:tags r:id="rId2"/>
+      <p:tags r:id="rId1"/>
     </p:custDataLst>
   </p:cSld>
   <p:clrMapOvr>
@@ -7630,7 +7832,14 @@
         <p:cNvGrpSpPr/>
         <p:nvPr/>
       </p:nvGrpSpPr>
-      <p:grpSpPr/>
+      <p:grpSpPr>
+        <a:xfrm>
+          <a:off x="0" y="0"/>
+          <a:ext cx="0" cy="0"/>
+          <a:chOff x="0" y="0"/>
+          <a:chExt cx="0" cy="0"/>
+        </a:xfrm>
+      </p:grpSpPr>
       <p:sp>
         <p:nvSpPr>
           <p:cNvPr id="2" name="标题 1"/>
@@ -7646,6 +7855,7 @@
           <a:bodyPr>
             <a:normAutofit/>
           </a:bodyPr>
+          <a:lstStyle/>
           <a:p>
             <a:r>
               <a:rPr lang="en-US" dirty="0">
@@ -7670,19 +7880,19 @@
         <p:spPr>
           <a:xfrm>
             <a:off x="608330" y="2294890"/>
-            <a:ext cx="10766425" cy="3668395"/>
+            <a:ext cx="10766425" cy="4033991"/>
           </a:xfrm>
         </p:spPr>
         <p:txBody>
           <a:bodyPr>
             <a:normAutofit/>
           </a:bodyPr>
-          <a:p>
-            <a:r>
-              <a:rPr lang="en-US" altLang="zh-CN" sz="2000"/>
+          <a:lstStyle/>
+          <a:p>
+            <a:r>
+              <a:rPr lang="en-US" altLang="zh-CN" sz="2000" dirty="0"/>
               <a:t> Strengths:</a:t>
             </a:r>
-            <a:endParaRPr lang="en-US" altLang="zh-CN" sz="2000"/>
           </a:p>
           <a:p>
             <a:pPr marL="685800" lvl="1" indent="-228600">
@@ -7690,7 +7900,7 @@
               <a:buChar char="●"/>
             </a:pPr>
             <a:r>
-              <a:rPr lang="en-US" altLang="zh-CN" sz="2000">
+              <a:rPr lang="en-US" altLang="zh-CN" sz="2000" dirty="0">
                 <a:solidFill>
                   <a:schemeClr val="tx1">
                     <a:lumMod val="65000"/>
@@ -7698,16 +7908,8 @@
                   </a:schemeClr>
                 </a:solidFill>
               </a:rPr>
-              <a:t> Simple enough and will not lose much accuracy</a:t>
-            </a:r>
-            <a:endParaRPr lang="en-US" altLang="zh-CN" sz="2000">
-              <a:solidFill>
-                <a:schemeClr val="tx1">
-                  <a:lumMod val="65000"/>
-                  <a:lumOff val="35000"/>
-                </a:schemeClr>
-              </a:solidFill>
-            </a:endParaRPr>
+              <a:t> Simple enough for users without heavy loss of accuracy</a:t>
+            </a:r>
           </a:p>
           <a:p>
             <a:pPr marL="685800" lvl="1" indent="-228600">
@@ -7715,7 +7917,7 @@
               <a:buChar char="●"/>
             </a:pPr>
             <a:r>
-              <a:rPr lang="en-US" altLang="zh-CN" sz="2000">
+              <a:rPr lang="en-US" altLang="zh-CN" sz="2000" dirty="0">
                 <a:solidFill>
                   <a:schemeClr val="tx1">
                     <a:lumMod val="65000"/>
@@ -7725,7 +7927,17 @@
               </a:rPr>
               <a:t> Explains weight and abdomen circumference of variation in body fat</a:t>
             </a:r>
-            <a:endParaRPr lang="en-US" altLang="zh-CN" sz="2000">
+          </a:p>
+          <a:p>
+            <a:pPr marL="685800" lvl="1" indent="-228600">
+              <a:buFont typeface="Arial" panose="020B0604020202020204" pitchFamily="34" charset="0"/>
+              <a:buChar char="●"/>
+            </a:pPr>
+            <a:r>
+              <a:rPr lang="en-US" altLang="zh-CN" sz="2000" dirty="0"/>
+              <a:t> Provides explanation for differing body types via inclusion of Abdomen</a:t>
+            </a:r>
+            <a:endParaRPr lang="en-US" altLang="zh-CN" sz="2000" dirty="0">
               <a:solidFill>
                 <a:schemeClr val="tx1">
                   <a:lumMod val="65000"/>
@@ -7735,26 +7947,12 @@
             </a:endParaRPr>
           </a:p>
           <a:p>
-            <a:pPr marL="457200" lvl="1" indent="0">
-              <a:buFont typeface="Arial" panose="020B0604020202020204" pitchFamily="34" charset="0"/>
-              <a:buNone/>
-            </a:pPr>
-            <a:endParaRPr lang="en-US" altLang="zh-CN" sz="2000">
-              <a:solidFill>
-                <a:schemeClr val="tx1">
-                  <a:lumMod val="65000"/>
-                  <a:lumOff val="35000"/>
-                </a:schemeClr>
-              </a:solidFill>
-            </a:endParaRPr>
-          </a:p>
-          <a:p>
             <a:pPr marL="228600" lvl="0" indent="-228600">
               <a:buFont typeface="Arial" panose="020B0604020202020204" pitchFamily="34" charset="0"/>
               <a:buChar char="●"/>
             </a:pPr>
             <a:r>
-              <a:rPr lang="en-US" altLang="zh-CN" sz="2000">
+              <a:rPr lang="en-US" altLang="zh-CN" sz="2000" dirty="0">
                 <a:solidFill>
                   <a:schemeClr val="tx1">
                     <a:lumMod val="65000"/>
@@ -7764,14 +7962,6 @@
               </a:rPr>
               <a:t> Weaknesses:</a:t>
             </a:r>
-            <a:endParaRPr lang="en-US" altLang="zh-CN" sz="2000">
-              <a:solidFill>
-                <a:schemeClr val="tx1">
-                  <a:lumMod val="65000"/>
-                  <a:lumOff val="35000"/>
-                </a:schemeClr>
-              </a:solidFill>
-            </a:endParaRPr>
           </a:p>
           <a:p>
             <a:pPr marL="685800" lvl="1" indent="-228600">
@@ -7779,7 +7969,7 @@
               <a:buChar char="●"/>
             </a:pPr>
             <a:r>
-              <a:rPr lang="en-US" altLang="zh-CN" sz="2000">
+              <a:rPr lang="en-US" altLang="zh-CN" sz="2000" dirty="0">
                 <a:solidFill>
                   <a:schemeClr val="tx1">
                     <a:lumMod val="65000"/>
@@ -7787,29 +7977,48 @@
                   </a:schemeClr>
                 </a:solidFill>
               </a:rPr>
-              <a:t>Require units</a:t>
-            </a:r>
-            <a:endParaRPr lang="en-US" altLang="zh-CN" sz="2000">
-              <a:solidFill>
-                <a:schemeClr val="tx1">
-                  <a:lumMod val="65000"/>
-                  <a:lumOff val="35000"/>
-                </a:schemeClr>
-              </a:solidFill>
-            </a:endParaRPr>
-          </a:p>
-        </p:txBody>
-      </p:sp>
-      <p:sp>
-        <p:nvSpPr>
-          <p:cNvPr id="4" name="文本框 3"/>
+              <a:t>Requires units</a:t>
+            </a:r>
+          </a:p>
+          <a:p>
+            <a:pPr marL="685800" lvl="1" indent="-228600">
+              <a:buFont typeface="Arial" panose="020B0604020202020204" pitchFamily="34" charset="0"/>
+              <a:buChar char="●"/>
+            </a:pPr>
+            <a:r>
+              <a:rPr lang="en-US" altLang="zh-CN" sz="2000" dirty="0"/>
+              <a:t>Trained on data that </a:t>
+            </a:r>
+            <a:r>
+              <a:rPr lang="en-US" altLang="zh-CN" sz="2000" dirty="0">
+                <a:solidFill>
+                  <a:schemeClr val="tx1">
+                    <a:lumMod val="65000"/>
+                    <a:lumOff val="35000"/>
+                  </a:schemeClr>
+                </a:solidFill>
+              </a:rPr>
+              <a:t>does not contain many extreme weights or abdomen sizes (on either end) and so extrapolation issues may arise for edge case individuals</a:t>
+            </a:r>
+          </a:p>
+        </p:txBody>
+      </p:sp>
+      <p:sp>
+        <p:nvSpPr>
+          <p:cNvPr id="8" name="文本框 3">
+            <a:extLst>
+              <a:ext uri="{FF2B5EF4-FFF2-40B4-BE49-F238E27FC236}">
+                <a16:creationId xmlns:a16="http://schemas.microsoft.com/office/drawing/2014/main" id="{99F9D43B-55BA-E118-851B-93B53224E988}"/>
+              </a:ext>
+            </a:extLst>
+          </p:cNvPr>
           <p:cNvSpPr txBox="1"/>
           <p:nvPr/>
         </p:nvSpPr>
         <p:spPr>
           <a:xfrm>
-            <a:off x="786130" y="1472565"/>
-            <a:ext cx="7816850" cy="448945"/>
+            <a:off x="755307" y="1513661"/>
+            <a:ext cx="8255129" cy="448945"/>
           </a:xfrm>
           <a:prstGeom prst="rect">
             <a:avLst/>
@@ -7820,73 +8029,71 @@
           <a:bodyPr wrap="square" rtlCol="0" anchor="t">
             <a:noAutofit/>
           </a:bodyPr>
+          <a:lstStyle/>
           <a:p>
             <a:pPr>
               <a:buNone/>
             </a:pPr>
             <a:r>
-              <a:rPr lang="en-US" sz="2400" dirty="0" err="1">
+              <a:rPr lang="en-US" sz="2200" dirty="0">
                 <a:sym typeface="+mn-ea"/>
               </a:rPr>
-              <a:t>BodyFat</a:t>
-            </a:r>
-            <a:r>
-              <a:rPr lang="en-US" sz="2400" dirty="0">
-                <a:sym typeface="+mn-ea"/>
-              </a:rPr>
-              <a:t>% = -40.47 - 0.67 * </a:t>
-            </a:r>
-            <a:r>
-              <a:rPr lang="zh-CN" altLang="en-US" sz="2400">
+              <a:t>Body Fat% = -40.47 - 0.31 * </a:t>
+            </a:r>
+            <a:r>
+              <a:rPr lang="zh-CN" altLang="en-US" sz="2200" dirty="0">
                 <a:sym typeface="+mn-ea"/>
               </a:rPr>
               <a:t>W</a:t>
             </a:r>
             <a:r>
-              <a:rPr lang="en-US" altLang="zh-CN" sz="2400">
+              <a:rPr lang="en-US" altLang="zh-CN" sz="2200" dirty="0">
                 <a:sym typeface="+mn-ea"/>
               </a:rPr>
-              <a:t>eight</a:t>
-            </a:r>
-            <a:r>
-              <a:rPr lang="zh-CN" altLang="en-US" sz="2400">
+              <a:t>eight (kg)</a:t>
+            </a:r>
+            <a:r>
+              <a:rPr lang="zh-CN" altLang="en-US" sz="2200" dirty="0">
                 <a:sym typeface="+mn-ea"/>
               </a:rPr>
               <a:t> +</a:t>
             </a:r>
             <a:r>
-              <a:rPr lang="en-US" altLang="zh-CN" sz="2400">
+              <a:rPr lang="en-US" altLang="zh-CN" sz="2200" dirty="0">
                 <a:sym typeface="+mn-ea"/>
               </a:rPr>
               <a:t> </a:t>
             </a:r>
             <a:r>
-              <a:rPr lang="zh-CN" altLang="en-US" sz="2400">
+              <a:rPr lang="zh-CN" altLang="en-US" sz="2200" dirty="0">
                 <a:sym typeface="+mn-ea"/>
               </a:rPr>
               <a:t>0.91</a:t>
             </a:r>
             <a:r>
-              <a:rPr lang="en-US" altLang="zh-CN" sz="2400">
+              <a:rPr lang="en-US" altLang="zh-CN" sz="2200" dirty="0">
                 <a:sym typeface="+mn-ea"/>
               </a:rPr>
               <a:t> * </a:t>
             </a:r>
             <a:r>
-              <a:rPr lang="zh-CN" altLang="en-US" sz="2400">
+              <a:rPr lang="zh-CN" altLang="en-US" sz="2200" dirty="0">
                 <a:sym typeface="+mn-ea"/>
               </a:rPr>
               <a:t>A</a:t>
             </a:r>
             <a:r>
-              <a:rPr lang="en-US" altLang="zh-CN" sz="2400">
+              <a:rPr lang="en-US" altLang="zh-CN" sz="2200" dirty="0" err="1">
                 <a:sym typeface="+mn-ea"/>
               </a:rPr>
               <a:t>bdomen</a:t>
             </a:r>
-            <a:endParaRPr lang="en-US" altLang="zh-CN" sz="2400">
-              <a:sym typeface="+mn-ea"/>
-            </a:endParaRPr>
+            <a:r>
+              <a:rPr lang="en-US" altLang="zh-CN" sz="2200" dirty="0">
+                <a:sym typeface="+mn-ea"/>
+              </a:rPr>
+              <a:t> (cm)</a:t>
+            </a:r>
           </a:p>
           <a:p>
             <a:pPr>
@@ -7900,14 +8107,20 @@
       </p:sp>
       <p:sp>
         <p:nvSpPr>
-          <p:cNvPr id="6" name="圆角矩形 5"/>
+          <p:cNvPr id="9" name="圆角矩形 5">
+            <a:extLst>
+              <a:ext uri="{FF2B5EF4-FFF2-40B4-BE49-F238E27FC236}">
+                <a16:creationId xmlns:a16="http://schemas.microsoft.com/office/drawing/2014/main" id="{987807E9-859A-A7F6-2D2C-ABDD0A4F7D67}"/>
+              </a:ext>
+            </a:extLst>
+          </p:cNvPr>
           <p:cNvSpPr/>
           <p:nvPr/>
         </p:nvSpPr>
         <p:spPr>
           <a:xfrm>
-            <a:off x="732155" y="1426845"/>
-            <a:ext cx="7740650" cy="539750"/>
+            <a:off x="701332" y="1467941"/>
+            <a:ext cx="8154991" cy="539750"/>
           </a:xfrm>
           <a:prstGeom prst="roundRect">
             <a:avLst/>
@@ -7941,6 +8154,7 @@
         </p:style>
         <p:txBody>
           <a:bodyPr rtlCol="0" anchor="ctr"/>
+          <a:lstStyle/>
           <a:p>
             <a:pPr algn="ctr"/>
             <a:endParaRPr lang="zh-CN" altLang="en-US"/>
@@ -7959,7 +8173,14 @@
 </file>
 
 <file path=ppt/tags/tag1.xml><?xml version="1.0" encoding="utf-8"?>
-<p:tagLst xmlns:p="http://schemas.openxmlformats.org/presentationml/2006/main">
+<p:tagLst xmlns:a="http://schemas.openxmlformats.org/drawingml/2006/main" xmlns:r="http://schemas.openxmlformats.org/officeDocument/2006/relationships" xmlns:p="http://schemas.openxmlformats.org/presentationml/2006/main">
+  <p:tag name="COMMONDATA" val="eyJoZGlkIjoiY2UzYzc3OWFhNTgzMTFiYzdkZDkwOWE3ODg4MTg2YjgifQ=="/>
+  <p:tag name="KSO_WPP_MARK_KEY" val="ee69e713-066c-42ba-91e8-450aa6120d63"/>
+</p:tagLst>
+</file>
+
+<file path=ppt/tags/tag10.xml><?xml version="1.0" encoding="utf-8"?>
+<p:tagLst xmlns:a="http://schemas.openxmlformats.org/drawingml/2006/main" xmlns:r="http://schemas.openxmlformats.org/officeDocument/2006/relationships" xmlns:p="http://schemas.openxmlformats.org/presentationml/2006/main">
   <p:tag name="KSO_WM_UNIT_HIGHLIGHT" val="0"/>
   <p:tag name="KSO_WM_UNIT_COMPATIBLE" val="0"/>
   <p:tag name="KSO_WM_UNIT_DIAGRAM_ISNUMVISUAL" val="0"/>
@@ -7971,8 +8192,34 @@
 </p:tagLst>
 </file>
 
-<file path=ppt/tags/tag10.xml><?xml version="1.0" encoding="utf-8"?>
-<p:tagLst xmlns:p="http://schemas.openxmlformats.org/presentationml/2006/main">
+<file path=ppt/tags/tag11.xml><?xml version="1.0" encoding="utf-8"?>
+<p:tagLst xmlns:a="http://schemas.openxmlformats.org/drawingml/2006/main" xmlns:r="http://schemas.openxmlformats.org/officeDocument/2006/relationships" xmlns:p="http://schemas.openxmlformats.org/presentationml/2006/main">
+  <p:tag name="KSO_WM_UNIT_HIGHLIGHT" val="0"/>
+  <p:tag name="KSO_WM_UNIT_COMPATIBLE" val="0"/>
+  <p:tag name="KSO_WM_UNIT_DIAGRAM_ISNUMVISUAL" val="0"/>
+  <p:tag name="KSO_WM_UNIT_DIAGRAM_ISREFERUNIT" val="0"/>
+  <p:tag name="KSO_WM_UNIT_ID" val="_1**"/>
+  <p:tag name="KSO_WM_UNIT_LAYERLEVEL" val="1"/>
+  <p:tag name="KSO_WM_TAG_VERSION" val="1.0"/>
+  <p:tag name="KSO_WM_BEAUTIFY_FLAG" val="#wm#"/>
+</p:tagLst>
+</file>
+
+<file path=ppt/tags/tag12.xml><?xml version="1.0" encoding="utf-8"?>
+<p:tagLst xmlns:a="http://schemas.openxmlformats.org/drawingml/2006/main" xmlns:r="http://schemas.openxmlformats.org/officeDocument/2006/relationships" xmlns:p="http://schemas.openxmlformats.org/presentationml/2006/main">
+  <p:tag name="KSO_WM_UNIT_HIGHLIGHT" val="0"/>
+  <p:tag name="KSO_WM_UNIT_COMPATIBLE" val="0"/>
+  <p:tag name="KSO_WM_UNIT_DIAGRAM_ISNUMVISUAL" val="0"/>
+  <p:tag name="KSO_WM_UNIT_DIAGRAM_ISREFERUNIT" val="0"/>
+  <p:tag name="KSO_WM_UNIT_ID" val="_1**"/>
+  <p:tag name="KSO_WM_UNIT_LAYERLEVEL" val="1"/>
+  <p:tag name="KSO_WM_TAG_VERSION" val="1.0"/>
+  <p:tag name="KSO_WM_BEAUTIFY_FLAG" val="#wm#"/>
+</p:tagLst>
+</file>
+
+<file path=ppt/tags/tag13.xml><?xml version="1.0" encoding="utf-8"?>
+<p:tagLst xmlns:a="http://schemas.openxmlformats.org/drawingml/2006/main" xmlns:r="http://schemas.openxmlformats.org/officeDocument/2006/relationships" xmlns:p="http://schemas.openxmlformats.org/presentationml/2006/main">
   <p:tag name="KSO_WM_UNIT_HIGHLIGHT" val="0"/>
   <p:tag name="KSO_WM_UNIT_COMPATIBLE" val="0"/>
   <p:tag name="KSO_WM_UNIT_DIAGRAM_ISNUMVISUAL" val="0"/>
@@ -7984,8 +8231,60 @@
 </p:tagLst>
 </file>
 
-<file path=ppt/tags/tag11.xml><?xml version="1.0" encoding="utf-8"?>
-<p:tagLst xmlns:p="http://schemas.openxmlformats.org/presentationml/2006/main">
+<file path=ppt/tags/tag14.xml><?xml version="1.0" encoding="utf-8"?>
+<p:tagLst xmlns:a="http://schemas.openxmlformats.org/drawingml/2006/main" xmlns:r="http://schemas.openxmlformats.org/officeDocument/2006/relationships" xmlns:p="http://schemas.openxmlformats.org/presentationml/2006/main">
+  <p:tag name="KSO_WM_UNIT_HIGHLIGHT" val="0"/>
+  <p:tag name="KSO_WM_UNIT_COMPATIBLE" val="0"/>
+  <p:tag name="KSO_WM_UNIT_DIAGRAM_ISNUMVISUAL" val="0"/>
+  <p:tag name="KSO_WM_UNIT_DIAGRAM_ISREFERUNIT" val="0"/>
+  <p:tag name="KSO_WM_UNIT_ID" val="_2**"/>
+  <p:tag name="KSO_WM_UNIT_LAYERLEVEL" val="1"/>
+  <p:tag name="KSO_WM_TAG_VERSION" val="1.0"/>
+  <p:tag name="KSO_WM_BEAUTIFY_FLAG" val="#wm#"/>
+</p:tagLst>
+</file>
+
+<file path=ppt/tags/tag15.xml><?xml version="1.0" encoding="utf-8"?>
+<p:tagLst xmlns:a="http://schemas.openxmlformats.org/drawingml/2006/main" xmlns:r="http://schemas.openxmlformats.org/officeDocument/2006/relationships" xmlns:p="http://schemas.openxmlformats.org/presentationml/2006/main">
+  <p:tag name="KSO_WM_UNIT_HIGHLIGHT" val="0"/>
+  <p:tag name="KSO_WM_UNIT_COMPATIBLE" val="0"/>
+  <p:tag name="KSO_WM_UNIT_DIAGRAM_ISNUMVISUAL" val="0"/>
+  <p:tag name="KSO_WM_UNIT_DIAGRAM_ISREFERUNIT" val="0"/>
+  <p:tag name="KSO_WM_UNIT_ID" val="_2**"/>
+  <p:tag name="KSO_WM_UNIT_LAYERLEVEL" val="1"/>
+  <p:tag name="KSO_WM_TAG_VERSION" val="1.0"/>
+  <p:tag name="KSO_WM_BEAUTIFY_FLAG" val="#wm#"/>
+</p:tagLst>
+</file>
+
+<file path=ppt/tags/tag16.xml><?xml version="1.0" encoding="utf-8"?>
+<p:tagLst xmlns:a="http://schemas.openxmlformats.org/drawingml/2006/main" xmlns:r="http://schemas.openxmlformats.org/officeDocument/2006/relationships" xmlns:p="http://schemas.openxmlformats.org/presentationml/2006/main">
+  <p:tag name="KSO_WM_UNIT_HIGHLIGHT" val="0"/>
+  <p:tag name="KSO_WM_UNIT_COMPATIBLE" val="0"/>
+  <p:tag name="KSO_WM_UNIT_DIAGRAM_ISNUMVISUAL" val="0"/>
+  <p:tag name="KSO_WM_UNIT_DIAGRAM_ISREFERUNIT" val="0"/>
+  <p:tag name="KSO_WM_UNIT_ID" val="_2**"/>
+  <p:tag name="KSO_WM_UNIT_LAYERLEVEL" val="1"/>
+  <p:tag name="KSO_WM_TAG_VERSION" val="1.0"/>
+  <p:tag name="KSO_WM_BEAUTIFY_FLAG" val="#wm#"/>
+</p:tagLst>
+</file>
+
+<file path=ppt/tags/tag17.xml><?xml version="1.0" encoding="utf-8"?>
+<p:tagLst xmlns:a="http://schemas.openxmlformats.org/drawingml/2006/main" xmlns:r="http://schemas.openxmlformats.org/officeDocument/2006/relationships" xmlns:p="http://schemas.openxmlformats.org/presentationml/2006/main">
+  <p:tag name="KSO_WM_UNIT_HIGHLIGHT" val="0"/>
+  <p:tag name="KSO_WM_UNIT_COMPATIBLE" val="0"/>
+  <p:tag name="KSO_WM_UNIT_DIAGRAM_ISNUMVISUAL" val="0"/>
+  <p:tag name="KSO_WM_UNIT_DIAGRAM_ISREFERUNIT" val="0"/>
+  <p:tag name="KSO_WM_UNIT_ID" val="_2**"/>
+  <p:tag name="KSO_WM_UNIT_LAYERLEVEL" val="1"/>
+  <p:tag name="KSO_WM_TAG_VERSION" val="1.0"/>
+  <p:tag name="KSO_WM_BEAUTIFY_FLAG" val="#wm#"/>
+</p:tagLst>
+</file>
+
+<file path=ppt/tags/tag18.xml><?xml version="1.0" encoding="utf-8"?>
+<p:tagLst xmlns:a="http://schemas.openxmlformats.org/drawingml/2006/main" xmlns:r="http://schemas.openxmlformats.org/officeDocument/2006/relationships" xmlns:p="http://schemas.openxmlformats.org/presentationml/2006/main">
   <p:tag name="KSO_WM_UNIT_HIGHLIGHT" val="0"/>
   <p:tag name="KSO_WM_UNIT_COMPATIBLE" val="0"/>
   <p:tag name="KSO_WM_UNIT_DIAGRAM_ISNUMVISUAL" val="0"/>
@@ -7997,8 +8296,8 @@
 </p:tagLst>
 </file>
 
-<file path=ppt/tags/tag12.xml><?xml version="1.0" encoding="utf-8"?>
-<p:tagLst xmlns:p="http://schemas.openxmlformats.org/presentationml/2006/main">
+<file path=ppt/tags/tag19.xml><?xml version="1.0" encoding="utf-8"?>
+<p:tagLst xmlns:a="http://schemas.openxmlformats.org/drawingml/2006/main" xmlns:r="http://schemas.openxmlformats.org/officeDocument/2006/relationships" xmlns:p="http://schemas.openxmlformats.org/presentationml/2006/main">
   <p:tag name="KSO_WM_UNIT_HIGHLIGHT" val="0"/>
   <p:tag name="KSO_WM_UNIT_COMPATIBLE" val="0"/>
   <p:tag name="KSO_WM_UNIT_DIAGRAM_ISNUMVISUAL" val="0"/>
@@ -8010,8 +8309,22 @@
 </p:tagLst>
 </file>
 
-<file path=ppt/tags/tag13.xml><?xml version="1.0" encoding="utf-8"?>
-<p:tagLst xmlns:p="http://schemas.openxmlformats.org/presentationml/2006/main">
+<file path=ppt/tags/tag2.xml><?xml version="1.0" encoding="utf-8"?>
+<p:tagLst xmlns:a="http://schemas.openxmlformats.org/drawingml/2006/main" xmlns:r="http://schemas.openxmlformats.org/officeDocument/2006/relationships" xmlns:p="http://schemas.openxmlformats.org/presentationml/2006/main">
+  <p:tag name="KSO_WM_TEMPLATE_THUMBS_INDEX" val="1、4、7、12、13、14、15、16、17、18、20、24、25、28、33、36、40、43、44"/>
+  <p:tag name="KSO_WM_TEMPLATE_SUBCATEGORY" val="19"/>
+  <p:tag name="KSO_WM_TAG_VERSION" val="1.0"/>
+  <p:tag name="KSO_WM_BEAUTIFY_FLAG" val="#wm#"/>
+  <p:tag name="KSO_WM_TEMPLATE_CATEGORY" val="custom"/>
+  <p:tag name="KSO_WM_TEMPLATE_INDEX" val="20205081"/>
+  <p:tag name="KSO_WM_TEMPLATE_MASTER_TYPE" val="0"/>
+  <p:tag name="KSO_WM_TEMPLATE_COLOR_TYPE" val="1"/>
+  <p:tag name="KSO_WM_UNIT_SHOW_EDIT_AREA_INDICATION" val="1"/>
+</p:tagLst>
+</file>
+
+<file path=ppt/tags/tag20.xml><?xml version="1.0" encoding="utf-8"?>
+<p:tagLst xmlns:a="http://schemas.openxmlformats.org/drawingml/2006/main" xmlns:r="http://schemas.openxmlformats.org/officeDocument/2006/relationships" xmlns:p="http://schemas.openxmlformats.org/presentationml/2006/main">
   <p:tag name="KSO_WM_UNIT_HIGHLIGHT" val="0"/>
   <p:tag name="KSO_WM_UNIT_COMPATIBLE" val="0"/>
   <p:tag name="KSO_WM_UNIT_DIAGRAM_ISNUMVISUAL" val="0"/>
@@ -8023,8 +8336,8 @@
 </p:tagLst>
 </file>
 
-<file path=ppt/tags/tag14.xml><?xml version="1.0" encoding="utf-8"?>
-<p:tagLst xmlns:p="http://schemas.openxmlformats.org/presentationml/2006/main">
+<file path=ppt/tags/tag21.xml><?xml version="1.0" encoding="utf-8"?>
+<p:tagLst xmlns:a="http://schemas.openxmlformats.org/drawingml/2006/main" xmlns:r="http://schemas.openxmlformats.org/officeDocument/2006/relationships" xmlns:p="http://schemas.openxmlformats.org/presentationml/2006/main">
   <p:tag name="KSO_WM_UNIT_HIGHLIGHT" val="0"/>
   <p:tag name="KSO_WM_UNIT_COMPATIBLE" val="0"/>
   <p:tag name="KSO_WM_UNIT_DIAGRAM_ISNUMVISUAL" val="0"/>
@@ -8036,8 +8349,8 @@
 </p:tagLst>
 </file>
 
-<file path=ppt/tags/tag15.xml><?xml version="1.0" encoding="utf-8"?>
-<p:tagLst xmlns:p="http://schemas.openxmlformats.org/presentationml/2006/main">
+<file path=ppt/tags/tag22.xml><?xml version="1.0" encoding="utf-8"?>
+<p:tagLst xmlns:a="http://schemas.openxmlformats.org/drawingml/2006/main" xmlns:r="http://schemas.openxmlformats.org/officeDocument/2006/relationships" xmlns:p="http://schemas.openxmlformats.org/presentationml/2006/main">
   <p:tag name="KSO_WM_UNIT_HIGHLIGHT" val="0"/>
   <p:tag name="KSO_WM_UNIT_COMPATIBLE" val="0"/>
   <p:tag name="KSO_WM_UNIT_DIAGRAM_ISNUMVISUAL" val="0"/>
@@ -8049,8 +8362,8 @@
 </p:tagLst>
 </file>
 
-<file path=ppt/tags/tag16.xml><?xml version="1.0" encoding="utf-8"?>
-<p:tagLst xmlns:p="http://schemas.openxmlformats.org/presentationml/2006/main">
+<file path=ppt/tags/tag23.xml><?xml version="1.0" encoding="utf-8"?>
+<p:tagLst xmlns:a="http://schemas.openxmlformats.org/drawingml/2006/main" xmlns:r="http://schemas.openxmlformats.org/officeDocument/2006/relationships" xmlns:p="http://schemas.openxmlformats.org/presentationml/2006/main">
   <p:tag name="KSO_WM_UNIT_HIGHLIGHT" val="0"/>
   <p:tag name="KSO_WM_UNIT_COMPATIBLE" val="0"/>
   <p:tag name="KSO_WM_UNIT_DIAGRAM_ISNUMVISUAL" val="0"/>
@@ -8062,8 +8375,8 @@
 </p:tagLst>
 </file>
 
-<file path=ppt/tags/tag17.xml><?xml version="1.0" encoding="utf-8"?>
-<p:tagLst xmlns:p="http://schemas.openxmlformats.org/presentationml/2006/main">
+<file path=ppt/tags/tag24.xml><?xml version="1.0" encoding="utf-8"?>
+<p:tagLst xmlns:a="http://schemas.openxmlformats.org/drawingml/2006/main" xmlns:r="http://schemas.openxmlformats.org/officeDocument/2006/relationships" xmlns:p="http://schemas.openxmlformats.org/presentationml/2006/main">
   <p:tag name="KSO_WM_UNIT_HIGHLIGHT" val="0"/>
   <p:tag name="KSO_WM_UNIT_COMPATIBLE" val="0"/>
   <p:tag name="KSO_WM_UNIT_DIAGRAM_ISNUMVISUAL" val="0"/>
@@ -8075,8 +8388,8 @@
 </p:tagLst>
 </file>
 
-<file path=ppt/tags/tag18.xml><?xml version="1.0" encoding="utf-8"?>
-<p:tagLst xmlns:p="http://schemas.openxmlformats.org/presentationml/2006/main">
+<file path=ppt/tags/tag25.xml><?xml version="1.0" encoding="utf-8"?>
+<p:tagLst xmlns:a="http://schemas.openxmlformats.org/drawingml/2006/main" xmlns:r="http://schemas.openxmlformats.org/officeDocument/2006/relationships" xmlns:p="http://schemas.openxmlformats.org/presentationml/2006/main">
   <p:tag name="KSO_WM_UNIT_HIGHLIGHT" val="0"/>
   <p:tag name="KSO_WM_UNIT_COMPATIBLE" val="0"/>
   <p:tag name="KSO_WM_UNIT_DIAGRAM_ISNUMVISUAL" val="0"/>
@@ -8088,8 +8401,8 @@
 </p:tagLst>
 </file>
 
-<file path=ppt/tags/tag19.xml><?xml version="1.0" encoding="utf-8"?>
-<p:tagLst xmlns:p="http://schemas.openxmlformats.org/presentationml/2006/main">
+<file path=ppt/tags/tag26.xml><?xml version="1.0" encoding="utf-8"?>
+<p:tagLst xmlns:a="http://schemas.openxmlformats.org/drawingml/2006/main" xmlns:r="http://schemas.openxmlformats.org/officeDocument/2006/relationships" xmlns:p="http://schemas.openxmlformats.org/presentationml/2006/main">
   <p:tag name="KSO_WM_UNIT_HIGHLIGHT" val="0"/>
   <p:tag name="KSO_WM_UNIT_COMPATIBLE" val="0"/>
   <p:tag name="KSO_WM_UNIT_DIAGRAM_ISNUMVISUAL" val="0"/>
@@ -8101,21 +8414,8 @@
 </p:tagLst>
 </file>
 
-<file path=ppt/tags/tag2.xml><?xml version="1.0" encoding="utf-8"?>
-<p:tagLst xmlns:p="http://schemas.openxmlformats.org/presentationml/2006/main">
-  <p:tag name="KSO_WM_UNIT_HIGHLIGHT" val="0"/>
-  <p:tag name="KSO_WM_UNIT_COMPATIBLE" val="0"/>
-  <p:tag name="KSO_WM_UNIT_DIAGRAM_ISNUMVISUAL" val="0"/>
-  <p:tag name="KSO_WM_UNIT_DIAGRAM_ISREFERUNIT" val="0"/>
-  <p:tag name="KSO_WM_UNIT_ID" val="_1**"/>
-  <p:tag name="KSO_WM_UNIT_LAYERLEVEL" val="1"/>
-  <p:tag name="KSO_WM_TAG_VERSION" val="1.0"/>
-  <p:tag name="KSO_WM_BEAUTIFY_FLAG" val="#wm#"/>
-</p:tagLst>
-</file>
-
-<file path=ppt/tags/tag20.xml><?xml version="1.0" encoding="utf-8"?>
-<p:tagLst xmlns:p="http://schemas.openxmlformats.org/presentationml/2006/main">
+<file path=ppt/tags/tag27.xml><?xml version="1.0" encoding="utf-8"?>
+<p:tagLst xmlns:a="http://schemas.openxmlformats.org/drawingml/2006/main" xmlns:r="http://schemas.openxmlformats.org/officeDocument/2006/relationships" xmlns:p="http://schemas.openxmlformats.org/presentationml/2006/main">
   <p:tag name="KSO_WM_UNIT_HIGHLIGHT" val="0"/>
   <p:tag name="KSO_WM_UNIT_COMPATIBLE" val="0"/>
   <p:tag name="KSO_WM_UNIT_DIAGRAM_ISNUMVISUAL" val="0"/>
@@ -8127,8 +8427,8 @@
 </p:tagLst>
 </file>
 
-<file path=ppt/tags/tag21.xml><?xml version="1.0" encoding="utf-8"?>
-<p:tagLst xmlns:p="http://schemas.openxmlformats.org/presentationml/2006/main">
+<file path=ppt/tags/tag28.xml><?xml version="1.0" encoding="utf-8"?>
+<p:tagLst xmlns:a="http://schemas.openxmlformats.org/drawingml/2006/main" xmlns:r="http://schemas.openxmlformats.org/officeDocument/2006/relationships" xmlns:p="http://schemas.openxmlformats.org/presentationml/2006/main">
   <p:tag name="KSO_WM_UNIT_HIGHLIGHT" val="0"/>
   <p:tag name="KSO_WM_UNIT_COMPATIBLE" val="0"/>
   <p:tag name="KSO_WM_UNIT_DIAGRAM_ISNUMVISUAL" val="0"/>
@@ -8140,8 +8440,8 @@
 </p:tagLst>
 </file>
 
-<file path=ppt/tags/tag22.xml><?xml version="1.0" encoding="utf-8"?>
-<p:tagLst xmlns:p="http://schemas.openxmlformats.org/presentationml/2006/main">
+<file path=ppt/tags/tag29.xml><?xml version="1.0" encoding="utf-8"?>
+<p:tagLst xmlns:a="http://schemas.openxmlformats.org/drawingml/2006/main" xmlns:r="http://schemas.openxmlformats.org/officeDocument/2006/relationships" xmlns:p="http://schemas.openxmlformats.org/presentationml/2006/main">
   <p:tag name="KSO_WM_UNIT_HIGHLIGHT" val="0"/>
   <p:tag name="KSO_WM_UNIT_COMPATIBLE" val="0"/>
   <p:tag name="KSO_WM_UNIT_DIAGRAM_ISNUMVISUAL" val="0"/>
@@ -8153,489 +8453,8 @@
 </p:tagLst>
 </file>
 
-<file path=ppt/tags/tag23.xml><?xml version="1.0" encoding="utf-8"?>
-<p:tagLst xmlns:p="http://schemas.openxmlformats.org/presentationml/2006/main">
-  <p:tag name="KSO_WM_UNIT_HIGHLIGHT" val="0"/>
-  <p:tag name="KSO_WM_UNIT_COMPATIBLE" val="0"/>
-  <p:tag name="KSO_WM_UNIT_DIAGRAM_ISNUMVISUAL" val="0"/>
-  <p:tag name="KSO_WM_UNIT_DIAGRAM_ISREFERUNIT" val="0"/>
-  <p:tag name="KSO_WM_UNIT_ID" val="_5**"/>
-  <p:tag name="KSO_WM_UNIT_LAYERLEVEL" val="1"/>
-  <p:tag name="KSO_WM_TAG_VERSION" val="1.0"/>
-  <p:tag name="KSO_WM_BEAUTIFY_FLAG" val="#wm#"/>
-</p:tagLst>
-</file>
-
-<file path=ppt/tags/tag24.xml><?xml version="1.0" encoding="utf-8"?>
-<p:tagLst xmlns:p="http://schemas.openxmlformats.org/presentationml/2006/main">
-  <p:tag name="KSO_WM_UNIT_HIGHLIGHT" val="0"/>
-  <p:tag name="KSO_WM_UNIT_COMPATIBLE" val="0"/>
-  <p:tag name="KSO_WM_UNIT_DIAGRAM_ISNUMVISUAL" val="0"/>
-  <p:tag name="KSO_WM_UNIT_DIAGRAM_ISREFERUNIT" val="0"/>
-  <p:tag name="KSO_WM_UNIT_ID" val="_5**"/>
-  <p:tag name="KSO_WM_UNIT_LAYERLEVEL" val="1"/>
-  <p:tag name="KSO_WM_TAG_VERSION" val="1.0"/>
-  <p:tag name="KSO_WM_BEAUTIFY_FLAG" val="#wm#"/>
-</p:tagLst>
-</file>
-
-<file path=ppt/tags/tag25.xml><?xml version="1.0" encoding="utf-8"?>
-<p:tagLst xmlns:p="http://schemas.openxmlformats.org/presentationml/2006/main">
-  <p:tag name="KSO_WM_UNIT_HIGHLIGHT" val="0"/>
-  <p:tag name="KSO_WM_UNIT_COMPATIBLE" val="0"/>
-  <p:tag name="KSO_WM_UNIT_DIAGRAM_ISNUMVISUAL" val="0"/>
-  <p:tag name="KSO_WM_UNIT_DIAGRAM_ISREFERUNIT" val="0"/>
-  <p:tag name="KSO_WM_UNIT_ID" val="_5**"/>
-  <p:tag name="KSO_WM_UNIT_LAYERLEVEL" val="1"/>
-  <p:tag name="KSO_WM_TAG_VERSION" val="1.0"/>
-  <p:tag name="KSO_WM_BEAUTIFY_FLAG" val="#wm#"/>
-</p:tagLst>
-</file>
-
-<file path=ppt/tags/tag26.xml><?xml version="1.0" encoding="utf-8"?>
-<p:tagLst xmlns:p="http://schemas.openxmlformats.org/presentationml/2006/main">
-  <p:tag name="KSO_WM_UNIT_HIGHLIGHT" val="0"/>
-  <p:tag name="KSO_WM_UNIT_COMPATIBLE" val="0"/>
-  <p:tag name="KSO_WM_UNIT_DIAGRAM_ISNUMVISUAL" val="0"/>
-  <p:tag name="KSO_WM_UNIT_DIAGRAM_ISREFERUNIT" val="0"/>
-  <p:tag name="KSO_WM_UNIT_ID" val="_5**"/>
-  <p:tag name="KSO_WM_UNIT_LAYERLEVEL" val="1"/>
-  <p:tag name="KSO_WM_TAG_VERSION" val="1.0"/>
-  <p:tag name="KSO_WM_BEAUTIFY_FLAG" val="#wm#"/>
-</p:tagLst>
-</file>
-
-<file path=ppt/tags/tag27.xml><?xml version="1.0" encoding="utf-8"?>
-<p:tagLst xmlns:p="http://schemas.openxmlformats.org/presentationml/2006/main">
-  <p:tag name="KSO_WM_UNIT_HIGHLIGHT" val="0"/>
-  <p:tag name="KSO_WM_UNIT_COMPATIBLE" val="0"/>
-  <p:tag name="KSO_WM_UNIT_DIAGRAM_ISNUMVISUAL" val="0"/>
-  <p:tag name="KSO_WM_UNIT_DIAGRAM_ISREFERUNIT" val="0"/>
-  <p:tag name="KSO_WM_UNIT_ID" val="_5**"/>
-  <p:tag name="KSO_WM_UNIT_LAYERLEVEL" val="1"/>
-  <p:tag name="KSO_WM_TAG_VERSION" val="1.0"/>
-  <p:tag name="KSO_WM_BEAUTIFY_FLAG" val="#wm#"/>
-</p:tagLst>
-</file>
-
-<file path=ppt/tags/tag28.xml><?xml version="1.0" encoding="utf-8"?>
-<p:tagLst xmlns:p="http://schemas.openxmlformats.org/presentationml/2006/main">
-  <p:tag name="KSO_WM_UNIT_HIGHLIGHT" val="0"/>
-  <p:tag name="KSO_WM_UNIT_COMPATIBLE" val="0"/>
-  <p:tag name="KSO_WM_UNIT_DIAGRAM_ISNUMVISUAL" val="0"/>
-  <p:tag name="KSO_WM_UNIT_DIAGRAM_ISREFERUNIT" val="0"/>
-  <p:tag name="KSO_WM_UNIT_ID" val="_5**"/>
-  <p:tag name="KSO_WM_UNIT_LAYERLEVEL" val="1"/>
-  <p:tag name="KSO_WM_TAG_VERSION" val="1.0"/>
-  <p:tag name="KSO_WM_BEAUTIFY_FLAG" val="#wm#"/>
-</p:tagLst>
-</file>
-
-<file path=ppt/tags/tag29.xml><?xml version="1.0" encoding="utf-8"?>
-<p:tagLst xmlns:p="http://schemas.openxmlformats.org/presentationml/2006/main">
-  <p:tag name="KSO_WM_UNIT_HIGHLIGHT" val="0"/>
-  <p:tag name="KSO_WM_UNIT_COMPATIBLE" val="0"/>
-  <p:tag name="KSO_WM_UNIT_DIAGRAM_ISNUMVISUAL" val="0"/>
-  <p:tag name="KSO_WM_UNIT_DIAGRAM_ISREFERUNIT" val="0"/>
-  <p:tag name="KSO_WM_UNIT_ID" val="_5**"/>
-  <p:tag name="KSO_WM_UNIT_LAYERLEVEL" val="1"/>
-  <p:tag name="KSO_WM_TAG_VERSION" val="1.0"/>
-  <p:tag name="KSO_WM_BEAUTIFY_FLAG" val="#wm#"/>
-</p:tagLst>
-</file>
-
 <file path=ppt/tags/tag3.xml><?xml version="1.0" encoding="utf-8"?>
-<p:tagLst xmlns:p="http://schemas.openxmlformats.org/presentationml/2006/main">
-  <p:tag name="KSO_WM_UNIT_HIGHLIGHT" val="0"/>
-  <p:tag name="KSO_WM_UNIT_COMPATIBLE" val="0"/>
-  <p:tag name="KSO_WM_UNIT_DIAGRAM_ISNUMVISUAL" val="0"/>
-  <p:tag name="KSO_WM_UNIT_DIAGRAM_ISREFERUNIT" val="0"/>
-  <p:tag name="KSO_WM_UNIT_ID" val="_1**"/>
-  <p:tag name="KSO_WM_UNIT_LAYERLEVEL" val="1"/>
-  <p:tag name="KSO_WM_TAG_VERSION" val="1.0"/>
-  <p:tag name="KSO_WM_BEAUTIFY_FLAG" val="#wm#"/>
-</p:tagLst>
-</file>
-
-<file path=ppt/tags/tag30.xml><?xml version="1.0" encoding="utf-8"?>
-<p:tagLst xmlns:p="http://schemas.openxmlformats.org/presentationml/2006/main">
-  <p:tag name="KSO_WM_UNIT_HIGHLIGHT" val="0"/>
-  <p:tag name="KSO_WM_UNIT_COMPATIBLE" val="0"/>
-  <p:tag name="KSO_WM_UNIT_DIAGRAM_ISNUMVISUAL" val="0"/>
-  <p:tag name="KSO_WM_UNIT_DIAGRAM_ISREFERUNIT" val="0"/>
-  <p:tag name="KSO_WM_UNIT_ID" val="_6**"/>
-  <p:tag name="KSO_WM_UNIT_LAYERLEVEL" val="1"/>
-  <p:tag name="KSO_WM_TAG_VERSION" val="1.0"/>
-  <p:tag name="KSO_WM_BEAUTIFY_FLAG" val="#wm#"/>
-</p:tagLst>
-</file>
-
-<file path=ppt/tags/tag31.xml><?xml version="1.0" encoding="utf-8"?>
-<p:tagLst xmlns:p="http://schemas.openxmlformats.org/presentationml/2006/main">
-  <p:tag name="KSO_WM_UNIT_HIGHLIGHT" val="0"/>
-  <p:tag name="KSO_WM_UNIT_COMPATIBLE" val="0"/>
-  <p:tag name="KSO_WM_UNIT_DIAGRAM_ISNUMVISUAL" val="0"/>
-  <p:tag name="KSO_WM_UNIT_DIAGRAM_ISREFERUNIT" val="0"/>
-  <p:tag name="KSO_WM_UNIT_ID" val="_6**"/>
-  <p:tag name="KSO_WM_UNIT_LAYERLEVEL" val="1"/>
-  <p:tag name="KSO_WM_TAG_VERSION" val="1.0"/>
-  <p:tag name="KSO_WM_BEAUTIFY_FLAG" val="#wm#"/>
-</p:tagLst>
-</file>
-
-<file path=ppt/tags/tag32.xml><?xml version="1.0" encoding="utf-8"?>
-<p:tagLst xmlns:p="http://schemas.openxmlformats.org/presentationml/2006/main">
-  <p:tag name="KSO_WM_UNIT_HIGHLIGHT" val="0"/>
-  <p:tag name="KSO_WM_UNIT_COMPATIBLE" val="0"/>
-  <p:tag name="KSO_WM_UNIT_DIAGRAM_ISNUMVISUAL" val="0"/>
-  <p:tag name="KSO_WM_UNIT_DIAGRAM_ISREFERUNIT" val="0"/>
-  <p:tag name="KSO_WM_UNIT_ID" val="_6**"/>
-  <p:tag name="KSO_WM_UNIT_LAYERLEVEL" val="1"/>
-  <p:tag name="KSO_WM_TAG_VERSION" val="1.0"/>
-  <p:tag name="KSO_WM_BEAUTIFY_FLAG" val="#wm#"/>
-</p:tagLst>
-</file>
-
-<file path=ppt/tags/tag33.xml><?xml version="1.0" encoding="utf-8"?>
-<p:tagLst xmlns:p="http://schemas.openxmlformats.org/presentationml/2006/main">
-  <p:tag name="KSO_WM_UNIT_HIGHLIGHT" val="0"/>
-  <p:tag name="KSO_WM_UNIT_COMPATIBLE" val="0"/>
-  <p:tag name="KSO_WM_UNIT_DIAGRAM_ISNUMVISUAL" val="0"/>
-  <p:tag name="KSO_WM_UNIT_DIAGRAM_ISREFERUNIT" val="0"/>
-  <p:tag name="KSO_WM_UNIT_ID" val="_6**"/>
-  <p:tag name="KSO_WM_UNIT_LAYERLEVEL" val="1"/>
-  <p:tag name="KSO_WM_TAG_VERSION" val="1.0"/>
-  <p:tag name="KSO_WM_BEAUTIFY_FLAG" val="#wm#"/>
-</p:tagLst>
-</file>
-
-<file path=ppt/tags/tag34.xml><?xml version="1.0" encoding="utf-8"?>
-<p:tagLst xmlns:p="http://schemas.openxmlformats.org/presentationml/2006/main">
-  <p:tag name="KSO_WM_UNIT_HIGHLIGHT" val="0"/>
-  <p:tag name="KSO_WM_UNIT_COMPATIBLE" val="0"/>
-  <p:tag name="KSO_WM_UNIT_DIAGRAM_ISNUMVISUAL" val="0"/>
-  <p:tag name="KSO_WM_UNIT_DIAGRAM_ISREFERUNIT" val="0"/>
-  <p:tag name="KSO_WM_UNIT_ID" val="_7**"/>
-  <p:tag name="KSO_WM_UNIT_LAYERLEVEL" val="1"/>
-  <p:tag name="KSO_WM_TAG_VERSION" val="1.0"/>
-  <p:tag name="KSO_WM_BEAUTIFY_FLAG" val="#wm#"/>
-</p:tagLst>
-</file>
-
-<file path=ppt/tags/tag35.xml><?xml version="1.0" encoding="utf-8"?>
-<p:tagLst xmlns:p="http://schemas.openxmlformats.org/presentationml/2006/main">
-  <p:tag name="KSO_WM_UNIT_HIGHLIGHT" val="0"/>
-  <p:tag name="KSO_WM_UNIT_COMPATIBLE" val="0"/>
-  <p:tag name="KSO_WM_UNIT_DIAGRAM_ISNUMVISUAL" val="0"/>
-  <p:tag name="KSO_WM_UNIT_DIAGRAM_ISREFERUNIT" val="0"/>
-  <p:tag name="KSO_WM_UNIT_ID" val="_7**"/>
-  <p:tag name="KSO_WM_UNIT_LAYERLEVEL" val="1"/>
-  <p:tag name="KSO_WM_TAG_VERSION" val="1.0"/>
-  <p:tag name="KSO_WM_BEAUTIFY_FLAG" val="#wm#"/>
-</p:tagLst>
-</file>
-
-<file path=ppt/tags/tag36.xml><?xml version="1.0" encoding="utf-8"?>
-<p:tagLst xmlns:p="http://schemas.openxmlformats.org/presentationml/2006/main">
-  <p:tag name="KSO_WM_UNIT_HIGHLIGHT" val="0"/>
-  <p:tag name="KSO_WM_UNIT_COMPATIBLE" val="0"/>
-  <p:tag name="KSO_WM_UNIT_DIAGRAM_ISNUMVISUAL" val="0"/>
-  <p:tag name="KSO_WM_UNIT_DIAGRAM_ISREFERUNIT" val="0"/>
-  <p:tag name="KSO_WM_UNIT_ID" val="_7**"/>
-  <p:tag name="KSO_WM_UNIT_LAYERLEVEL" val="1"/>
-  <p:tag name="KSO_WM_TAG_VERSION" val="1.0"/>
-  <p:tag name="KSO_WM_BEAUTIFY_FLAG" val="#wm#"/>
-</p:tagLst>
-</file>
-
-<file path=ppt/tags/tag37.xml><?xml version="1.0" encoding="utf-8"?>
-<p:tagLst xmlns:p="http://schemas.openxmlformats.org/presentationml/2006/main">
-  <p:tag name="KSO_WM_UNIT_HIGHLIGHT" val="0"/>
-  <p:tag name="KSO_WM_UNIT_COMPATIBLE" val="0"/>
-  <p:tag name="KSO_WM_UNIT_DIAGRAM_ISNUMVISUAL" val="0"/>
-  <p:tag name="KSO_WM_UNIT_DIAGRAM_ISREFERUNIT" val="0"/>
-  <p:tag name="KSO_WM_UNIT_ID" val="_8**"/>
-  <p:tag name="KSO_WM_UNIT_LAYERLEVEL" val="1"/>
-  <p:tag name="KSO_WM_TAG_VERSION" val="1.0"/>
-  <p:tag name="KSO_WM_BEAUTIFY_FLAG" val="#wm#"/>
-</p:tagLst>
-</file>
-
-<file path=ppt/tags/tag38.xml><?xml version="1.0" encoding="utf-8"?>
-<p:tagLst xmlns:p="http://schemas.openxmlformats.org/presentationml/2006/main">
-  <p:tag name="KSO_WM_UNIT_HIGHLIGHT" val="0"/>
-  <p:tag name="KSO_WM_UNIT_COMPATIBLE" val="0"/>
-  <p:tag name="KSO_WM_UNIT_DIAGRAM_ISNUMVISUAL" val="0"/>
-  <p:tag name="KSO_WM_UNIT_DIAGRAM_ISREFERUNIT" val="0"/>
-  <p:tag name="KSO_WM_UNIT_ID" val="_8**"/>
-  <p:tag name="KSO_WM_UNIT_LAYERLEVEL" val="1"/>
-  <p:tag name="KSO_WM_TAG_VERSION" val="1.0"/>
-  <p:tag name="KSO_WM_BEAUTIFY_FLAG" val="#wm#"/>
-</p:tagLst>
-</file>
-
-<file path=ppt/tags/tag39.xml><?xml version="1.0" encoding="utf-8"?>
-<p:tagLst xmlns:p="http://schemas.openxmlformats.org/presentationml/2006/main">
-  <p:tag name="KSO_WM_UNIT_HIGHLIGHT" val="0"/>
-  <p:tag name="KSO_WM_UNIT_COMPATIBLE" val="0"/>
-  <p:tag name="KSO_WM_UNIT_DIAGRAM_ISNUMVISUAL" val="0"/>
-  <p:tag name="KSO_WM_UNIT_DIAGRAM_ISREFERUNIT" val="0"/>
-  <p:tag name="KSO_WM_UNIT_ID" val="_8**"/>
-  <p:tag name="KSO_WM_UNIT_LAYERLEVEL" val="1"/>
-  <p:tag name="KSO_WM_TAG_VERSION" val="1.0"/>
-  <p:tag name="KSO_WM_BEAUTIFY_FLAG" val="#wm#"/>
-</p:tagLst>
-</file>
-
-<file path=ppt/tags/tag4.xml><?xml version="1.0" encoding="utf-8"?>
-<p:tagLst xmlns:p="http://schemas.openxmlformats.org/presentationml/2006/main">
-  <p:tag name="KSO_WM_UNIT_HIGHLIGHT" val="0"/>
-  <p:tag name="KSO_WM_UNIT_COMPATIBLE" val="0"/>
-  <p:tag name="KSO_WM_UNIT_DIAGRAM_ISNUMVISUAL" val="0"/>
-  <p:tag name="KSO_WM_UNIT_DIAGRAM_ISREFERUNIT" val="0"/>
-  <p:tag name="KSO_WM_UNIT_ID" val="_1**"/>
-  <p:tag name="KSO_WM_UNIT_LAYERLEVEL" val="1"/>
-  <p:tag name="KSO_WM_TAG_VERSION" val="1.0"/>
-  <p:tag name="KSO_WM_BEAUTIFY_FLAG" val="#wm#"/>
-</p:tagLst>
-</file>
-
-<file path=ppt/tags/tag40.xml><?xml version="1.0" encoding="utf-8"?>
-<p:tagLst xmlns:p="http://schemas.openxmlformats.org/presentationml/2006/main">
-  <p:tag name="KSO_WM_UNIT_HIGHLIGHT" val="0"/>
-  <p:tag name="KSO_WM_UNIT_COMPATIBLE" val="0"/>
-  <p:tag name="KSO_WM_UNIT_DIAGRAM_ISNUMVISUAL" val="0"/>
-  <p:tag name="KSO_WM_UNIT_DIAGRAM_ISREFERUNIT" val="0"/>
-  <p:tag name="KSO_WM_UNIT_ID" val="_8**"/>
-  <p:tag name="KSO_WM_UNIT_LAYERLEVEL" val="1"/>
-  <p:tag name="KSO_WM_TAG_VERSION" val="1.0"/>
-  <p:tag name="KSO_WM_BEAUTIFY_FLAG" val="#wm#"/>
-</p:tagLst>
-</file>
-
-<file path=ppt/tags/tag41.xml><?xml version="1.0" encoding="utf-8"?>
-<p:tagLst xmlns:p="http://schemas.openxmlformats.org/presentationml/2006/main">
-  <p:tag name="KSO_WM_UNIT_HIGHLIGHT" val="0"/>
-  <p:tag name="KSO_WM_UNIT_COMPATIBLE" val="0"/>
-  <p:tag name="KSO_WM_UNIT_DIAGRAM_ISNUMVISUAL" val="0"/>
-  <p:tag name="KSO_WM_UNIT_DIAGRAM_ISREFERUNIT" val="0"/>
-  <p:tag name="KSO_WM_UNIT_ID" val="_8**"/>
-  <p:tag name="KSO_WM_UNIT_LAYERLEVEL" val="1"/>
-  <p:tag name="KSO_WM_TAG_VERSION" val="1.0"/>
-  <p:tag name="KSO_WM_BEAUTIFY_FLAG" val="#wm#"/>
-</p:tagLst>
-</file>
-
-<file path=ppt/tags/tag42.xml><?xml version="1.0" encoding="utf-8"?>
-<p:tagLst xmlns:p="http://schemas.openxmlformats.org/presentationml/2006/main">
-  <p:tag name="KSO_WM_UNIT_HIGHLIGHT" val="0"/>
-  <p:tag name="KSO_WM_UNIT_COMPATIBLE" val="0"/>
-  <p:tag name="KSO_WM_UNIT_DIAGRAM_ISNUMVISUAL" val="0"/>
-  <p:tag name="KSO_WM_UNIT_DIAGRAM_ISREFERUNIT" val="0"/>
-  <p:tag name="KSO_WM_UNIT_ID" val="_8**"/>
-  <p:tag name="KSO_WM_UNIT_LAYERLEVEL" val="1"/>
-  <p:tag name="KSO_WM_TAG_VERSION" val="1.0"/>
-  <p:tag name="KSO_WM_BEAUTIFY_FLAG" val="#wm#"/>
-</p:tagLst>
-</file>
-
-<file path=ppt/tags/tag43.xml><?xml version="1.0" encoding="utf-8"?>
-<p:tagLst xmlns:p="http://schemas.openxmlformats.org/presentationml/2006/main">
-  <p:tag name="KSO_WM_UNIT_HIGHLIGHT" val="0"/>
-  <p:tag name="KSO_WM_UNIT_COMPATIBLE" val="0"/>
-  <p:tag name="KSO_WM_UNIT_DIAGRAM_ISNUMVISUAL" val="0"/>
-  <p:tag name="KSO_WM_UNIT_DIAGRAM_ISREFERUNIT" val="0"/>
-  <p:tag name="KSO_WM_UNIT_ID" val="_9**"/>
-  <p:tag name="KSO_WM_UNIT_LAYERLEVEL" val="1"/>
-  <p:tag name="KSO_WM_TAG_VERSION" val="1.0"/>
-  <p:tag name="KSO_WM_BEAUTIFY_FLAG" val="#wm#"/>
-</p:tagLst>
-</file>
-
-<file path=ppt/tags/tag44.xml><?xml version="1.0" encoding="utf-8"?>
-<p:tagLst xmlns:p="http://schemas.openxmlformats.org/presentationml/2006/main">
-  <p:tag name="KSO_WM_UNIT_HIGHLIGHT" val="0"/>
-  <p:tag name="KSO_WM_UNIT_COMPATIBLE" val="0"/>
-  <p:tag name="KSO_WM_UNIT_DIAGRAM_ISNUMVISUAL" val="0"/>
-  <p:tag name="KSO_WM_UNIT_DIAGRAM_ISREFERUNIT" val="0"/>
-  <p:tag name="KSO_WM_UNIT_ID" val="_9**"/>
-  <p:tag name="KSO_WM_UNIT_LAYERLEVEL" val="1"/>
-  <p:tag name="KSO_WM_TAG_VERSION" val="1.0"/>
-  <p:tag name="KSO_WM_BEAUTIFY_FLAG" val="#wm#"/>
-</p:tagLst>
-</file>
-
-<file path=ppt/tags/tag45.xml><?xml version="1.0" encoding="utf-8"?>
-<p:tagLst xmlns:p="http://schemas.openxmlformats.org/presentationml/2006/main">
-  <p:tag name="KSO_WM_UNIT_HIGHLIGHT" val="0"/>
-  <p:tag name="KSO_WM_UNIT_COMPATIBLE" val="0"/>
-  <p:tag name="KSO_WM_UNIT_DIAGRAM_ISNUMVISUAL" val="0"/>
-  <p:tag name="KSO_WM_UNIT_DIAGRAM_ISREFERUNIT" val="0"/>
-  <p:tag name="KSO_WM_UNIT_ID" val="_9**"/>
-  <p:tag name="KSO_WM_UNIT_LAYERLEVEL" val="1"/>
-  <p:tag name="KSO_WM_TAG_VERSION" val="1.0"/>
-  <p:tag name="KSO_WM_BEAUTIFY_FLAG" val="#wm#"/>
-</p:tagLst>
-</file>
-
-<file path=ppt/tags/tag46.xml><?xml version="1.0" encoding="utf-8"?>
-<p:tagLst xmlns:p="http://schemas.openxmlformats.org/presentationml/2006/main">
-  <p:tag name="KSO_WM_UNIT_HIGHLIGHT" val="0"/>
-  <p:tag name="KSO_WM_UNIT_COMPATIBLE" val="0"/>
-  <p:tag name="KSO_WM_UNIT_DIAGRAM_ISNUMVISUAL" val="0"/>
-  <p:tag name="KSO_WM_UNIT_DIAGRAM_ISREFERUNIT" val="0"/>
-  <p:tag name="KSO_WM_UNIT_ID" val="_9**"/>
-  <p:tag name="KSO_WM_UNIT_LAYERLEVEL" val="1"/>
-  <p:tag name="KSO_WM_TAG_VERSION" val="1.0"/>
-  <p:tag name="KSO_WM_BEAUTIFY_FLAG" val="#wm#"/>
-</p:tagLst>
-</file>
-
-<file path=ppt/tags/tag47.xml><?xml version="1.0" encoding="utf-8"?>
-<p:tagLst xmlns:p="http://schemas.openxmlformats.org/presentationml/2006/main">
-  <p:tag name="KSO_WM_UNIT_HIGHLIGHT" val="0"/>
-  <p:tag name="KSO_WM_UNIT_COMPATIBLE" val="0"/>
-  <p:tag name="KSO_WM_UNIT_DIAGRAM_ISNUMVISUAL" val="0"/>
-  <p:tag name="KSO_WM_UNIT_DIAGRAM_ISREFERUNIT" val="0"/>
-  <p:tag name="KSO_WM_UNIT_ID" val="_9**"/>
-  <p:tag name="KSO_WM_UNIT_LAYERLEVEL" val="1"/>
-  <p:tag name="KSO_WM_TAG_VERSION" val="1.0"/>
-  <p:tag name="KSO_WM_BEAUTIFY_FLAG" val="#wm#"/>
-</p:tagLst>
-</file>
-
-<file path=ppt/tags/tag48.xml><?xml version="1.0" encoding="utf-8"?>
-<p:tagLst xmlns:p="http://schemas.openxmlformats.org/presentationml/2006/main">
-  <p:tag name="KSO_WM_UNIT_HIGHLIGHT" val="0"/>
-  <p:tag name="KSO_WM_UNIT_COMPATIBLE" val="0"/>
-  <p:tag name="KSO_WM_UNIT_DIAGRAM_ISNUMVISUAL" val="0"/>
-  <p:tag name="KSO_WM_UNIT_DIAGRAM_ISREFERUNIT" val="0"/>
-  <p:tag name="KSO_WM_UNIT_ID" val="_10**"/>
-  <p:tag name="KSO_WM_UNIT_LAYERLEVEL" val="1"/>
-  <p:tag name="KSO_WM_TAG_VERSION" val="1.0"/>
-  <p:tag name="KSO_WM_BEAUTIFY_FLAG" val="#wm#"/>
-</p:tagLst>
-</file>
-
-<file path=ppt/tags/tag49.xml><?xml version="1.0" encoding="utf-8"?>
-<p:tagLst xmlns:p="http://schemas.openxmlformats.org/presentationml/2006/main">
-  <p:tag name="KSO_WM_UNIT_HIGHLIGHT" val="0"/>
-  <p:tag name="KSO_WM_UNIT_COMPATIBLE" val="0"/>
-  <p:tag name="KSO_WM_UNIT_DIAGRAM_ISNUMVISUAL" val="0"/>
-  <p:tag name="KSO_WM_UNIT_DIAGRAM_ISREFERUNIT" val="0"/>
-  <p:tag name="KSO_WM_UNIT_ID" val="_10**"/>
-  <p:tag name="KSO_WM_UNIT_LAYERLEVEL" val="1"/>
-  <p:tag name="KSO_WM_TAG_VERSION" val="1.0"/>
-  <p:tag name="KSO_WM_BEAUTIFY_FLAG" val="#wm#"/>
-</p:tagLst>
-</file>
-
-<file path=ppt/tags/tag5.xml><?xml version="1.0" encoding="utf-8"?>
-<p:tagLst xmlns:p="http://schemas.openxmlformats.org/presentationml/2006/main">
-  <p:tag name="KSO_WM_UNIT_HIGHLIGHT" val="0"/>
-  <p:tag name="KSO_WM_UNIT_COMPATIBLE" val="0"/>
-  <p:tag name="KSO_WM_UNIT_DIAGRAM_ISNUMVISUAL" val="0"/>
-  <p:tag name="KSO_WM_UNIT_DIAGRAM_ISREFERUNIT" val="0"/>
-  <p:tag name="KSO_WM_UNIT_ID" val="_1**"/>
-  <p:tag name="KSO_WM_UNIT_LAYERLEVEL" val="1"/>
-  <p:tag name="KSO_WM_TAG_VERSION" val="1.0"/>
-  <p:tag name="KSO_WM_BEAUTIFY_FLAG" val="#wm#"/>
-</p:tagLst>
-</file>
-
-<file path=ppt/tags/tag50.xml><?xml version="1.0" encoding="utf-8"?>
-<p:tagLst xmlns:p="http://schemas.openxmlformats.org/presentationml/2006/main">
-  <p:tag name="KSO_WM_UNIT_HIGHLIGHT" val="0"/>
-  <p:tag name="KSO_WM_UNIT_COMPATIBLE" val="0"/>
-  <p:tag name="KSO_WM_UNIT_DIAGRAM_ISNUMVISUAL" val="0"/>
-  <p:tag name="KSO_WM_UNIT_DIAGRAM_ISREFERUNIT" val="0"/>
-  <p:tag name="KSO_WM_UNIT_ID" val="_10**"/>
-  <p:tag name="KSO_WM_UNIT_LAYERLEVEL" val="1"/>
-  <p:tag name="KSO_WM_TAG_VERSION" val="1.0"/>
-  <p:tag name="KSO_WM_BEAUTIFY_FLAG" val="#wm#"/>
-</p:tagLst>
-</file>
-
-<file path=ppt/tags/tag51.xml><?xml version="1.0" encoding="utf-8"?>
-<p:tagLst xmlns:p="http://schemas.openxmlformats.org/presentationml/2006/main">
-  <p:tag name="KSO_WM_UNIT_HIGHLIGHT" val="0"/>
-  <p:tag name="KSO_WM_UNIT_COMPATIBLE" val="0"/>
-  <p:tag name="KSO_WM_UNIT_DIAGRAM_ISNUMVISUAL" val="0"/>
-  <p:tag name="KSO_WM_UNIT_DIAGRAM_ISREFERUNIT" val="0"/>
-  <p:tag name="KSO_WM_UNIT_ID" val="_10**"/>
-  <p:tag name="KSO_WM_UNIT_LAYERLEVEL" val="1"/>
-  <p:tag name="KSO_WM_TAG_VERSION" val="1.0"/>
-  <p:tag name="KSO_WM_BEAUTIFY_FLAG" val="#wm#"/>
-</p:tagLst>
-</file>
-
-<file path=ppt/tags/tag52.xml><?xml version="1.0" encoding="utf-8"?>
-<p:tagLst xmlns:p="http://schemas.openxmlformats.org/presentationml/2006/main">
-  <p:tag name="KSO_WM_UNIT_HIGHLIGHT" val="0"/>
-  <p:tag name="KSO_WM_UNIT_COMPATIBLE" val="0"/>
-  <p:tag name="KSO_WM_UNIT_DIAGRAM_ISNUMVISUAL" val="0"/>
-  <p:tag name="KSO_WM_UNIT_DIAGRAM_ISREFERUNIT" val="0"/>
-  <p:tag name="KSO_WM_UNIT_ID" val="_11**"/>
-  <p:tag name="KSO_WM_UNIT_LAYERLEVEL" val="1"/>
-  <p:tag name="KSO_WM_TAG_VERSION" val="1.0"/>
-  <p:tag name="KSO_WM_BEAUTIFY_FLAG" val="#wm#"/>
-</p:tagLst>
-</file>
-
-<file path=ppt/tags/tag53.xml><?xml version="1.0" encoding="utf-8"?>
-<p:tagLst xmlns:p="http://schemas.openxmlformats.org/presentationml/2006/main">
-  <p:tag name="KSO_WM_UNIT_HIGHLIGHT" val="0"/>
-  <p:tag name="KSO_WM_UNIT_COMPATIBLE" val="0"/>
-  <p:tag name="KSO_WM_UNIT_DIAGRAM_ISNUMVISUAL" val="0"/>
-  <p:tag name="KSO_WM_UNIT_DIAGRAM_ISREFERUNIT" val="0"/>
-  <p:tag name="KSO_WM_UNIT_ID" val="_11**"/>
-  <p:tag name="KSO_WM_UNIT_LAYERLEVEL" val="1"/>
-  <p:tag name="KSO_WM_TAG_VERSION" val="1.0"/>
-  <p:tag name="KSO_WM_BEAUTIFY_FLAG" val="#wm#"/>
-</p:tagLst>
-</file>
-
-<file path=ppt/tags/tag54.xml><?xml version="1.0" encoding="utf-8"?>
-<p:tagLst xmlns:p="http://schemas.openxmlformats.org/presentationml/2006/main">
-  <p:tag name="KSO_WM_UNIT_HIGHLIGHT" val="0"/>
-  <p:tag name="KSO_WM_UNIT_COMPATIBLE" val="0"/>
-  <p:tag name="KSO_WM_UNIT_DIAGRAM_ISNUMVISUAL" val="0"/>
-  <p:tag name="KSO_WM_UNIT_DIAGRAM_ISREFERUNIT" val="0"/>
-  <p:tag name="KSO_WM_UNIT_ID" val="_11**"/>
-  <p:tag name="KSO_WM_UNIT_LAYERLEVEL" val="1"/>
-  <p:tag name="KSO_WM_TAG_VERSION" val="1.0"/>
-  <p:tag name="KSO_WM_BEAUTIFY_FLAG" val="#wm#"/>
-</p:tagLst>
-</file>
-
-<file path=ppt/tags/tag55.xml><?xml version="1.0" encoding="utf-8"?>
-<p:tagLst xmlns:p="http://schemas.openxmlformats.org/presentationml/2006/main">
-  <p:tag name="KSO_WM_UNIT_HIGHLIGHT" val="0"/>
-  <p:tag name="KSO_WM_UNIT_COMPATIBLE" val="0"/>
-  <p:tag name="KSO_WM_UNIT_DIAGRAM_ISNUMVISUAL" val="0"/>
-  <p:tag name="KSO_WM_UNIT_DIAGRAM_ISREFERUNIT" val="0"/>
-  <p:tag name="KSO_WM_UNIT_ID" val="_11**"/>
-  <p:tag name="KSO_WM_UNIT_LAYERLEVEL" val="1"/>
-  <p:tag name="KSO_WM_TAG_VERSION" val="1.0"/>
-  <p:tag name="KSO_WM_BEAUTIFY_FLAG" val="#wm#"/>
-</p:tagLst>
-</file>
-
-<file path=ppt/tags/tag56.xml><?xml version="1.0" encoding="utf-8"?>
-<p:tagLst xmlns:p="http://schemas.openxmlformats.org/presentationml/2006/main">
-  <p:tag name="KSO_WM_UNIT_HIGHLIGHT" val="0"/>
-  <p:tag name="KSO_WM_UNIT_COMPATIBLE" val="0"/>
-  <p:tag name="KSO_WM_UNIT_DIAGRAM_ISNUMVISUAL" val="0"/>
-  <p:tag name="KSO_WM_UNIT_DIAGRAM_ISREFERUNIT" val="0"/>
-  <p:tag name="KSO_WM_UNIT_ID" val="_11**"/>
-  <p:tag name="KSO_WM_UNIT_LAYERLEVEL" val="1"/>
-  <p:tag name="KSO_WM_TAG_VERSION" val="1.0"/>
-  <p:tag name="KSO_WM_BEAUTIFY_FLAG" val="#wm#"/>
-</p:tagLst>
-</file>
-
-<file path=ppt/tags/tag57.xml><?xml version="1.0" encoding="utf-8"?>
-<p:tagLst xmlns:p="http://schemas.openxmlformats.org/presentationml/2006/main">
+<p:tagLst xmlns:a="http://schemas.openxmlformats.org/drawingml/2006/main" xmlns:r="http://schemas.openxmlformats.org/officeDocument/2006/relationships" xmlns:p="http://schemas.openxmlformats.org/presentationml/2006/main">
   <p:tag name="KSO_WM_UNIT_HIGHLIGHT" val="0"/>
   <p:tag name="KSO_WM_UNIT_COMPATIBLE" val="0"/>
   <p:tag name="KSO_WM_UNIT_DIAGRAM_ISNUMVISUAL" val="0"/>
@@ -8649,8 +8468,138 @@
 </p:tagLst>
 </file>
 
-<file path=ppt/tags/tag58.xml><?xml version="1.0" encoding="utf-8"?>
-<p:tagLst xmlns:p="http://schemas.openxmlformats.org/presentationml/2006/main">
+<file path=ppt/tags/tag30.xml><?xml version="1.0" encoding="utf-8"?>
+<p:tagLst xmlns:a="http://schemas.openxmlformats.org/drawingml/2006/main" xmlns:r="http://schemas.openxmlformats.org/officeDocument/2006/relationships" xmlns:p="http://schemas.openxmlformats.org/presentationml/2006/main">
+  <p:tag name="KSO_WM_UNIT_HIGHLIGHT" val="0"/>
+  <p:tag name="KSO_WM_UNIT_COMPATIBLE" val="0"/>
+  <p:tag name="KSO_WM_UNIT_DIAGRAM_ISNUMVISUAL" val="0"/>
+  <p:tag name="KSO_WM_UNIT_DIAGRAM_ISREFERUNIT" val="0"/>
+  <p:tag name="KSO_WM_UNIT_ID" val="_5**"/>
+  <p:tag name="KSO_WM_UNIT_LAYERLEVEL" val="1"/>
+  <p:tag name="KSO_WM_TAG_VERSION" val="1.0"/>
+  <p:tag name="KSO_WM_BEAUTIFY_FLAG" val="#wm#"/>
+</p:tagLst>
+</file>
+
+<file path=ppt/tags/tag31.xml><?xml version="1.0" encoding="utf-8"?>
+<p:tagLst xmlns:a="http://schemas.openxmlformats.org/drawingml/2006/main" xmlns:r="http://schemas.openxmlformats.org/officeDocument/2006/relationships" xmlns:p="http://schemas.openxmlformats.org/presentationml/2006/main">
+  <p:tag name="KSO_WM_UNIT_HIGHLIGHT" val="0"/>
+  <p:tag name="KSO_WM_UNIT_COMPATIBLE" val="0"/>
+  <p:tag name="KSO_WM_UNIT_DIAGRAM_ISNUMVISUAL" val="0"/>
+  <p:tag name="KSO_WM_UNIT_DIAGRAM_ISREFERUNIT" val="0"/>
+  <p:tag name="KSO_WM_UNIT_ID" val="_5**"/>
+  <p:tag name="KSO_WM_UNIT_LAYERLEVEL" val="1"/>
+  <p:tag name="KSO_WM_TAG_VERSION" val="1.0"/>
+  <p:tag name="KSO_WM_BEAUTIFY_FLAG" val="#wm#"/>
+</p:tagLst>
+</file>
+
+<file path=ppt/tags/tag32.xml><?xml version="1.0" encoding="utf-8"?>
+<p:tagLst xmlns:a="http://schemas.openxmlformats.org/drawingml/2006/main" xmlns:r="http://schemas.openxmlformats.org/officeDocument/2006/relationships" xmlns:p="http://schemas.openxmlformats.org/presentationml/2006/main">
+  <p:tag name="KSO_WM_UNIT_HIGHLIGHT" val="0"/>
+  <p:tag name="KSO_WM_UNIT_COMPATIBLE" val="0"/>
+  <p:tag name="KSO_WM_UNIT_DIAGRAM_ISNUMVISUAL" val="0"/>
+  <p:tag name="KSO_WM_UNIT_DIAGRAM_ISREFERUNIT" val="0"/>
+  <p:tag name="KSO_WM_UNIT_ID" val="_5**"/>
+  <p:tag name="KSO_WM_UNIT_LAYERLEVEL" val="1"/>
+  <p:tag name="KSO_WM_TAG_VERSION" val="1.0"/>
+  <p:tag name="KSO_WM_BEAUTIFY_FLAG" val="#wm#"/>
+</p:tagLst>
+</file>
+
+<file path=ppt/tags/tag33.xml><?xml version="1.0" encoding="utf-8"?>
+<p:tagLst xmlns:a="http://schemas.openxmlformats.org/drawingml/2006/main" xmlns:r="http://schemas.openxmlformats.org/officeDocument/2006/relationships" xmlns:p="http://schemas.openxmlformats.org/presentationml/2006/main">
+  <p:tag name="KSO_WM_UNIT_HIGHLIGHT" val="0"/>
+  <p:tag name="KSO_WM_UNIT_COMPATIBLE" val="0"/>
+  <p:tag name="KSO_WM_UNIT_DIAGRAM_ISNUMVISUAL" val="0"/>
+  <p:tag name="KSO_WM_UNIT_DIAGRAM_ISREFERUNIT" val="0"/>
+  <p:tag name="KSO_WM_UNIT_ID" val="_5**"/>
+  <p:tag name="KSO_WM_UNIT_LAYERLEVEL" val="1"/>
+  <p:tag name="KSO_WM_TAG_VERSION" val="1.0"/>
+  <p:tag name="KSO_WM_BEAUTIFY_FLAG" val="#wm#"/>
+</p:tagLst>
+</file>
+
+<file path=ppt/tags/tag34.xml><?xml version="1.0" encoding="utf-8"?>
+<p:tagLst xmlns:a="http://schemas.openxmlformats.org/drawingml/2006/main" xmlns:r="http://schemas.openxmlformats.org/officeDocument/2006/relationships" xmlns:p="http://schemas.openxmlformats.org/presentationml/2006/main">
+  <p:tag name="KSO_WM_UNIT_HIGHLIGHT" val="0"/>
+  <p:tag name="KSO_WM_UNIT_COMPATIBLE" val="0"/>
+  <p:tag name="KSO_WM_UNIT_DIAGRAM_ISNUMVISUAL" val="0"/>
+  <p:tag name="KSO_WM_UNIT_DIAGRAM_ISREFERUNIT" val="0"/>
+  <p:tag name="KSO_WM_UNIT_ID" val="_5**"/>
+  <p:tag name="KSO_WM_UNIT_LAYERLEVEL" val="1"/>
+  <p:tag name="KSO_WM_TAG_VERSION" val="1.0"/>
+  <p:tag name="KSO_WM_BEAUTIFY_FLAG" val="#wm#"/>
+</p:tagLst>
+</file>
+
+<file path=ppt/tags/tag35.xml><?xml version="1.0" encoding="utf-8"?>
+<p:tagLst xmlns:a="http://schemas.openxmlformats.org/drawingml/2006/main" xmlns:r="http://schemas.openxmlformats.org/officeDocument/2006/relationships" xmlns:p="http://schemas.openxmlformats.org/presentationml/2006/main">
+  <p:tag name="KSO_WM_UNIT_HIGHLIGHT" val="0"/>
+  <p:tag name="KSO_WM_UNIT_COMPATIBLE" val="0"/>
+  <p:tag name="KSO_WM_UNIT_DIAGRAM_ISNUMVISUAL" val="0"/>
+  <p:tag name="KSO_WM_UNIT_DIAGRAM_ISREFERUNIT" val="0"/>
+  <p:tag name="KSO_WM_UNIT_ID" val="_5**"/>
+  <p:tag name="KSO_WM_UNIT_LAYERLEVEL" val="1"/>
+  <p:tag name="KSO_WM_TAG_VERSION" val="1.0"/>
+  <p:tag name="KSO_WM_BEAUTIFY_FLAG" val="#wm#"/>
+</p:tagLst>
+</file>
+
+<file path=ppt/tags/tag36.xml><?xml version="1.0" encoding="utf-8"?>
+<p:tagLst xmlns:a="http://schemas.openxmlformats.org/drawingml/2006/main" xmlns:r="http://schemas.openxmlformats.org/officeDocument/2006/relationships" xmlns:p="http://schemas.openxmlformats.org/presentationml/2006/main">
+  <p:tag name="KSO_WM_UNIT_HIGHLIGHT" val="0"/>
+  <p:tag name="KSO_WM_UNIT_COMPATIBLE" val="0"/>
+  <p:tag name="KSO_WM_UNIT_DIAGRAM_ISNUMVISUAL" val="0"/>
+  <p:tag name="KSO_WM_UNIT_DIAGRAM_ISREFERUNIT" val="0"/>
+  <p:tag name="KSO_WM_UNIT_ID" val="_5**"/>
+  <p:tag name="KSO_WM_UNIT_LAYERLEVEL" val="1"/>
+  <p:tag name="KSO_WM_TAG_VERSION" val="1.0"/>
+  <p:tag name="KSO_WM_BEAUTIFY_FLAG" val="#wm#"/>
+</p:tagLst>
+</file>
+
+<file path=ppt/tags/tag37.xml><?xml version="1.0" encoding="utf-8"?>
+<p:tagLst xmlns:a="http://schemas.openxmlformats.org/drawingml/2006/main" xmlns:r="http://schemas.openxmlformats.org/officeDocument/2006/relationships" xmlns:p="http://schemas.openxmlformats.org/presentationml/2006/main">
+  <p:tag name="KSO_WM_UNIT_HIGHLIGHT" val="0"/>
+  <p:tag name="KSO_WM_UNIT_COMPATIBLE" val="0"/>
+  <p:tag name="KSO_WM_UNIT_DIAGRAM_ISNUMVISUAL" val="0"/>
+  <p:tag name="KSO_WM_UNIT_DIAGRAM_ISREFERUNIT" val="0"/>
+  <p:tag name="KSO_WM_UNIT_ID" val="_6**"/>
+  <p:tag name="KSO_WM_UNIT_LAYERLEVEL" val="1"/>
+  <p:tag name="KSO_WM_TAG_VERSION" val="1.0"/>
+  <p:tag name="KSO_WM_BEAUTIFY_FLAG" val="#wm#"/>
+</p:tagLst>
+</file>
+
+<file path=ppt/tags/tag38.xml><?xml version="1.0" encoding="utf-8"?>
+<p:tagLst xmlns:a="http://schemas.openxmlformats.org/drawingml/2006/main" xmlns:r="http://schemas.openxmlformats.org/officeDocument/2006/relationships" xmlns:p="http://schemas.openxmlformats.org/presentationml/2006/main">
+  <p:tag name="KSO_WM_UNIT_HIGHLIGHT" val="0"/>
+  <p:tag name="KSO_WM_UNIT_COMPATIBLE" val="0"/>
+  <p:tag name="KSO_WM_UNIT_DIAGRAM_ISNUMVISUAL" val="0"/>
+  <p:tag name="KSO_WM_UNIT_DIAGRAM_ISREFERUNIT" val="0"/>
+  <p:tag name="KSO_WM_UNIT_ID" val="_6**"/>
+  <p:tag name="KSO_WM_UNIT_LAYERLEVEL" val="1"/>
+  <p:tag name="KSO_WM_TAG_VERSION" val="1.0"/>
+  <p:tag name="KSO_WM_BEAUTIFY_FLAG" val="#wm#"/>
+</p:tagLst>
+</file>
+
+<file path=ppt/tags/tag39.xml><?xml version="1.0" encoding="utf-8"?>
+<p:tagLst xmlns:a="http://schemas.openxmlformats.org/drawingml/2006/main" xmlns:r="http://schemas.openxmlformats.org/officeDocument/2006/relationships" xmlns:p="http://schemas.openxmlformats.org/presentationml/2006/main">
+  <p:tag name="KSO_WM_UNIT_HIGHLIGHT" val="0"/>
+  <p:tag name="KSO_WM_UNIT_COMPATIBLE" val="0"/>
+  <p:tag name="KSO_WM_UNIT_DIAGRAM_ISNUMVISUAL" val="0"/>
+  <p:tag name="KSO_WM_UNIT_DIAGRAM_ISREFERUNIT" val="0"/>
+  <p:tag name="KSO_WM_UNIT_ID" val="_6**"/>
+  <p:tag name="KSO_WM_UNIT_LAYERLEVEL" val="1"/>
+  <p:tag name="KSO_WM_TAG_VERSION" val="1.0"/>
+  <p:tag name="KSO_WM_BEAUTIFY_FLAG" val="#wm#"/>
+</p:tagLst>
+</file>
+
+<file path=ppt/tags/tag4.xml><?xml version="1.0" encoding="utf-8"?>
+<p:tagLst xmlns:a="http://schemas.openxmlformats.org/drawingml/2006/main" xmlns:r="http://schemas.openxmlformats.org/officeDocument/2006/relationships" xmlns:p="http://schemas.openxmlformats.org/presentationml/2006/main">
   <p:tag name="KSO_WM_UNIT_HIGHLIGHT" val="0"/>
   <p:tag name="KSO_WM_UNIT_COMPATIBLE" val="0"/>
   <p:tag name="KSO_WM_UNIT_DIAGRAM_ISNUMVISUAL" val="0"/>
@@ -8664,8 +8613,138 @@
 </p:tagLst>
 </file>
 
-<file path=ppt/tags/tag59.xml><?xml version="1.0" encoding="utf-8"?>
-<p:tagLst xmlns:p="http://schemas.openxmlformats.org/presentationml/2006/main">
+<file path=ppt/tags/tag40.xml><?xml version="1.0" encoding="utf-8"?>
+<p:tagLst xmlns:a="http://schemas.openxmlformats.org/drawingml/2006/main" xmlns:r="http://schemas.openxmlformats.org/officeDocument/2006/relationships" xmlns:p="http://schemas.openxmlformats.org/presentationml/2006/main">
+  <p:tag name="KSO_WM_UNIT_HIGHLIGHT" val="0"/>
+  <p:tag name="KSO_WM_UNIT_COMPATIBLE" val="0"/>
+  <p:tag name="KSO_WM_UNIT_DIAGRAM_ISNUMVISUAL" val="0"/>
+  <p:tag name="KSO_WM_UNIT_DIAGRAM_ISREFERUNIT" val="0"/>
+  <p:tag name="KSO_WM_UNIT_ID" val="_6**"/>
+  <p:tag name="KSO_WM_UNIT_LAYERLEVEL" val="1"/>
+  <p:tag name="KSO_WM_TAG_VERSION" val="1.0"/>
+  <p:tag name="KSO_WM_BEAUTIFY_FLAG" val="#wm#"/>
+</p:tagLst>
+</file>
+
+<file path=ppt/tags/tag41.xml><?xml version="1.0" encoding="utf-8"?>
+<p:tagLst xmlns:a="http://schemas.openxmlformats.org/drawingml/2006/main" xmlns:r="http://schemas.openxmlformats.org/officeDocument/2006/relationships" xmlns:p="http://schemas.openxmlformats.org/presentationml/2006/main">
+  <p:tag name="KSO_WM_UNIT_HIGHLIGHT" val="0"/>
+  <p:tag name="KSO_WM_UNIT_COMPATIBLE" val="0"/>
+  <p:tag name="KSO_WM_UNIT_DIAGRAM_ISNUMVISUAL" val="0"/>
+  <p:tag name="KSO_WM_UNIT_DIAGRAM_ISREFERUNIT" val="0"/>
+  <p:tag name="KSO_WM_UNIT_ID" val="_7**"/>
+  <p:tag name="KSO_WM_UNIT_LAYERLEVEL" val="1"/>
+  <p:tag name="KSO_WM_TAG_VERSION" val="1.0"/>
+  <p:tag name="KSO_WM_BEAUTIFY_FLAG" val="#wm#"/>
+</p:tagLst>
+</file>
+
+<file path=ppt/tags/tag42.xml><?xml version="1.0" encoding="utf-8"?>
+<p:tagLst xmlns:a="http://schemas.openxmlformats.org/drawingml/2006/main" xmlns:r="http://schemas.openxmlformats.org/officeDocument/2006/relationships" xmlns:p="http://schemas.openxmlformats.org/presentationml/2006/main">
+  <p:tag name="KSO_WM_UNIT_HIGHLIGHT" val="0"/>
+  <p:tag name="KSO_WM_UNIT_COMPATIBLE" val="0"/>
+  <p:tag name="KSO_WM_UNIT_DIAGRAM_ISNUMVISUAL" val="0"/>
+  <p:tag name="KSO_WM_UNIT_DIAGRAM_ISREFERUNIT" val="0"/>
+  <p:tag name="KSO_WM_UNIT_ID" val="_7**"/>
+  <p:tag name="KSO_WM_UNIT_LAYERLEVEL" val="1"/>
+  <p:tag name="KSO_WM_TAG_VERSION" val="1.0"/>
+  <p:tag name="KSO_WM_BEAUTIFY_FLAG" val="#wm#"/>
+</p:tagLst>
+</file>
+
+<file path=ppt/tags/tag43.xml><?xml version="1.0" encoding="utf-8"?>
+<p:tagLst xmlns:a="http://schemas.openxmlformats.org/drawingml/2006/main" xmlns:r="http://schemas.openxmlformats.org/officeDocument/2006/relationships" xmlns:p="http://schemas.openxmlformats.org/presentationml/2006/main">
+  <p:tag name="KSO_WM_UNIT_HIGHLIGHT" val="0"/>
+  <p:tag name="KSO_WM_UNIT_COMPATIBLE" val="0"/>
+  <p:tag name="KSO_WM_UNIT_DIAGRAM_ISNUMVISUAL" val="0"/>
+  <p:tag name="KSO_WM_UNIT_DIAGRAM_ISREFERUNIT" val="0"/>
+  <p:tag name="KSO_WM_UNIT_ID" val="_7**"/>
+  <p:tag name="KSO_WM_UNIT_LAYERLEVEL" val="1"/>
+  <p:tag name="KSO_WM_TAG_VERSION" val="1.0"/>
+  <p:tag name="KSO_WM_BEAUTIFY_FLAG" val="#wm#"/>
+</p:tagLst>
+</file>
+
+<file path=ppt/tags/tag44.xml><?xml version="1.0" encoding="utf-8"?>
+<p:tagLst xmlns:a="http://schemas.openxmlformats.org/drawingml/2006/main" xmlns:r="http://schemas.openxmlformats.org/officeDocument/2006/relationships" xmlns:p="http://schemas.openxmlformats.org/presentationml/2006/main">
+  <p:tag name="KSO_WM_UNIT_HIGHLIGHT" val="0"/>
+  <p:tag name="KSO_WM_UNIT_COMPATIBLE" val="0"/>
+  <p:tag name="KSO_WM_UNIT_DIAGRAM_ISNUMVISUAL" val="0"/>
+  <p:tag name="KSO_WM_UNIT_DIAGRAM_ISREFERUNIT" val="0"/>
+  <p:tag name="KSO_WM_UNIT_ID" val="_8**"/>
+  <p:tag name="KSO_WM_UNIT_LAYERLEVEL" val="1"/>
+  <p:tag name="KSO_WM_TAG_VERSION" val="1.0"/>
+  <p:tag name="KSO_WM_BEAUTIFY_FLAG" val="#wm#"/>
+</p:tagLst>
+</file>
+
+<file path=ppt/tags/tag45.xml><?xml version="1.0" encoding="utf-8"?>
+<p:tagLst xmlns:a="http://schemas.openxmlformats.org/drawingml/2006/main" xmlns:r="http://schemas.openxmlformats.org/officeDocument/2006/relationships" xmlns:p="http://schemas.openxmlformats.org/presentationml/2006/main">
+  <p:tag name="KSO_WM_UNIT_HIGHLIGHT" val="0"/>
+  <p:tag name="KSO_WM_UNIT_COMPATIBLE" val="0"/>
+  <p:tag name="KSO_WM_UNIT_DIAGRAM_ISNUMVISUAL" val="0"/>
+  <p:tag name="KSO_WM_UNIT_DIAGRAM_ISREFERUNIT" val="0"/>
+  <p:tag name="KSO_WM_UNIT_ID" val="_8**"/>
+  <p:tag name="KSO_WM_UNIT_LAYERLEVEL" val="1"/>
+  <p:tag name="KSO_WM_TAG_VERSION" val="1.0"/>
+  <p:tag name="KSO_WM_BEAUTIFY_FLAG" val="#wm#"/>
+</p:tagLst>
+</file>
+
+<file path=ppt/tags/tag46.xml><?xml version="1.0" encoding="utf-8"?>
+<p:tagLst xmlns:a="http://schemas.openxmlformats.org/drawingml/2006/main" xmlns:r="http://schemas.openxmlformats.org/officeDocument/2006/relationships" xmlns:p="http://schemas.openxmlformats.org/presentationml/2006/main">
+  <p:tag name="KSO_WM_UNIT_HIGHLIGHT" val="0"/>
+  <p:tag name="KSO_WM_UNIT_COMPATIBLE" val="0"/>
+  <p:tag name="KSO_WM_UNIT_DIAGRAM_ISNUMVISUAL" val="0"/>
+  <p:tag name="KSO_WM_UNIT_DIAGRAM_ISREFERUNIT" val="0"/>
+  <p:tag name="KSO_WM_UNIT_ID" val="_8**"/>
+  <p:tag name="KSO_WM_UNIT_LAYERLEVEL" val="1"/>
+  <p:tag name="KSO_WM_TAG_VERSION" val="1.0"/>
+  <p:tag name="KSO_WM_BEAUTIFY_FLAG" val="#wm#"/>
+</p:tagLst>
+</file>
+
+<file path=ppt/tags/tag47.xml><?xml version="1.0" encoding="utf-8"?>
+<p:tagLst xmlns:a="http://schemas.openxmlformats.org/drawingml/2006/main" xmlns:r="http://schemas.openxmlformats.org/officeDocument/2006/relationships" xmlns:p="http://schemas.openxmlformats.org/presentationml/2006/main">
+  <p:tag name="KSO_WM_UNIT_HIGHLIGHT" val="0"/>
+  <p:tag name="KSO_WM_UNIT_COMPATIBLE" val="0"/>
+  <p:tag name="KSO_WM_UNIT_DIAGRAM_ISNUMVISUAL" val="0"/>
+  <p:tag name="KSO_WM_UNIT_DIAGRAM_ISREFERUNIT" val="0"/>
+  <p:tag name="KSO_WM_UNIT_ID" val="_8**"/>
+  <p:tag name="KSO_WM_UNIT_LAYERLEVEL" val="1"/>
+  <p:tag name="KSO_WM_TAG_VERSION" val="1.0"/>
+  <p:tag name="KSO_WM_BEAUTIFY_FLAG" val="#wm#"/>
+</p:tagLst>
+</file>
+
+<file path=ppt/tags/tag48.xml><?xml version="1.0" encoding="utf-8"?>
+<p:tagLst xmlns:a="http://schemas.openxmlformats.org/drawingml/2006/main" xmlns:r="http://schemas.openxmlformats.org/officeDocument/2006/relationships" xmlns:p="http://schemas.openxmlformats.org/presentationml/2006/main">
+  <p:tag name="KSO_WM_UNIT_HIGHLIGHT" val="0"/>
+  <p:tag name="KSO_WM_UNIT_COMPATIBLE" val="0"/>
+  <p:tag name="KSO_WM_UNIT_DIAGRAM_ISNUMVISUAL" val="0"/>
+  <p:tag name="KSO_WM_UNIT_DIAGRAM_ISREFERUNIT" val="0"/>
+  <p:tag name="KSO_WM_UNIT_ID" val="_8**"/>
+  <p:tag name="KSO_WM_UNIT_LAYERLEVEL" val="1"/>
+  <p:tag name="KSO_WM_TAG_VERSION" val="1.0"/>
+  <p:tag name="KSO_WM_BEAUTIFY_FLAG" val="#wm#"/>
+</p:tagLst>
+</file>
+
+<file path=ppt/tags/tag49.xml><?xml version="1.0" encoding="utf-8"?>
+<p:tagLst xmlns:a="http://schemas.openxmlformats.org/drawingml/2006/main" xmlns:r="http://schemas.openxmlformats.org/officeDocument/2006/relationships" xmlns:p="http://schemas.openxmlformats.org/presentationml/2006/main">
+  <p:tag name="KSO_WM_UNIT_HIGHLIGHT" val="0"/>
+  <p:tag name="KSO_WM_UNIT_COMPATIBLE" val="0"/>
+  <p:tag name="KSO_WM_UNIT_DIAGRAM_ISNUMVISUAL" val="0"/>
+  <p:tag name="KSO_WM_UNIT_DIAGRAM_ISREFERUNIT" val="0"/>
+  <p:tag name="KSO_WM_UNIT_ID" val="_8**"/>
+  <p:tag name="KSO_WM_UNIT_LAYERLEVEL" val="1"/>
+  <p:tag name="KSO_WM_TAG_VERSION" val="1.0"/>
+  <p:tag name="KSO_WM_BEAUTIFY_FLAG" val="#wm#"/>
+</p:tagLst>
+</file>
+
+<file path=ppt/tags/tag5.xml><?xml version="1.0" encoding="utf-8"?>
+<p:tagLst xmlns:a="http://schemas.openxmlformats.org/drawingml/2006/main" xmlns:r="http://schemas.openxmlformats.org/officeDocument/2006/relationships" xmlns:p="http://schemas.openxmlformats.org/presentationml/2006/main">
   <p:tag name="KSO_WM_UNIT_HIGHLIGHT" val="0"/>
   <p:tag name="KSO_WM_UNIT_COMPATIBLE" val="0"/>
   <p:tag name="KSO_WM_UNIT_DIAGRAM_ISNUMVISUAL" val="0"/>
@@ -8677,21 +8756,138 @@
 </p:tagLst>
 </file>
 
-<file path=ppt/tags/tag6.xml><?xml version="1.0" encoding="utf-8"?>
-<p:tagLst xmlns:p="http://schemas.openxmlformats.org/presentationml/2006/main">
+<file path=ppt/tags/tag50.xml><?xml version="1.0" encoding="utf-8"?>
+<p:tagLst xmlns:a="http://schemas.openxmlformats.org/drawingml/2006/main" xmlns:r="http://schemas.openxmlformats.org/officeDocument/2006/relationships" xmlns:p="http://schemas.openxmlformats.org/presentationml/2006/main">
   <p:tag name="KSO_WM_UNIT_HIGHLIGHT" val="0"/>
   <p:tag name="KSO_WM_UNIT_COMPATIBLE" val="0"/>
   <p:tag name="KSO_WM_UNIT_DIAGRAM_ISNUMVISUAL" val="0"/>
   <p:tag name="KSO_WM_UNIT_DIAGRAM_ISREFERUNIT" val="0"/>
-  <p:tag name="KSO_WM_UNIT_ID" val="_2**"/>
+  <p:tag name="KSO_WM_UNIT_ID" val="_9**"/>
   <p:tag name="KSO_WM_UNIT_LAYERLEVEL" val="1"/>
   <p:tag name="KSO_WM_TAG_VERSION" val="1.0"/>
   <p:tag name="KSO_WM_BEAUTIFY_FLAG" val="#wm#"/>
 </p:tagLst>
 </file>
 
-<file path=ppt/tags/tag60.xml><?xml version="1.0" encoding="utf-8"?>
-<p:tagLst xmlns:p="http://schemas.openxmlformats.org/presentationml/2006/main">
+<file path=ppt/tags/tag51.xml><?xml version="1.0" encoding="utf-8"?>
+<p:tagLst xmlns:a="http://schemas.openxmlformats.org/drawingml/2006/main" xmlns:r="http://schemas.openxmlformats.org/officeDocument/2006/relationships" xmlns:p="http://schemas.openxmlformats.org/presentationml/2006/main">
+  <p:tag name="KSO_WM_UNIT_HIGHLIGHT" val="0"/>
+  <p:tag name="KSO_WM_UNIT_COMPATIBLE" val="0"/>
+  <p:tag name="KSO_WM_UNIT_DIAGRAM_ISNUMVISUAL" val="0"/>
+  <p:tag name="KSO_WM_UNIT_DIAGRAM_ISREFERUNIT" val="0"/>
+  <p:tag name="KSO_WM_UNIT_ID" val="_9**"/>
+  <p:tag name="KSO_WM_UNIT_LAYERLEVEL" val="1"/>
+  <p:tag name="KSO_WM_TAG_VERSION" val="1.0"/>
+  <p:tag name="KSO_WM_BEAUTIFY_FLAG" val="#wm#"/>
+</p:tagLst>
+</file>
+
+<file path=ppt/tags/tag52.xml><?xml version="1.0" encoding="utf-8"?>
+<p:tagLst xmlns:a="http://schemas.openxmlformats.org/drawingml/2006/main" xmlns:r="http://schemas.openxmlformats.org/officeDocument/2006/relationships" xmlns:p="http://schemas.openxmlformats.org/presentationml/2006/main">
+  <p:tag name="KSO_WM_UNIT_HIGHLIGHT" val="0"/>
+  <p:tag name="KSO_WM_UNIT_COMPATIBLE" val="0"/>
+  <p:tag name="KSO_WM_UNIT_DIAGRAM_ISNUMVISUAL" val="0"/>
+  <p:tag name="KSO_WM_UNIT_DIAGRAM_ISREFERUNIT" val="0"/>
+  <p:tag name="KSO_WM_UNIT_ID" val="_9**"/>
+  <p:tag name="KSO_WM_UNIT_LAYERLEVEL" val="1"/>
+  <p:tag name="KSO_WM_TAG_VERSION" val="1.0"/>
+  <p:tag name="KSO_WM_BEAUTIFY_FLAG" val="#wm#"/>
+</p:tagLst>
+</file>
+
+<file path=ppt/tags/tag53.xml><?xml version="1.0" encoding="utf-8"?>
+<p:tagLst xmlns:a="http://schemas.openxmlformats.org/drawingml/2006/main" xmlns:r="http://schemas.openxmlformats.org/officeDocument/2006/relationships" xmlns:p="http://schemas.openxmlformats.org/presentationml/2006/main">
+  <p:tag name="KSO_WM_UNIT_HIGHLIGHT" val="0"/>
+  <p:tag name="KSO_WM_UNIT_COMPATIBLE" val="0"/>
+  <p:tag name="KSO_WM_UNIT_DIAGRAM_ISNUMVISUAL" val="0"/>
+  <p:tag name="KSO_WM_UNIT_DIAGRAM_ISREFERUNIT" val="0"/>
+  <p:tag name="KSO_WM_UNIT_ID" val="_9**"/>
+  <p:tag name="KSO_WM_UNIT_LAYERLEVEL" val="1"/>
+  <p:tag name="KSO_WM_TAG_VERSION" val="1.0"/>
+  <p:tag name="KSO_WM_BEAUTIFY_FLAG" val="#wm#"/>
+</p:tagLst>
+</file>
+
+<file path=ppt/tags/tag54.xml><?xml version="1.0" encoding="utf-8"?>
+<p:tagLst xmlns:a="http://schemas.openxmlformats.org/drawingml/2006/main" xmlns:r="http://schemas.openxmlformats.org/officeDocument/2006/relationships" xmlns:p="http://schemas.openxmlformats.org/presentationml/2006/main">
+  <p:tag name="KSO_WM_UNIT_HIGHLIGHT" val="0"/>
+  <p:tag name="KSO_WM_UNIT_COMPATIBLE" val="0"/>
+  <p:tag name="KSO_WM_UNIT_DIAGRAM_ISNUMVISUAL" val="0"/>
+  <p:tag name="KSO_WM_UNIT_DIAGRAM_ISREFERUNIT" val="0"/>
+  <p:tag name="KSO_WM_UNIT_ID" val="_9**"/>
+  <p:tag name="KSO_WM_UNIT_LAYERLEVEL" val="1"/>
+  <p:tag name="KSO_WM_TAG_VERSION" val="1.0"/>
+  <p:tag name="KSO_WM_BEAUTIFY_FLAG" val="#wm#"/>
+</p:tagLst>
+</file>
+
+<file path=ppt/tags/tag55.xml><?xml version="1.0" encoding="utf-8"?>
+<p:tagLst xmlns:a="http://schemas.openxmlformats.org/drawingml/2006/main" xmlns:r="http://schemas.openxmlformats.org/officeDocument/2006/relationships" xmlns:p="http://schemas.openxmlformats.org/presentationml/2006/main">
+  <p:tag name="KSO_WM_UNIT_HIGHLIGHT" val="0"/>
+  <p:tag name="KSO_WM_UNIT_COMPATIBLE" val="0"/>
+  <p:tag name="KSO_WM_UNIT_DIAGRAM_ISNUMVISUAL" val="0"/>
+  <p:tag name="KSO_WM_UNIT_DIAGRAM_ISREFERUNIT" val="0"/>
+  <p:tag name="KSO_WM_UNIT_ID" val="_10**"/>
+  <p:tag name="KSO_WM_UNIT_LAYERLEVEL" val="1"/>
+  <p:tag name="KSO_WM_TAG_VERSION" val="1.0"/>
+  <p:tag name="KSO_WM_BEAUTIFY_FLAG" val="#wm#"/>
+</p:tagLst>
+</file>
+
+<file path=ppt/tags/tag56.xml><?xml version="1.0" encoding="utf-8"?>
+<p:tagLst xmlns:a="http://schemas.openxmlformats.org/drawingml/2006/main" xmlns:r="http://schemas.openxmlformats.org/officeDocument/2006/relationships" xmlns:p="http://schemas.openxmlformats.org/presentationml/2006/main">
+  <p:tag name="KSO_WM_UNIT_HIGHLIGHT" val="0"/>
+  <p:tag name="KSO_WM_UNIT_COMPATIBLE" val="0"/>
+  <p:tag name="KSO_WM_UNIT_DIAGRAM_ISNUMVISUAL" val="0"/>
+  <p:tag name="KSO_WM_UNIT_DIAGRAM_ISREFERUNIT" val="0"/>
+  <p:tag name="KSO_WM_UNIT_ID" val="_10**"/>
+  <p:tag name="KSO_WM_UNIT_LAYERLEVEL" val="1"/>
+  <p:tag name="KSO_WM_TAG_VERSION" val="1.0"/>
+  <p:tag name="KSO_WM_BEAUTIFY_FLAG" val="#wm#"/>
+</p:tagLst>
+</file>
+
+<file path=ppt/tags/tag57.xml><?xml version="1.0" encoding="utf-8"?>
+<p:tagLst xmlns:a="http://schemas.openxmlformats.org/drawingml/2006/main" xmlns:r="http://schemas.openxmlformats.org/officeDocument/2006/relationships" xmlns:p="http://schemas.openxmlformats.org/presentationml/2006/main">
+  <p:tag name="KSO_WM_UNIT_HIGHLIGHT" val="0"/>
+  <p:tag name="KSO_WM_UNIT_COMPATIBLE" val="0"/>
+  <p:tag name="KSO_WM_UNIT_DIAGRAM_ISNUMVISUAL" val="0"/>
+  <p:tag name="KSO_WM_UNIT_DIAGRAM_ISREFERUNIT" val="0"/>
+  <p:tag name="KSO_WM_UNIT_ID" val="_10**"/>
+  <p:tag name="KSO_WM_UNIT_LAYERLEVEL" val="1"/>
+  <p:tag name="KSO_WM_TAG_VERSION" val="1.0"/>
+  <p:tag name="KSO_WM_BEAUTIFY_FLAG" val="#wm#"/>
+</p:tagLst>
+</file>
+
+<file path=ppt/tags/tag58.xml><?xml version="1.0" encoding="utf-8"?>
+<p:tagLst xmlns:a="http://schemas.openxmlformats.org/drawingml/2006/main" xmlns:r="http://schemas.openxmlformats.org/officeDocument/2006/relationships" xmlns:p="http://schemas.openxmlformats.org/presentationml/2006/main">
+  <p:tag name="KSO_WM_UNIT_HIGHLIGHT" val="0"/>
+  <p:tag name="KSO_WM_UNIT_COMPATIBLE" val="0"/>
+  <p:tag name="KSO_WM_UNIT_DIAGRAM_ISNUMVISUAL" val="0"/>
+  <p:tag name="KSO_WM_UNIT_DIAGRAM_ISREFERUNIT" val="0"/>
+  <p:tag name="KSO_WM_UNIT_ID" val="_10**"/>
+  <p:tag name="KSO_WM_UNIT_LAYERLEVEL" val="1"/>
+  <p:tag name="KSO_WM_TAG_VERSION" val="1.0"/>
+  <p:tag name="KSO_WM_BEAUTIFY_FLAG" val="#wm#"/>
+</p:tagLst>
+</file>
+
+<file path=ppt/tags/tag59.xml><?xml version="1.0" encoding="utf-8"?>
+<p:tagLst xmlns:a="http://schemas.openxmlformats.org/drawingml/2006/main" xmlns:r="http://schemas.openxmlformats.org/officeDocument/2006/relationships" xmlns:p="http://schemas.openxmlformats.org/presentationml/2006/main">
+  <p:tag name="KSO_WM_UNIT_HIGHLIGHT" val="0"/>
+  <p:tag name="KSO_WM_UNIT_COMPATIBLE" val="0"/>
+  <p:tag name="KSO_WM_UNIT_DIAGRAM_ISNUMVISUAL" val="0"/>
+  <p:tag name="KSO_WM_UNIT_DIAGRAM_ISREFERUNIT" val="0"/>
+  <p:tag name="KSO_WM_UNIT_ID" val="_11**"/>
+  <p:tag name="KSO_WM_UNIT_LAYERLEVEL" val="1"/>
+  <p:tag name="KSO_WM_TAG_VERSION" val="1.0"/>
+  <p:tag name="KSO_WM_BEAUTIFY_FLAG" val="#wm#"/>
+</p:tagLst>
+</file>
+
+<file path=ppt/tags/tag6.xml><?xml version="1.0" encoding="utf-8"?>
+<p:tagLst xmlns:a="http://schemas.openxmlformats.org/drawingml/2006/main" xmlns:r="http://schemas.openxmlformats.org/officeDocument/2006/relationships" xmlns:p="http://schemas.openxmlformats.org/presentationml/2006/main">
   <p:tag name="KSO_WM_UNIT_HIGHLIGHT" val="0"/>
   <p:tag name="KSO_WM_UNIT_COMPATIBLE" val="0"/>
   <p:tag name="KSO_WM_UNIT_DIAGRAM_ISNUMVISUAL" val="0"/>
@@ -8703,35 +8899,81 @@
 </p:tagLst>
 </file>
 
-<file path=ppt/tags/tag61.xml><?xml version="1.0" encoding="utf-8"?>
-<p:tagLst xmlns:p="http://schemas.openxmlformats.org/presentationml/2006/main">
+<file path=ppt/tags/tag60.xml><?xml version="1.0" encoding="utf-8"?>
+<p:tagLst xmlns:a="http://schemas.openxmlformats.org/drawingml/2006/main" xmlns:r="http://schemas.openxmlformats.org/officeDocument/2006/relationships" xmlns:p="http://schemas.openxmlformats.org/presentationml/2006/main">
   <p:tag name="KSO_WM_UNIT_HIGHLIGHT" val="0"/>
   <p:tag name="KSO_WM_UNIT_COMPATIBLE" val="0"/>
   <p:tag name="KSO_WM_UNIT_DIAGRAM_ISNUMVISUAL" val="0"/>
   <p:tag name="KSO_WM_UNIT_DIAGRAM_ISREFERUNIT" val="0"/>
-  <p:tag name="KSO_WM_UNIT_ID" val="_0**"/>
+  <p:tag name="KSO_WM_UNIT_ID" val="_11**"/>
   <p:tag name="KSO_WM_UNIT_LAYERLEVEL" val="1"/>
   <p:tag name="KSO_WM_TAG_VERSION" val="1.0"/>
   <p:tag name="KSO_WM_BEAUTIFY_FLAG" val="#wm#"/>
 </p:tagLst>
 </file>
 
+<file path=ppt/tags/tag61.xml><?xml version="1.0" encoding="utf-8"?>
+<p:tagLst xmlns:a="http://schemas.openxmlformats.org/drawingml/2006/main" xmlns:r="http://schemas.openxmlformats.org/officeDocument/2006/relationships" xmlns:p="http://schemas.openxmlformats.org/presentationml/2006/main">
+  <p:tag name="KSO_WM_UNIT_HIGHLIGHT" val="0"/>
+  <p:tag name="KSO_WM_UNIT_COMPATIBLE" val="0"/>
+  <p:tag name="KSO_WM_UNIT_DIAGRAM_ISNUMVISUAL" val="0"/>
+  <p:tag name="KSO_WM_UNIT_DIAGRAM_ISREFERUNIT" val="0"/>
+  <p:tag name="KSO_WM_UNIT_ID" val="_11**"/>
+  <p:tag name="KSO_WM_UNIT_LAYERLEVEL" val="1"/>
+  <p:tag name="KSO_WM_TAG_VERSION" val="1.0"/>
+  <p:tag name="KSO_WM_BEAUTIFY_FLAG" val="#wm#"/>
+</p:tagLst>
+</file>
+
 <file path=ppt/tags/tag62.xml><?xml version="1.0" encoding="utf-8"?>
-<p:tagLst xmlns:p="http://schemas.openxmlformats.org/presentationml/2006/main">
-  <p:tag name="KSO_WM_TEMPLATE_THUMBS_INDEX" val="1、4、7、12、13、14、15、16、17、18、20、24、25、28、33、36、40、43、44"/>
+<p:tagLst xmlns:a="http://schemas.openxmlformats.org/drawingml/2006/main" xmlns:r="http://schemas.openxmlformats.org/officeDocument/2006/relationships" xmlns:p="http://schemas.openxmlformats.org/presentationml/2006/main">
+  <p:tag name="KSO_WM_UNIT_HIGHLIGHT" val="0"/>
+  <p:tag name="KSO_WM_UNIT_COMPATIBLE" val="0"/>
+  <p:tag name="KSO_WM_UNIT_DIAGRAM_ISNUMVISUAL" val="0"/>
+  <p:tag name="KSO_WM_UNIT_DIAGRAM_ISREFERUNIT" val="0"/>
+  <p:tag name="KSO_WM_UNIT_ID" val="_11**"/>
+  <p:tag name="KSO_WM_UNIT_LAYERLEVEL" val="1"/>
+  <p:tag name="KSO_WM_TAG_VERSION" val="1.0"/>
+  <p:tag name="KSO_WM_BEAUTIFY_FLAG" val="#wm#"/>
+</p:tagLst>
+</file>
+
+<file path=ppt/tags/tag63.xml><?xml version="1.0" encoding="utf-8"?>
+<p:tagLst xmlns:a="http://schemas.openxmlformats.org/drawingml/2006/main" xmlns:r="http://schemas.openxmlformats.org/officeDocument/2006/relationships" xmlns:p="http://schemas.openxmlformats.org/presentationml/2006/main">
+  <p:tag name="KSO_WM_UNIT_HIGHLIGHT" val="0"/>
+  <p:tag name="KSO_WM_UNIT_COMPATIBLE" val="0"/>
+  <p:tag name="KSO_WM_UNIT_DIAGRAM_ISNUMVISUAL" val="0"/>
+  <p:tag name="KSO_WM_UNIT_DIAGRAM_ISREFERUNIT" val="0"/>
+  <p:tag name="KSO_WM_UNIT_ID" val="_11**"/>
+  <p:tag name="KSO_WM_UNIT_LAYERLEVEL" val="1"/>
+  <p:tag name="KSO_WM_TAG_VERSION" val="1.0"/>
+  <p:tag name="KSO_WM_BEAUTIFY_FLAG" val="#wm#"/>
+</p:tagLst>
+</file>
+
+<file path=ppt/tags/tag64.xml><?xml version="1.0" encoding="utf-8"?>
+<p:tagLst xmlns:a="http://schemas.openxmlformats.org/drawingml/2006/main" xmlns:r="http://schemas.openxmlformats.org/officeDocument/2006/relationships" xmlns:p="http://schemas.openxmlformats.org/presentationml/2006/main">
+  <p:tag name="KSO_WM_SLIDE_ID" val="custom20205081_1"/>
   <p:tag name="KSO_WM_TEMPLATE_SUBCATEGORY" val="19"/>
+  <p:tag name="KSO_WM_TEMPLATE_MASTER_TYPE" val="0"/>
+  <p:tag name="KSO_WM_TEMPLATE_COLOR_TYPE" val="1"/>
+  <p:tag name="KSO_WM_SLIDE_TYPE" val="title"/>
+  <p:tag name="KSO_WM_SLIDE_SUBTYPE" val="defaultBlank"/>
+  <p:tag name="KSO_WM_SLIDE_ITEM_CNT" val="0"/>
+  <p:tag name="KSO_WM_SLIDE_INDEX" val="1"/>
   <p:tag name="KSO_WM_TAG_VERSION" val="1.0"/>
   <p:tag name="KSO_WM_BEAUTIFY_FLAG" val="#wm#"/>
   <p:tag name="KSO_WM_TEMPLATE_CATEGORY" val="custom"/>
   <p:tag name="KSO_WM_TEMPLATE_INDEX" val="20205081"/>
-  <p:tag name="KSO_WM_TEMPLATE_MASTER_TYPE" val="0"/>
-  <p:tag name="KSO_WM_TEMPLATE_COLOR_TYPE" val="1"/>
+  <p:tag name="KSO_WM_SLIDE_LAYOUT" val="a_b"/>
+  <p:tag name="KSO_WM_SLIDE_LAYOUT_CNT" val="1_1"/>
   <p:tag name="KSO_WM_UNIT_SHOW_EDIT_AREA_INDICATION" val="1"/>
+  <p:tag name="KSO_WM_TEMPLATE_THUMBS_INDEX" val="1、4、7、12、13、14、15、16、17、18、20、24、25、28、33、36、40、43、44"/>
 </p:tagLst>
 </file>
 
-<file path=ppt/tags/tag63.xml><?xml version="1.0" encoding="utf-8"?>
-<p:tagLst xmlns:p="http://schemas.openxmlformats.org/presentationml/2006/main">
+<file path=ppt/tags/tag65.xml><?xml version="1.0" encoding="utf-8"?>
+<p:tagLst xmlns:a="http://schemas.openxmlformats.org/drawingml/2006/main" xmlns:r="http://schemas.openxmlformats.org/officeDocument/2006/relationships" xmlns:p="http://schemas.openxmlformats.org/presentationml/2006/main">
   <p:tag name="KSO_WM_UNIT_ISCONTENTSTITLE" val="0"/>
   <p:tag name="KSO_WM_UNIT_ISNUMDGMTITLE" val="0"/>
   <p:tag name="KSO_WM_UNIT_NOCLEAR" val="0"/>
@@ -8752,8 +8994,8 @@
 </p:tagLst>
 </file>
 
-<file path=ppt/tags/tag64.xml><?xml version="1.0" encoding="utf-8"?>
-<p:tagLst xmlns:p="http://schemas.openxmlformats.org/presentationml/2006/main">
+<file path=ppt/tags/tag66.xml><?xml version="1.0" encoding="utf-8"?>
+<p:tagLst xmlns:a="http://schemas.openxmlformats.org/drawingml/2006/main" xmlns:r="http://schemas.openxmlformats.org/officeDocument/2006/relationships" xmlns:p="http://schemas.openxmlformats.org/presentationml/2006/main">
   <p:tag name="KSO_WM_UNIT_ISCONTENTSTITLE" val="0"/>
   <p:tag name="KSO_WM_UNIT_ISNUMDGMTITLE" val="0"/>
   <p:tag name="KSO_WM_UNIT_NOCLEAR" val="0"/>
@@ -8774,8 +9016,140 @@
 </p:tagLst>
 </file>
 
-<file path=ppt/tags/tag65.xml><?xml version="1.0" encoding="utf-8"?>
-<p:tagLst xmlns:p="http://schemas.openxmlformats.org/presentationml/2006/main">
+<file path=ppt/tags/tag67.xml><?xml version="1.0" encoding="utf-8"?>
+<p:tagLst xmlns:a="http://schemas.openxmlformats.org/drawingml/2006/main" xmlns:r="http://schemas.openxmlformats.org/officeDocument/2006/relationships" xmlns:p="http://schemas.openxmlformats.org/presentationml/2006/main">
+  <p:tag name="KSO_WM_BEAUTIFY_FLAG" val="#wm#"/>
+  <p:tag name="KSO_WM_TEMPLATE_CATEGORY" val="custom"/>
+  <p:tag name="KSO_WM_TEMPLATE_INDEX" val="20205081"/>
+</p:tagLst>
+</file>
+
+<file path=ppt/tags/tag68.xml><?xml version="1.0" encoding="utf-8"?>
+<p:tagLst xmlns:a="http://schemas.openxmlformats.org/drawingml/2006/main" xmlns:r="http://schemas.openxmlformats.org/officeDocument/2006/relationships" xmlns:p="http://schemas.openxmlformats.org/presentationml/2006/main">
+  <p:tag name="KSO_WM_BEAUTIFY_FLAG" val="#wm#"/>
+  <p:tag name="KSO_WM_TEMPLATE_CATEGORY" val="custom"/>
+  <p:tag name="KSO_WM_TEMPLATE_INDEX" val="20205081"/>
+</p:tagLst>
+</file>
+
+<file path=ppt/tags/tag69.xml><?xml version="1.0" encoding="utf-8"?>
+<p:tagLst xmlns:a="http://schemas.openxmlformats.org/drawingml/2006/main" xmlns:r="http://schemas.openxmlformats.org/officeDocument/2006/relationships" xmlns:p="http://schemas.openxmlformats.org/presentationml/2006/main">
+  <p:tag name="KSO_WM_UNIT_TABLE_BEAUTIFY" val="smartTable{a8810408-7d27-4876-89d8-56cdfc16148d}"/>
+  <p:tag name="TABLE_ENDDRAG_ORIGIN_RECT" val="244*90"/>
+  <p:tag name="TABLE_ENDDRAG_RECT" val="176*122*244*90"/>
+</p:tagLst>
+</file>
+
+<file path=ppt/tags/tag7.xml><?xml version="1.0" encoding="utf-8"?>
+<p:tagLst xmlns:a="http://schemas.openxmlformats.org/drawingml/2006/main" xmlns:r="http://schemas.openxmlformats.org/officeDocument/2006/relationships" xmlns:p="http://schemas.openxmlformats.org/presentationml/2006/main">
+  <p:tag name="KSO_WM_UNIT_HIGHLIGHT" val="0"/>
+  <p:tag name="KSO_WM_UNIT_COMPATIBLE" val="0"/>
+  <p:tag name="KSO_WM_UNIT_DIAGRAM_ISNUMVISUAL" val="0"/>
+  <p:tag name="KSO_WM_UNIT_DIAGRAM_ISREFERUNIT" val="0"/>
+  <p:tag name="KSO_WM_UNIT_ID" val="_0**"/>
+  <p:tag name="KSO_WM_UNIT_LAYERLEVEL" val="1"/>
+  <p:tag name="KSO_WM_TAG_VERSION" val="1.0"/>
+  <p:tag name="KSO_WM_BEAUTIFY_FLAG" val="#wm#"/>
+</p:tagLst>
+</file>
+
+<file path=ppt/tags/tag70.xml><?xml version="1.0" encoding="utf-8"?>
+<p:tagLst xmlns:a="http://schemas.openxmlformats.org/drawingml/2006/main" xmlns:r="http://schemas.openxmlformats.org/officeDocument/2006/relationships" xmlns:p="http://schemas.openxmlformats.org/presentationml/2006/main">
+  <p:tag name="KSO_WM_UNIT_TABLE_BEAUTIFY" val="smartTable{439d73f3-505c-4491-b8aa-ed24482f117b}"/>
+  <p:tag name="TABLE_ENDDRAG_ORIGIN_RECT" val="388*80"/>
+  <p:tag name="TABLE_ENDDRAG_RECT" val="557*366*388*80"/>
+</p:tagLst>
+</file>
+
+<file path=ppt/tags/tag71.xml><?xml version="1.0" encoding="utf-8"?>
+<p:tagLst xmlns:a="http://schemas.openxmlformats.org/drawingml/2006/main" xmlns:r="http://schemas.openxmlformats.org/officeDocument/2006/relationships" xmlns:p="http://schemas.openxmlformats.org/presentationml/2006/main">
+  <p:tag name="KSO_WM_UNIT_TABLE_BEAUTIFY" val="smartTable{a8810408-7d27-4876-89d8-56cdfc16148d}"/>
+  <p:tag name="TABLE_ENDDRAG_ORIGIN_RECT" val="244*90"/>
+  <p:tag name="TABLE_ENDDRAG_RECT" val="176*122*244*90"/>
+</p:tagLst>
+</file>
+
+<file path=ppt/tags/tag72.xml><?xml version="1.0" encoding="utf-8"?>
+<p:tagLst xmlns:a="http://schemas.openxmlformats.org/drawingml/2006/main" xmlns:r="http://schemas.openxmlformats.org/officeDocument/2006/relationships" xmlns:p="http://schemas.openxmlformats.org/presentationml/2006/main">
+  <p:tag name="KSO_WM_BEAUTIFY_FLAG" val="#wm#"/>
+  <p:tag name="KSO_WM_TEMPLATE_CATEGORY" val="custom"/>
+  <p:tag name="KSO_WM_TEMPLATE_INDEX" val="20205081"/>
+</p:tagLst>
+</file>
+
+<file path=ppt/tags/tag73.xml><?xml version="1.0" encoding="utf-8"?>
+<p:tagLst xmlns:a="http://schemas.openxmlformats.org/drawingml/2006/main" xmlns:r="http://schemas.openxmlformats.org/officeDocument/2006/relationships" xmlns:p="http://schemas.openxmlformats.org/presentationml/2006/main">
+  <p:tag name="KSO_WM_UNIT_TABLE_BEAUTIFY" val="smartTable{7e0421ff-d427-4dda-acea-7ef52902fcd1}"/>
+</p:tagLst>
+</file>
+
+<file path=ppt/tags/tag74.xml><?xml version="1.0" encoding="utf-8"?>
+<p:tagLst xmlns:a="http://schemas.openxmlformats.org/drawingml/2006/main" xmlns:r="http://schemas.openxmlformats.org/officeDocument/2006/relationships" xmlns:p="http://schemas.openxmlformats.org/presentationml/2006/main">
+  <p:tag name="KSO_WM_BEAUTIFY_FLAG" val="#wm#"/>
+  <p:tag name="KSO_WM_TEMPLATE_CATEGORY" val="custom"/>
+  <p:tag name="KSO_WM_TEMPLATE_INDEX" val="20205081"/>
+</p:tagLst>
+</file>
+
+<file path=ppt/tags/tag75.xml><?xml version="1.0" encoding="utf-8"?>
+<p:tagLst xmlns:a="http://schemas.openxmlformats.org/drawingml/2006/main" xmlns:r="http://schemas.openxmlformats.org/officeDocument/2006/relationships" xmlns:p="http://schemas.openxmlformats.org/presentationml/2006/main">
+  <p:tag name="KSO_WM_UNIT_TABLE_BEAUTIFY" val="smartTable{b91712fd-7e0e-4e4c-9fee-93feb55c8741}"/>
+</p:tagLst>
+</file>
+
+<file path=ppt/tags/tag76.xml><?xml version="1.0" encoding="utf-8"?>
+<p:tagLst xmlns:a="http://schemas.openxmlformats.org/drawingml/2006/main" xmlns:r="http://schemas.openxmlformats.org/officeDocument/2006/relationships" xmlns:p="http://schemas.openxmlformats.org/presentationml/2006/main">
+  <p:tag name="KSO_WM_BEAUTIFY_FLAG" val="#wm#"/>
+  <p:tag name="KSO_WM_TEMPLATE_CATEGORY" val="custom"/>
+  <p:tag name="KSO_WM_TEMPLATE_INDEX" val="20205081"/>
+</p:tagLst>
+</file>
+
+<file path=ppt/tags/tag77.xml><?xml version="1.0" encoding="utf-8"?>
+<p:tagLst xmlns:a="http://schemas.openxmlformats.org/drawingml/2006/main" xmlns:r="http://schemas.openxmlformats.org/officeDocument/2006/relationships" xmlns:p="http://schemas.openxmlformats.org/presentationml/2006/main">
+  <p:tag name="KSO_WM_UNIT_TABLE_BEAUTIFY" val="smartTable{8e656352-de62-4216-8a67-cbfe7c970229}"/>
+</p:tagLst>
+</file>
+
+<file path=ppt/tags/tag78.xml><?xml version="1.0" encoding="utf-8"?>
+<p:tagLst xmlns:a="http://schemas.openxmlformats.org/drawingml/2006/main" xmlns:r="http://schemas.openxmlformats.org/officeDocument/2006/relationships" xmlns:p="http://schemas.openxmlformats.org/presentationml/2006/main">
+  <p:tag name="KSO_WM_BEAUTIFY_FLAG" val="#wm#"/>
+  <p:tag name="KSO_WM_TEMPLATE_CATEGORY" val="custom"/>
+  <p:tag name="KSO_WM_TEMPLATE_INDEX" val="20205081"/>
+</p:tagLst>
+</file>
+
+<file path=ppt/tags/tag79.xml><?xml version="1.0" encoding="utf-8"?>
+<p:tagLst xmlns:a="http://schemas.openxmlformats.org/drawingml/2006/main" xmlns:r="http://schemas.openxmlformats.org/officeDocument/2006/relationships" xmlns:p="http://schemas.openxmlformats.org/presentationml/2006/main">
+  <p:tag name="KSO_WM_BEAUTIFY_FLAG" val="#wm#"/>
+  <p:tag name="KSO_WM_TEMPLATE_CATEGORY" val="custom"/>
+  <p:tag name="KSO_WM_TEMPLATE_INDEX" val="20205081"/>
+</p:tagLst>
+</file>
+
+<file path=ppt/tags/tag8.xml><?xml version="1.0" encoding="utf-8"?>
+<p:tagLst xmlns:a="http://schemas.openxmlformats.org/drawingml/2006/main" xmlns:r="http://schemas.openxmlformats.org/officeDocument/2006/relationships" xmlns:p="http://schemas.openxmlformats.org/presentationml/2006/main">
+  <p:tag name="KSO_WM_UNIT_HIGHLIGHT" val="0"/>
+  <p:tag name="KSO_WM_UNIT_COMPATIBLE" val="0"/>
+  <p:tag name="KSO_WM_UNIT_DIAGRAM_ISNUMVISUAL" val="0"/>
+  <p:tag name="KSO_WM_UNIT_DIAGRAM_ISREFERUNIT" val="0"/>
+  <p:tag name="KSO_WM_UNIT_ID" val="_1**"/>
+  <p:tag name="KSO_WM_UNIT_LAYERLEVEL" val="1"/>
+  <p:tag name="KSO_WM_TAG_VERSION" val="1.0"/>
+  <p:tag name="KSO_WM_BEAUTIFY_FLAG" val="#wm#"/>
+</p:tagLst>
+</file>
+
+<file path=ppt/tags/tag80.xml><?xml version="1.0" encoding="utf-8"?>
+<p:tagLst xmlns:a="http://schemas.openxmlformats.org/drawingml/2006/main" xmlns:r="http://schemas.openxmlformats.org/officeDocument/2006/relationships" xmlns:p="http://schemas.openxmlformats.org/presentationml/2006/main">
+  <p:tag name="KSO_WM_BEAUTIFY_FLAG" val="#wm#"/>
+  <p:tag name="KSO_WM_TEMPLATE_CATEGORY" val="custom"/>
+  <p:tag name="KSO_WM_TEMPLATE_INDEX" val="20205081"/>
+</p:tagLst>
+</file>
+
+<file path=ppt/tags/tag81.xml><?xml version="1.0" encoding="utf-8"?>
+<p:tagLst xmlns:a="http://schemas.openxmlformats.org/drawingml/2006/main" xmlns:r="http://schemas.openxmlformats.org/officeDocument/2006/relationships" xmlns:p="http://schemas.openxmlformats.org/presentationml/2006/main">
   <p:tag name="KSO_WM_SLIDE_ID" val="custom20205081_1"/>
   <p:tag name="KSO_WM_TEMPLATE_SUBCATEGORY" val="19"/>
   <p:tag name="KSO_WM_TEMPLATE_MASTER_TYPE" val="0"/>
@@ -8795,119 +9169,8 @@
 </p:tagLst>
 </file>
 
-<file path=ppt/tags/tag66.xml><?xml version="1.0" encoding="utf-8"?>
-<p:tagLst xmlns:p="http://schemas.openxmlformats.org/presentationml/2006/main">
-  <p:tag name="KSO_WM_BEAUTIFY_FLAG" val="#wm#"/>
-  <p:tag name="KSO_WM_TEMPLATE_CATEGORY" val="custom"/>
-  <p:tag name="KSO_WM_TEMPLATE_INDEX" val="20205081"/>
-</p:tagLst>
-</file>
-
-<file path=ppt/tags/tag67.xml><?xml version="1.0" encoding="utf-8"?>
-<p:tagLst xmlns:p="http://schemas.openxmlformats.org/presentationml/2006/main">
-  <p:tag name="KSO_WM_UNIT_TABLE_BEAUTIFY" val="smartTable{a8810408-7d27-4876-89d8-56cdfc16148d}"/>
-  <p:tag name="TABLE_ENDDRAG_ORIGIN_RECT" val="244*90"/>
-  <p:tag name="TABLE_ENDDRAG_RECT" val="176*122*244*90"/>
-</p:tagLst>
-</file>
-
-<file path=ppt/tags/tag68.xml><?xml version="1.0" encoding="utf-8"?>
-<p:tagLst xmlns:p="http://schemas.openxmlformats.org/presentationml/2006/main">
-  <p:tag name="KSO_WM_UNIT_TABLE_BEAUTIFY" val="smartTable{439d73f3-505c-4491-b8aa-ed24482f117b}"/>
-  <p:tag name="TABLE_ENDDRAG_ORIGIN_RECT" val="388*80"/>
-  <p:tag name="TABLE_ENDDRAG_RECT" val="557*366*388*80"/>
-</p:tagLst>
-</file>
-
-<file path=ppt/tags/tag69.xml><?xml version="1.0" encoding="utf-8"?>
-<p:tagLst xmlns:p="http://schemas.openxmlformats.org/presentationml/2006/main">
-  <p:tag name="KSO_WM_BEAUTIFY_FLAG" val="#wm#"/>
-  <p:tag name="KSO_WM_TEMPLATE_CATEGORY" val="custom"/>
-  <p:tag name="KSO_WM_TEMPLATE_INDEX" val="20205081"/>
-</p:tagLst>
-</file>
-
-<file path=ppt/tags/tag7.xml><?xml version="1.0" encoding="utf-8"?>
-<p:tagLst xmlns:p="http://schemas.openxmlformats.org/presentationml/2006/main">
-  <p:tag name="KSO_WM_UNIT_HIGHLIGHT" val="0"/>
-  <p:tag name="KSO_WM_UNIT_COMPATIBLE" val="0"/>
-  <p:tag name="KSO_WM_UNIT_DIAGRAM_ISNUMVISUAL" val="0"/>
-  <p:tag name="KSO_WM_UNIT_DIAGRAM_ISREFERUNIT" val="0"/>
-  <p:tag name="KSO_WM_UNIT_ID" val="_2**"/>
-  <p:tag name="KSO_WM_UNIT_LAYERLEVEL" val="1"/>
-  <p:tag name="KSO_WM_TAG_VERSION" val="1.0"/>
-  <p:tag name="KSO_WM_BEAUTIFY_FLAG" val="#wm#"/>
-</p:tagLst>
-</file>
-
-<file path=ppt/tags/tag70.xml><?xml version="1.0" encoding="utf-8"?>
-<p:tagLst xmlns:p="http://schemas.openxmlformats.org/presentationml/2006/main">
-  <p:tag name="KSO_WM_UNIT_TABLE_BEAUTIFY" val="smartTable{7e0421ff-d427-4dda-acea-7ef52902fcd1}"/>
-</p:tagLst>
-</file>
-
-<file path=ppt/tags/tag71.xml><?xml version="1.0" encoding="utf-8"?>
-<p:tagLst xmlns:p="http://schemas.openxmlformats.org/presentationml/2006/main">
-  <p:tag name="KSO_WM_BEAUTIFY_FLAG" val="#wm#"/>
-  <p:tag name="KSO_WM_TEMPLATE_CATEGORY" val="custom"/>
-  <p:tag name="KSO_WM_TEMPLATE_INDEX" val="20205081"/>
-</p:tagLst>
-</file>
-
-<file path=ppt/tags/tag72.xml><?xml version="1.0" encoding="utf-8"?>
-<p:tagLst xmlns:p="http://schemas.openxmlformats.org/presentationml/2006/main">
-  <p:tag name="KSO_WM_UNIT_TABLE_BEAUTIFY" val="smartTable{b91712fd-7e0e-4e4c-9fee-93feb55c8741}"/>
-</p:tagLst>
-</file>
-
-<file path=ppt/tags/tag73.xml><?xml version="1.0" encoding="utf-8"?>
-<p:tagLst xmlns:p="http://schemas.openxmlformats.org/presentationml/2006/main">
-  <p:tag name="KSO_WM_BEAUTIFY_FLAG" val="#wm#"/>
-  <p:tag name="KSO_WM_TEMPLATE_CATEGORY" val="custom"/>
-  <p:tag name="KSO_WM_TEMPLATE_INDEX" val="20205081"/>
-</p:tagLst>
-</file>
-
-<file path=ppt/tags/tag74.xml><?xml version="1.0" encoding="utf-8"?>
-<p:tagLst xmlns:p="http://schemas.openxmlformats.org/presentationml/2006/main">
-  <p:tag name="KSO_WM_UNIT_TABLE_BEAUTIFY" val="smartTable{8e656352-de62-4216-8a67-cbfe7c970229}"/>
-</p:tagLst>
-</file>
-
-<file path=ppt/tags/tag75.xml><?xml version="1.0" encoding="utf-8"?>
-<p:tagLst xmlns:p="http://schemas.openxmlformats.org/presentationml/2006/main">
-  <p:tag name="KSO_WM_BEAUTIFY_FLAG" val="#wm#"/>
-  <p:tag name="KSO_WM_TEMPLATE_CATEGORY" val="custom"/>
-  <p:tag name="KSO_WM_TEMPLATE_INDEX" val="20205081"/>
-</p:tagLst>
-</file>
-
-<file path=ppt/tags/tag76.xml><?xml version="1.0" encoding="utf-8"?>
-<p:tagLst xmlns:p="http://schemas.openxmlformats.org/presentationml/2006/main">
-  <p:tag name="KSO_WM_BEAUTIFY_FLAG" val="#wm#"/>
-  <p:tag name="KSO_WM_TEMPLATE_CATEGORY" val="custom"/>
-  <p:tag name="KSO_WM_TEMPLATE_INDEX" val="20205081"/>
-</p:tagLst>
-</file>
-
-<file path=ppt/tags/tag77.xml><?xml version="1.0" encoding="utf-8"?>
-<p:tagLst xmlns:p="http://schemas.openxmlformats.org/presentationml/2006/main">
-  <p:tag name="KSO_WM_BEAUTIFY_FLAG" val="#wm#"/>
-  <p:tag name="KSO_WM_TEMPLATE_CATEGORY" val="custom"/>
-  <p:tag name="KSO_WM_TEMPLATE_INDEX" val="20205081"/>
-</p:tagLst>
-</file>
-
-<file path=ppt/tags/tag78.xml><?xml version="1.0" encoding="utf-8"?>
-<p:tagLst xmlns:p="http://schemas.openxmlformats.org/presentationml/2006/main">
-  <p:tag name="KSO_WM_BEAUTIFY_FLAG" val="#wm#"/>
-  <p:tag name="KSO_WM_TEMPLATE_CATEGORY" val="custom"/>
-  <p:tag name="KSO_WM_TEMPLATE_INDEX" val="20205081"/>
-</p:tagLst>
-</file>
-
-<file path=ppt/tags/tag79.xml><?xml version="1.0" encoding="utf-8"?>
-<p:tagLst xmlns:p="http://schemas.openxmlformats.org/presentationml/2006/main">
+<file path=ppt/tags/tag82.xml><?xml version="1.0" encoding="utf-8"?>
+<p:tagLst xmlns:a="http://schemas.openxmlformats.org/drawingml/2006/main" xmlns:r="http://schemas.openxmlformats.org/officeDocument/2006/relationships" xmlns:p="http://schemas.openxmlformats.org/presentationml/2006/main">
   <p:tag name="KSO_WM_UNIT_ISCONTENTSTITLE" val="0"/>
   <p:tag name="KSO_WM_UNIT_ISNUMDGMTITLE" val="0"/>
   <p:tag name="KSO_WM_UNIT_NOCLEAR" val="0"/>
@@ -8928,21 +9191,8 @@
 </p:tagLst>
 </file>
 
-<file path=ppt/tags/tag8.xml><?xml version="1.0" encoding="utf-8"?>
-<p:tagLst xmlns:p="http://schemas.openxmlformats.org/presentationml/2006/main">
-  <p:tag name="KSO_WM_UNIT_HIGHLIGHT" val="0"/>
-  <p:tag name="KSO_WM_UNIT_COMPATIBLE" val="0"/>
-  <p:tag name="KSO_WM_UNIT_DIAGRAM_ISNUMVISUAL" val="0"/>
-  <p:tag name="KSO_WM_UNIT_DIAGRAM_ISREFERUNIT" val="0"/>
-  <p:tag name="KSO_WM_UNIT_ID" val="_2**"/>
-  <p:tag name="KSO_WM_UNIT_LAYERLEVEL" val="1"/>
-  <p:tag name="KSO_WM_TAG_VERSION" val="1.0"/>
-  <p:tag name="KSO_WM_BEAUTIFY_FLAG" val="#wm#"/>
-</p:tagLst>
-</file>
-
-<file path=ppt/tags/tag80.xml><?xml version="1.0" encoding="utf-8"?>
-<p:tagLst xmlns:p="http://schemas.openxmlformats.org/presentationml/2006/main">
+<file path=ppt/tags/tag83.xml><?xml version="1.0" encoding="utf-8"?>
+<p:tagLst xmlns:a="http://schemas.openxmlformats.org/drawingml/2006/main" xmlns:r="http://schemas.openxmlformats.org/officeDocument/2006/relationships" xmlns:p="http://schemas.openxmlformats.org/presentationml/2006/main">
   <p:tag name="KSO_WM_UNIT_ISCONTENTSTITLE" val="0"/>
   <p:tag name="KSO_WM_UNIT_ISNUMDGMTITLE" val="0"/>
   <p:tag name="KSO_WM_UNIT_NOCLEAR" val="0"/>
@@ -8963,41 +9213,13 @@
 </p:tagLst>
 </file>
 
-<file path=ppt/tags/tag81.xml><?xml version="1.0" encoding="utf-8"?>
-<p:tagLst xmlns:p="http://schemas.openxmlformats.org/presentationml/2006/main">
-  <p:tag name="KSO_WM_SLIDE_ID" val="custom20205081_1"/>
-  <p:tag name="KSO_WM_TEMPLATE_SUBCATEGORY" val="19"/>
-  <p:tag name="KSO_WM_TEMPLATE_MASTER_TYPE" val="0"/>
-  <p:tag name="KSO_WM_TEMPLATE_COLOR_TYPE" val="1"/>
-  <p:tag name="KSO_WM_SLIDE_TYPE" val="title"/>
-  <p:tag name="KSO_WM_SLIDE_SUBTYPE" val="defaultBlank"/>
-  <p:tag name="KSO_WM_SLIDE_ITEM_CNT" val="0"/>
-  <p:tag name="KSO_WM_SLIDE_INDEX" val="1"/>
-  <p:tag name="KSO_WM_TAG_VERSION" val="1.0"/>
-  <p:tag name="KSO_WM_BEAUTIFY_FLAG" val="#wm#"/>
-  <p:tag name="KSO_WM_TEMPLATE_CATEGORY" val="custom"/>
-  <p:tag name="KSO_WM_TEMPLATE_INDEX" val="20205081"/>
-  <p:tag name="KSO_WM_SLIDE_LAYOUT" val="a_b"/>
-  <p:tag name="KSO_WM_SLIDE_LAYOUT_CNT" val="1_1"/>
-  <p:tag name="KSO_WM_UNIT_SHOW_EDIT_AREA_INDICATION" val="1"/>
-  <p:tag name="KSO_WM_TEMPLATE_THUMBS_INDEX" val="1、4、7、12、13、14、15、16、17、18、20、24、25、28、33、36、40、43、44"/>
-</p:tagLst>
-</file>
-
-<file path=ppt/tags/tag82.xml><?xml version="1.0" encoding="utf-8"?>
-<p:tagLst xmlns:p="http://schemas.openxmlformats.org/presentationml/2006/main">
-  <p:tag name="COMMONDATA" val="eyJoZGlkIjoiY2UzYzc3OWFhNTgzMTFiYzdkZDkwOWE3ODg4MTg2YjgifQ=="/>
-  <p:tag name="KSO_WPP_MARK_KEY" val="ee69e713-066c-42ba-91e8-450aa6120d63"/>
-</p:tagLst>
-</file>
-
 <file path=ppt/tags/tag9.xml><?xml version="1.0" encoding="utf-8"?>
-<p:tagLst xmlns:p="http://schemas.openxmlformats.org/presentationml/2006/main">
+<p:tagLst xmlns:a="http://schemas.openxmlformats.org/drawingml/2006/main" xmlns:r="http://schemas.openxmlformats.org/officeDocument/2006/relationships" xmlns:p="http://schemas.openxmlformats.org/presentationml/2006/main">
   <p:tag name="KSO_WM_UNIT_HIGHLIGHT" val="0"/>
   <p:tag name="KSO_WM_UNIT_COMPATIBLE" val="0"/>
   <p:tag name="KSO_WM_UNIT_DIAGRAM_ISNUMVISUAL" val="0"/>
   <p:tag name="KSO_WM_UNIT_DIAGRAM_ISREFERUNIT" val="0"/>
-  <p:tag name="KSO_WM_UNIT_ID" val="_2**"/>
+  <p:tag name="KSO_WM_UNIT_ID" val="_1**"/>
   <p:tag name="KSO_WM_UNIT_LAYERLEVEL" val="1"/>
   <p:tag name="KSO_WM_TAG_VERSION" val="1.0"/>
   <p:tag name="KSO_WM_BEAUTIFY_FLAG" val="#wm#"/>
@@ -9195,6 +9417,8 @@
       </a:bgFillStyleLst>
     </a:fmtScheme>
   </a:themeElements>
+  <a:objectDefaults/>
+  <a:extraClrSchemeLst/>
   <a:extLst>
     <a:ext uri="{05A4C25C-085E-4340-85A3-A5531E510DB2}">
       <thm15:themeFamily xmlns:thm15="http://schemas.microsoft.com/office/thememl/2012/main" name="Office Theme" id="{62F939B6-93AF-4DB8-9C6B-D6C7DFDC589F}" vid="{4A3C46E8-61CC-4603-A589-7422A47A8E4A}"/>
@@ -9454,6 +9678,8 @@
       </a:bgFillStyleLst>
     </a:fmtScheme>
   </a:themeElements>
+  <a:objectDefaults/>
+  <a:extraClrSchemeLst/>
   <a:extLst>
     <a:ext uri="{05A4C25C-085E-4340-85A3-A5531E510DB2}">
       <thm15:themeFamily xmlns:thm15="http://schemas.microsoft.com/office/thememl/2012/main" name="Office Theme" id="{62F939B6-93AF-4DB8-9C6B-D6C7DFDC589F}" vid="{4A3C46E8-61CC-4603-A589-7422A47A8E4A}"/>

--- a/Bodyfat Group2.pptx
+++ b/Bodyfat Group2.pptx
@@ -6563,11 +6563,16 @@
             <p:custDataLst>
               <p:tags r:id="rId2"/>
             </p:custDataLst>
+            <p:extLst>
+              <p:ext uri="{D42A27DB-BD31-4B8C-83A1-F6EECF244321}">
+                <p14:modId xmlns:p14="http://schemas.microsoft.com/office/powerpoint/2010/main" val="4269182374"/>
+              </p:ext>
+            </p:extLst>
           </p:nvPr>
         </p:nvGraphicFramePr>
         <p:xfrm>
-          <a:off x="612775" y="5702300"/>
-          <a:ext cx="8532495" cy="755015"/>
+          <a:off x="6534785" y="1391408"/>
+          <a:ext cx="4103063" cy="755015"/>
         </p:xfrm>
         <a:graphic>
           <a:graphicData uri="http://schemas.openxmlformats.org/drawingml/2006/table">
@@ -6576,21 +6581,21 @@
                 <a:tableStyleId>{5C22544A-7EE6-4342-B048-85BDC9FD1C3A}</a:tableStyleId>
               </a:tblPr>
               <a:tblGrid>
-                <a:gridCol w="2844165">
+                <a:gridCol w="1267396">
                   <a:extLst>
                     <a:ext uri="{9D8B030D-6E8A-4147-A177-3AD203B41FA5}">
                       <a16:colId xmlns:a16="http://schemas.microsoft.com/office/drawing/2014/main" val="20000"/>
                     </a:ext>
                   </a:extLst>
                 </a:gridCol>
-                <a:gridCol w="2844165">
+                <a:gridCol w="1315092">
                   <a:extLst>
                     <a:ext uri="{9D8B030D-6E8A-4147-A177-3AD203B41FA5}">
                       <a16:colId xmlns:a16="http://schemas.microsoft.com/office/drawing/2014/main" val="20001"/>
                     </a:ext>
                   </a:extLst>
                 </a:gridCol>
-                <a:gridCol w="2844165">
+                <a:gridCol w="1520575">
                   <a:extLst>
                     <a:ext uri="{9D8B030D-6E8A-4147-A177-3AD203B41FA5}">
                       <a16:colId xmlns:a16="http://schemas.microsoft.com/office/drawing/2014/main" val="20002"/>
@@ -6607,7 +6612,10 @@
                       <a:pPr>
                         <a:buNone/>
                       </a:pPr>
-                      <a:endParaRPr lang="en-US" altLang="zh-CN"/>
+                      <a:r>
+                        <a:rPr lang="en-US" altLang="zh-CN" dirty="0"/>
+                        <a:t>Check</a:t>
+                      </a:r>
                     </a:p>
                   </a:txBody>
                   <a:tcPr/>
@@ -6621,7 +6629,7 @@
                         <a:buNone/>
                       </a:pPr>
                       <a:r>
-                        <a:rPr lang="en-US" altLang="zh-CN"/>
+                        <a:rPr lang="en-US" altLang="zh-CN" dirty="0"/>
                         <a:t>Weight</a:t>
                       </a:r>
                     </a:p>
@@ -6637,9 +6645,10 @@
                         <a:buNone/>
                       </a:pPr>
                       <a:r>
-                        <a:rPr lang="en-US" altLang="zh-CN"/>
+                        <a:rPr lang="en-US" altLang="zh-CN" dirty="0" err="1"/>
                         <a:t>Abomen</a:t>
                       </a:r>
+                      <a:endParaRPr lang="en-US" altLang="zh-CN" dirty="0"/>
                     </a:p>
                   </a:txBody>
                   <a:tcPr/>
@@ -6695,7 +6704,7 @@
                         <a:buNone/>
                       </a:pPr>
                       <a:r>
-                        <a:rPr lang="en-US" altLang="zh-CN"/>
+                        <a:rPr lang="en-US" altLang="zh-CN" dirty="0"/>
                         <a:t>4.73</a:t>
                       </a:r>
                     </a:p>
@@ -6752,8 +6761,8 @@
           <a:lstStyle/>
           <a:p>
             <a:r>
-              <a:rPr lang="en-US" altLang="zh-CN" sz="3200"/>
-              <a:t>Correlation</a:t>
+              <a:rPr lang="en-US" altLang="zh-CN" sz="3200" dirty="0"/>
+              <a:t>Collinearity Check</a:t>
             </a:r>
           </a:p>
         </p:txBody>
@@ -6816,7 +6825,7 @@
         </p:nvSpPr>
         <p:spPr>
           <a:xfrm>
-            <a:off x="6534785" y="1402715"/>
+            <a:off x="6534785" y="2529010"/>
             <a:ext cx="4082415" cy="3103245"/>
           </a:xfrm>
           <a:prstGeom prst="rect">

--- a/Bodyfat Group2.pptx
+++ b/Bodyfat Group2.pptx
@@ -4251,7 +4251,7 @@
           <a:lstStyle/>
           <a:p>
             <a:r>
-              <a:rPr lang="en-US" altLang="zh-CN"/>
+              <a:rPr lang="en-US" altLang="zh-CN" dirty="0"/>
               <a:t>Data Cleaning</a:t>
             </a:r>
           </a:p>
@@ -4510,46 +4510,13 @@
       </p:graphicFrame>
       <p:sp>
         <p:nvSpPr>
-          <p:cNvPr id="6" name="文本框 5"/>
-          <p:cNvSpPr txBox="1"/>
-          <p:nvPr/>
-        </p:nvSpPr>
-        <p:spPr>
-          <a:xfrm>
-            <a:off x="608330" y="2751694"/>
-            <a:ext cx="9288145" cy="400110"/>
-          </a:xfrm>
-          <a:prstGeom prst="rect">
-            <a:avLst/>
-          </a:prstGeom>
-          <a:noFill/>
-        </p:spPr>
-        <p:txBody>
-          <a:bodyPr wrap="square" rtlCol="0">
-            <a:spAutoFit/>
-          </a:bodyPr>
-          <a:lstStyle/>
-          <a:p>
-            <a:pPr marL="342900" indent="-342900">
-              <a:buFont typeface="Arial" panose="020B0604020202020204" pitchFamily="34" charset="0"/>
-              <a:buChar char="•"/>
-            </a:pPr>
-            <a:r>
-              <a:rPr lang="en-US" altLang="zh-CN" sz="2000" dirty="0"/>
-              <a:t>We standardized units to metric:</a:t>
-            </a:r>
-          </a:p>
-        </p:txBody>
-      </p:sp>
-      <p:sp>
-        <p:nvSpPr>
           <p:cNvPr id="7" name="文本框 6"/>
           <p:cNvSpPr txBox="1"/>
           <p:nvPr/>
         </p:nvSpPr>
         <p:spPr>
           <a:xfrm>
-            <a:off x="608330" y="1314000"/>
+            <a:off x="608330" y="2834569"/>
             <a:ext cx="6860982" cy="707886"/>
           </a:xfrm>
           <a:prstGeom prst="rect">
@@ -4584,13 +4551,13 @@
             </p:custDataLst>
             <p:extLst>
               <p:ext uri="{D42A27DB-BD31-4B8C-83A1-F6EECF244321}">
-                <p14:modId xmlns:p14="http://schemas.microsoft.com/office/powerpoint/2010/main" val="1227614620"/>
+                <p14:modId xmlns:p14="http://schemas.microsoft.com/office/powerpoint/2010/main" val="872173176"/>
               </p:ext>
             </p:extLst>
           </p:nvPr>
         </p:nvGraphicFramePr>
         <p:xfrm>
-          <a:off x="1024115" y="2011435"/>
+          <a:off x="1024115" y="3532004"/>
           <a:ext cx="4729413" cy="731520"/>
         </p:xfrm>
         <a:graphic>
@@ -4776,12 +4743,51 @@
           </a:p>
         </p:txBody>
       </p:sp>
+      <p:sp>
+        <p:nvSpPr>
+          <p:cNvPr id="5" name="文本框 5">
+            <a:extLst>
+              <a:ext uri="{FF2B5EF4-FFF2-40B4-BE49-F238E27FC236}">
+                <a16:creationId xmlns:a16="http://schemas.microsoft.com/office/drawing/2014/main" id="{AC224C3D-2F0B-1117-CB46-13F70F5AAEDD}"/>
+              </a:ext>
+            </a:extLst>
+          </p:cNvPr>
+          <p:cNvSpPr txBox="1"/>
+          <p:nvPr/>
+        </p:nvSpPr>
+        <p:spPr>
+          <a:xfrm>
+            <a:off x="608330" y="1241396"/>
+            <a:ext cx="9288145" cy="400110"/>
+          </a:xfrm>
+          <a:prstGeom prst="rect">
+            <a:avLst/>
+          </a:prstGeom>
+          <a:noFill/>
+        </p:spPr>
+        <p:txBody>
+          <a:bodyPr wrap="square" rtlCol="0">
+            <a:spAutoFit/>
+          </a:bodyPr>
+          <a:lstStyle/>
+          <a:p>
+            <a:pPr marL="342900" indent="-342900">
+              <a:buFont typeface="Arial" panose="020B0604020202020204" pitchFamily="34" charset="0"/>
+              <a:buChar char="•"/>
+            </a:pPr>
+            <a:r>
+              <a:rPr lang="en-US" altLang="zh-CN" sz="2000" dirty="0"/>
+              <a:t>We standardized units to metric:</a:t>
+            </a:r>
+          </a:p>
+        </p:txBody>
+      </p:sp>
       <p:graphicFrame>
         <p:nvGraphicFramePr>
-          <p:cNvPr id="9" name="表格 3">
+          <p:cNvPr id="11" name="表格 3">
             <a:extLst>
               <a:ext uri="{FF2B5EF4-FFF2-40B4-BE49-F238E27FC236}">
-                <a16:creationId xmlns:a16="http://schemas.microsoft.com/office/drawing/2014/main" id="{37308311-31A6-E158-A90D-632DC81D49B5}"/>
+                <a16:creationId xmlns:a16="http://schemas.microsoft.com/office/drawing/2014/main" id="{EC7A7008-9388-5E69-3FAD-B793FC9F11E5}"/>
               </a:ext>
             </a:extLst>
           </p:cNvPr>
@@ -4792,13 +4798,13 @@
             </p:custDataLst>
             <p:extLst>
               <p:ext uri="{D42A27DB-BD31-4B8C-83A1-F6EECF244321}">
-                <p14:modId xmlns:p14="http://schemas.microsoft.com/office/powerpoint/2010/main" val="2909047364"/>
+                <p14:modId xmlns:p14="http://schemas.microsoft.com/office/powerpoint/2010/main" val="2934884141"/>
               </p:ext>
             </p:extLst>
           </p:nvPr>
         </p:nvGraphicFramePr>
         <p:xfrm>
-          <a:off x="1024116" y="3168073"/>
+          <a:off x="1024116" y="1657775"/>
           <a:ext cx="3208838" cy="1130799"/>
         </p:xfrm>
         <a:graphic>
@@ -5981,6 +5987,11 @@
             <p:custDataLst>
               <p:tags r:id="rId2"/>
             </p:custDataLst>
+            <p:extLst>
+              <p:ext uri="{D42A27DB-BD31-4B8C-83A1-F6EECF244321}">
+                <p14:modId xmlns:p14="http://schemas.microsoft.com/office/powerpoint/2010/main" val="552097713"/>
+              </p:ext>
+            </p:extLst>
           </p:nvPr>
         </p:nvGraphicFramePr>
         <p:xfrm>
@@ -6133,12 +6144,18 @@
                         <a:buNone/>
                       </a:pPr>
                       <a:r>
-                        <a:rPr lang="zh-CN" altLang="en-US" sz="1800">
+                        <a:rPr lang="zh-CN" altLang="en-US" sz="1800" dirty="0">
                           <a:sym typeface="+mn-ea"/>
                         </a:rPr>
-                        <a:t>-0.67</a:t>
+                        <a:t>-0.</a:t>
                       </a:r>
-                      <a:endParaRPr lang="zh-CN" altLang="en-US"/>
+                      <a:r>
+                        <a:rPr lang="en-US" altLang="zh-CN" sz="1800" dirty="0">
+                          <a:sym typeface="+mn-ea"/>
+                        </a:rPr>
+                        <a:t>31</a:t>
+                      </a:r>
+                      <a:endParaRPr lang="zh-CN" altLang="en-US" dirty="0"/>
                     </a:p>
                   </a:txBody>
                   <a:tcPr/>

--- a/Bodyfat Group2.pptx
+++ b/Bodyfat Group2.pptx
@@ -6582,7 +6582,7 @@
             </p:custDataLst>
             <p:extLst>
               <p:ext uri="{D42A27DB-BD31-4B8C-83A1-F6EECF244321}">
-                <p14:modId xmlns:p14="http://schemas.microsoft.com/office/powerpoint/2010/main" val="4269182374"/>
+                <p14:modId xmlns:p14="http://schemas.microsoft.com/office/powerpoint/2010/main" val="2049089147"/>
               </p:ext>
             </p:extLst>
           </p:nvPr>
@@ -6705,8 +6705,8 @@
                         <a:buNone/>
                       </a:pPr>
                       <a:r>
-                        <a:rPr lang="en-US" altLang="zh-CN"/>
-                        <a:t>4.73</a:t>
+                        <a:rPr lang="en-US" altLang="zh-CN" dirty="0"/>
+                        <a:t>4.6</a:t>
                       </a:r>
                     </a:p>
                   </a:txBody>
@@ -6722,7 +6722,7 @@
                       </a:pPr>
                       <a:r>
                         <a:rPr lang="en-US" altLang="zh-CN" dirty="0"/>
-                        <a:t>4.73</a:t>
+                        <a:t>4.6</a:t>
                       </a:r>
                     </a:p>
                   </a:txBody>
